--- a/M365アーキテクチャ勉強会.pptx
+++ b/M365アーキテクチャ勉強会.pptx
@@ -8,17 +8,23 @@
     <p:sldId id="256" r:id="rId2"/>
     <p:sldId id="257" r:id="rId3"/>
     <p:sldId id="258" r:id="rId4"/>
-    <p:sldId id="259" r:id="rId5"/>
-    <p:sldId id="262" r:id="rId6"/>
-    <p:sldId id="261" r:id="rId7"/>
-    <p:sldId id="260" r:id="rId8"/>
-    <p:sldId id="263" r:id="rId9"/>
-    <p:sldId id="264" r:id="rId10"/>
-    <p:sldId id="265" r:id="rId11"/>
-    <p:sldId id="266" r:id="rId12"/>
-    <p:sldId id="267" r:id="rId13"/>
-    <p:sldId id="268" r:id="rId14"/>
-    <p:sldId id="269" r:id="rId15"/>
+    <p:sldId id="275" r:id="rId5"/>
+    <p:sldId id="259" r:id="rId6"/>
+    <p:sldId id="262" r:id="rId7"/>
+    <p:sldId id="270" r:id="rId8"/>
+    <p:sldId id="272" r:id="rId9"/>
+    <p:sldId id="273" r:id="rId10"/>
+    <p:sldId id="274" r:id="rId11"/>
+    <p:sldId id="261" r:id="rId12"/>
+    <p:sldId id="260" r:id="rId13"/>
+    <p:sldId id="271" r:id="rId14"/>
+    <p:sldId id="263" r:id="rId15"/>
+    <p:sldId id="264" r:id="rId16"/>
+    <p:sldId id="265" r:id="rId17"/>
+    <p:sldId id="266" r:id="rId18"/>
+    <p:sldId id="267" r:id="rId19"/>
+    <p:sldId id="268" r:id="rId20"/>
+    <p:sldId id="269" r:id="rId21"/>
   </p:sldIdLst>
   <p:sldSz cx="12192000" cy="6858000"/>
   <p:notesSz cx="6858000" cy="9144000"/>
@@ -125,10 +131,16 @@
             <p14:sldId id="256"/>
             <p14:sldId id="257"/>
             <p14:sldId id="258"/>
+            <p14:sldId id="275"/>
             <p14:sldId id="259"/>
             <p14:sldId id="262"/>
+            <p14:sldId id="270"/>
+            <p14:sldId id="272"/>
+            <p14:sldId id="273"/>
+            <p14:sldId id="274"/>
             <p14:sldId id="261"/>
             <p14:sldId id="260"/>
+            <p14:sldId id="271"/>
             <p14:sldId id="263"/>
           </p14:sldIdLst>
         </p14:section>
@@ -298,7 +310,7 @@
           <a:p>
             <a:fld id="{38AA3A73-8771-4960-98F6-7CBC24A0014B}" type="datetimeFigureOut">
               <a:rPr kumimoji="1" lang="ja-JP" altLang="en-US" smtClean="0"/>
-              <a:t>2021/4/21</a:t>
+              <a:t>2021/5/5</a:t>
             </a:fld>
             <a:endParaRPr kumimoji="1" lang="ja-JP" altLang="en-US"/>
           </a:p>
@@ -528,7 +540,7 @@
           <a:p>
             <a:fld id="{38AA3A73-8771-4960-98F6-7CBC24A0014B}" type="datetimeFigureOut">
               <a:rPr kumimoji="1" lang="ja-JP" altLang="en-US" smtClean="0"/>
-              <a:t>2021/4/21</a:t>
+              <a:t>2021/5/5</a:t>
             </a:fld>
             <a:endParaRPr kumimoji="1" lang="ja-JP" altLang="en-US"/>
           </a:p>
@@ -768,7 +780,7 @@
           <a:p>
             <a:fld id="{38AA3A73-8771-4960-98F6-7CBC24A0014B}" type="datetimeFigureOut">
               <a:rPr kumimoji="1" lang="ja-JP" altLang="en-US" smtClean="0"/>
-              <a:t>2021/4/21</a:t>
+              <a:t>2021/5/5</a:t>
             </a:fld>
             <a:endParaRPr kumimoji="1" lang="ja-JP" altLang="en-US"/>
           </a:p>
@@ -998,7 +1010,7 @@
           <a:p>
             <a:fld id="{38AA3A73-8771-4960-98F6-7CBC24A0014B}" type="datetimeFigureOut">
               <a:rPr kumimoji="1" lang="ja-JP" altLang="en-US" smtClean="0"/>
-              <a:t>2021/4/21</a:t>
+              <a:t>2021/5/5</a:t>
             </a:fld>
             <a:endParaRPr kumimoji="1" lang="ja-JP" altLang="en-US"/>
           </a:p>
@@ -1273,7 +1285,7 @@
           <a:p>
             <a:fld id="{38AA3A73-8771-4960-98F6-7CBC24A0014B}" type="datetimeFigureOut">
               <a:rPr kumimoji="1" lang="ja-JP" altLang="en-US" smtClean="0"/>
-              <a:t>2021/4/21</a:t>
+              <a:t>2021/5/5</a:t>
             </a:fld>
             <a:endParaRPr kumimoji="1" lang="ja-JP" altLang="en-US"/>
           </a:p>
@@ -1602,7 +1614,7 @@
           <a:p>
             <a:fld id="{38AA3A73-8771-4960-98F6-7CBC24A0014B}" type="datetimeFigureOut">
               <a:rPr kumimoji="1" lang="ja-JP" altLang="en-US" smtClean="0"/>
-              <a:t>2021/4/21</a:t>
+              <a:t>2021/5/5</a:t>
             </a:fld>
             <a:endParaRPr kumimoji="1" lang="ja-JP" altLang="en-US"/>
           </a:p>
@@ -2078,7 +2090,7 @@
           <a:p>
             <a:fld id="{38AA3A73-8771-4960-98F6-7CBC24A0014B}" type="datetimeFigureOut">
               <a:rPr kumimoji="1" lang="ja-JP" altLang="en-US" smtClean="0"/>
-              <a:t>2021/4/21</a:t>
+              <a:t>2021/5/5</a:t>
             </a:fld>
             <a:endParaRPr kumimoji="1" lang="ja-JP" altLang="en-US"/>
           </a:p>
@@ -2219,7 +2231,7 @@
           <a:p>
             <a:fld id="{38AA3A73-8771-4960-98F6-7CBC24A0014B}" type="datetimeFigureOut">
               <a:rPr kumimoji="1" lang="ja-JP" altLang="en-US" smtClean="0"/>
-              <a:t>2021/4/21</a:t>
+              <a:t>2021/5/5</a:t>
             </a:fld>
             <a:endParaRPr kumimoji="1" lang="ja-JP" altLang="en-US"/>
           </a:p>
@@ -2332,7 +2344,7 @@
           <a:p>
             <a:fld id="{38AA3A73-8771-4960-98F6-7CBC24A0014B}" type="datetimeFigureOut">
               <a:rPr kumimoji="1" lang="ja-JP" altLang="en-US" smtClean="0"/>
-              <a:t>2021/4/21</a:t>
+              <a:t>2021/5/5</a:t>
             </a:fld>
             <a:endParaRPr kumimoji="1" lang="ja-JP" altLang="en-US"/>
           </a:p>
@@ -2675,7 +2687,7 @@
           <a:p>
             <a:fld id="{38AA3A73-8771-4960-98F6-7CBC24A0014B}" type="datetimeFigureOut">
               <a:rPr kumimoji="1" lang="ja-JP" altLang="en-US" smtClean="0"/>
-              <a:t>2021/4/21</a:t>
+              <a:t>2021/5/5</a:t>
             </a:fld>
             <a:endParaRPr kumimoji="1" lang="ja-JP" altLang="en-US"/>
           </a:p>
@@ -2963,7 +2975,7 @@
           <a:p>
             <a:fld id="{38AA3A73-8771-4960-98F6-7CBC24A0014B}" type="datetimeFigureOut">
               <a:rPr kumimoji="1" lang="ja-JP" altLang="en-US" smtClean="0"/>
-              <a:t>2021/4/21</a:t>
+              <a:t>2021/5/5</a:t>
             </a:fld>
             <a:endParaRPr kumimoji="1" lang="ja-JP" altLang="en-US"/>
           </a:p>
@@ -3236,7 +3248,7 @@
           <a:p>
             <a:fld id="{38AA3A73-8771-4960-98F6-7CBC24A0014B}" type="datetimeFigureOut">
               <a:rPr kumimoji="1" lang="ja-JP" altLang="en-US" smtClean="0"/>
-              <a:t>2021/4/21</a:t>
+              <a:t>2021/5/5</a:t>
             </a:fld>
             <a:endParaRPr kumimoji="1" lang="ja-JP" altLang="en-US"/>
           </a:p>
@@ -3753,6 +3765,1302 @@
           <p:cNvPr id="2" name="タイトル 1">
             <a:extLst>
               <a:ext uri="{FF2B5EF4-FFF2-40B4-BE49-F238E27FC236}">
+                <a16:creationId xmlns:a16="http://schemas.microsoft.com/office/drawing/2014/main" id="{44C8FF3C-21FB-4C71-9C5D-28283AF8DB83}"/>
+              </a:ext>
+            </a:extLst>
+          </p:cNvPr>
+          <p:cNvSpPr>
+            <a:spLocks noGrp="1"/>
+          </p:cNvSpPr>
+          <p:nvPr>
+            <p:ph type="title"/>
+          </p:nvPr>
+        </p:nvSpPr>
+        <p:spPr/>
+        <p:txBody>
+          <a:bodyPr/>
+          <a:lstStyle/>
+          <a:p>
+            <a:r>
+              <a:rPr kumimoji="1" lang="en-US" altLang="ja-JP" dirty="0"/>
+              <a:t>Microsoft 365 Apps</a:t>
+            </a:r>
+            <a:br>
+              <a:rPr lang="en-US" altLang="ja-JP" dirty="0"/>
+            </a:br>
+            <a:r>
+              <a:rPr lang="en-US" altLang="ja-JP" dirty="0"/>
+              <a:t>	</a:t>
+            </a:r>
+            <a:r>
+              <a:rPr kumimoji="1" lang="ja-JP" altLang="en-US" dirty="0"/>
+              <a:t>展開フェーズ注意点</a:t>
+            </a:r>
+          </a:p>
+        </p:txBody>
+      </p:sp>
+      <p:sp>
+        <p:nvSpPr>
+          <p:cNvPr id="3" name="コンテンツ プレースホルダー 2">
+            <a:extLst>
+              <a:ext uri="{FF2B5EF4-FFF2-40B4-BE49-F238E27FC236}">
+                <a16:creationId xmlns:a16="http://schemas.microsoft.com/office/drawing/2014/main" id="{1E4BBBC6-44DA-4177-B282-96ABFD3D28A3}"/>
+              </a:ext>
+            </a:extLst>
+          </p:cNvPr>
+          <p:cNvSpPr>
+            <a:spLocks noGrp="1"/>
+          </p:cNvSpPr>
+          <p:nvPr>
+            <p:ph idx="1"/>
+          </p:nvPr>
+        </p:nvSpPr>
+        <p:spPr/>
+        <p:txBody>
+          <a:bodyPr>
+            <a:normAutofit fontScale="55000" lnSpcReduction="20000"/>
+          </a:bodyPr>
+          <a:lstStyle/>
+          <a:p>
+            <a:pPr marL="0" indent="0">
+              <a:lnSpc>
+                <a:spcPct val="120000"/>
+              </a:lnSpc>
+              <a:buNone/>
+            </a:pPr>
+            <a:r>
+              <a:rPr lang="ja-JP" altLang="en-US" dirty="0"/>
+              <a:t>展開フェーズにおける主な注意点としては以下のようなものがある。</a:t>
+            </a:r>
+            <a:endParaRPr lang="en-US" altLang="ja-JP" dirty="0"/>
+          </a:p>
+          <a:p>
+            <a:pPr marL="0" indent="0">
+              <a:buNone/>
+            </a:pPr>
+            <a:endParaRPr lang="en-US" altLang="ja-JP" dirty="0"/>
+          </a:p>
+          <a:p>
+            <a:r>
+              <a:rPr lang="ja-JP" altLang="en-US" dirty="0"/>
+              <a:t>バージョン</a:t>
+            </a:r>
+            <a:endParaRPr lang="en-US" altLang="ja-JP" dirty="0"/>
+          </a:p>
+          <a:p>
+            <a:pPr marL="457200" lvl="1" indent="0">
+              <a:lnSpc>
+                <a:spcPct val="120000"/>
+              </a:lnSpc>
+              <a:buNone/>
+            </a:pPr>
+            <a:r>
+              <a:rPr lang="en-US" altLang="ja-JP" sz="2300" dirty="0"/>
+              <a:t>Windows 10</a:t>
+            </a:r>
+            <a:r>
+              <a:rPr lang="ja-JP" altLang="en-US" sz="2300" dirty="0"/>
+              <a:t>のような機能アップグレードがあるため、導入時のバージョンによって利用できる機能に制限がある。特にマクロ動作等については十分に検証されたバージョンで導入するのが望ましい。</a:t>
+            </a:r>
+            <a:endParaRPr lang="en-US" altLang="ja-JP" sz="2300" dirty="0"/>
+          </a:p>
+          <a:p>
+            <a:pPr marL="457200" lvl="1" indent="0">
+              <a:buNone/>
+            </a:pPr>
+            <a:endParaRPr lang="en-US" altLang="ja-JP" dirty="0"/>
+          </a:p>
+          <a:p>
+            <a:r>
+              <a:rPr lang="ja-JP" altLang="en-US" dirty="0"/>
+              <a:t>アーキテクチャ</a:t>
+            </a:r>
+            <a:endParaRPr lang="en-US" altLang="ja-JP" dirty="0"/>
+          </a:p>
+          <a:p>
+            <a:pPr marL="457200" lvl="1" indent="0">
+              <a:lnSpc>
+                <a:spcPct val="120000"/>
+              </a:lnSpc>
+              <a:buNone/>
+            </a:pPr>
+            <a:r>
+              <a:rPr lang="en-US" altLang="ja-JP" sz="2300" dirty="0"/>
+              <a:t>Office</a:t>
+            </a:r>
+            <a:r>
+              <a:rPr lang="ja-JP" altLang="en-US" sz="2300" dirty="0"/>
+              <a:t>製品のアーキテクチャ（</a:t>
+            </a:r>
+            <a:r>
+              <a:rPr lang="en-US" altLang="ja-JP" sz="2300" dirty="0"/>
+              <a:t>32bit</a:t>
+            </a:r>
+            <a:r>
+              <a:rPr lang="ja-JP" altLang="en-US" sz="2300" dirty="0"/>
+              <a:t>か</a:t>
+            </a:r>
+            <a:r>
+              <a:rPr lang="en-US" altLang="ja-JP" sz="2300" dirty="0"/>
+              <a:t>64bit</a:t>
+            </a:r>
+            <a:r>
+              <a:rPr lang="ja-JP" altLang="en-US" sz="2300" dirty="0"/>
+              <a:t>）は全て統一する必要がある。例えば、使用している</a:t>
+            </a:r>
+            <a:r>
+              <a:rPr lang="en-US" altLang="ja-JP" sz="2300" dirty="0"/>
+              <a:t>Visio</a:t>
+            </a:r>
+            <a:r>
+              <a:rPr lang="ja-JP" altLang="en-US" sz="2300" dirty="0"/>
+              <a:t>が</a:t>
+            </a:r>
+            <a:r>
+              <a:rPr lang="en-US" altLang="ja-JP" sz="2300" dirty="0"/>
+              <a:t>32bit</a:t>
+            </a:r>
+            <a:r>
+              <a:rPr lang="ja-JP" altLang="en-US" sz="2300" dirty="0"/>
+              <a:t>であれば</a:t>
+            </a:r>
+            <a:r>
+              <a:rPr lang="en-US" altLang="ja-JP" sz="2300" dirty="0"/>
+              <a:t>32bit</a:t>
+            </a:r>
+            <a:r>
+              <a:rPr lang="ja-JP" altLang="en-US" sz="2300" dirty="0"/>
+              <a:t>版の</a:t>
+            </a:r>
+            <a:r>
+              <a:rPr lang="en-US" altLang="ja-JP" sz="2300" dirty="0"/>
+              <a:t>M365 Apps</a:t>
+            </a:r>
+            <a:r>
+              <a:rPr lang="ja-JP" altLang="en-US" sz="2300" dirty="0"/>
+              <a:t>のインストールが必要となる。</a:t>
+            </a:r>
+            <a:endParaRPr lang="en-US" altLang="ja-JP" dirty="0"/>
+          </a:p>
+          <a:p>
+            <a:pPr marL="457200" lvl="1" indent="0">
+              <a:buNone/>
+            </a:pPr>
+            <a:endParaRPr lang="en-US" altLang="ja-JP" dirty="0"/>
+          </a:p>
+          <a:p>
+            <a:r>
+              <a:rPr lang="ja-JP" altLang="en-US" dirty="0"/>
+              <a:t>対象製品</a:t>
+            </a:r>
+            <a:endParaRPr lang="en-US" altLang="ja-JP" dirty="0"/>
+          </a:p>
+          <a:p>
+            <a:pPr marL="457200" lvl="1" indent="0">
+              <a:lnSpc>
+                <a:spcPct val="120000"/>
+              </a:lnSpc>
+              <a:buNone/>
+            </a:pPr>
+            <a:r>
+              <a:rPr lang="ja-JP" altLang="en-US" sz="2300" dirty="0"/>
+              <a:t>指定しなければ、</a:t>
+            </a:r>
+            <a:r>
+              <a:rPr lang="en-US" altLang="ja-JP" sz="2300" dirty="0"/>
+              <a:t>Teams</a:t>
+            </a:r>
+            <a:r>
+              <a:rPr lang="ja-JP" altLang="en-US" sz="2300" dirty="0"/>
+              <a:t>や</a:t>
+            </a:r>
+            <a:r>
+              <a:rPr lang="en-US" altLang="ja-JP" sz="2300" dirty="0"/>
+              <a:t>Access</a:t>
+            </a:r>
+            <a:r>
+              <a:rPr lang="ja-JP" altLang="en-US" sz="2300" dirty="0"/>
+              <a:t>も含めすべての</a:t>
+            </a:r>
+            <a:r>
+              <a:rPr lang="en-US" altLang="ja-JP" sz="2300" dirty="0"/>
+              <a:t>Office</a:t>
+            </a:r>
+            <a:r>
+              <a:rPr lang="ja-JP" altLang="en-US" sz="2300" dirty="0"/>
+              <a:t>製品がインストールされる。不要な製品であれば展開時に対象から除外するよう設定する。</a:t>
+            </a:r>
+            <a:endParaRPr lang="en-US" altLang="ja-JP" sz="2300" dirty="0"/>
+          </a:p>
+          <a:p>
+            <a:pPr marL="457200" lvl="1" indent="0">
+              <a:buNone/>
+            </a:pPr>
+            <a:endParaRPr kumimoji="1" lang="en-US" altLang="ja-JP" dirty="0"/>
+          </a:p>
+          <a:p>
+            <a:r>
+              <a:rPr lang="ja-JP" altLang="en-US" dirty="0"/>
+              <a:t>旧</a:t>
+            </a:r>
+            <a:r>
+              <a:rPr lang="en-US" altLang="ja-JP" dirty="0"/>
+              <a:t>Office</a:t>
+            </a:r>
+            <a:r>
+              <a:rPr lang="ja-JP" altLang="en-US" dirty="0"/>
+              <a:t>製品</a:t>
+            </a:r>
+            <a:endParaRPr lang="en-US" altLang="ja-JP" dirty="0"/>
+          </a:p>
+          <a:p>
+            <a:pPr marL="457200" lvl="1" indent="0">
+              <a:lnSpc>
+                <a:spcPct val="120000"/>
+              </a:lnSpc>
+              <a:buNone/>
+            </a:pPr>
+            <a:r>
+              <a:rPr lang="ja-JP" altLang="en-US" sz="2300" dirty="0"/>
+              <a:t>旧</a:t>
+            </a:r>
+            <a:r>
+              <a:rPr lang="en-US" altLang="ja-JP" sz="2300" dirty="0"/>
+              <a:t>Office</a:t>
+            </a:r>
+            <a:r>
+              <a:rPr lang="ja-JP" altLang="en-US" sz="2300" dirty="0"/>
+              <a:t>製品が不要であれば導入時にアンインストールすることが可能である。ただし特定製品のアンインストールではなく</a:t>
+            </a:r>
+            <a:r>
+              <a:rPr lang="en-US" altLang="ja-JP" sz="2300" dirty="0"/>
+              <a:t>Office</a:t>
+            </a:r>
+            <a:r>
+              <a:rPr lang="ja-JP" altLang="en-US" sz="2300" dirty="0"/>
+              <a:t>製品すべて（</a:t>
+            </a:r>
+            <a:r>
+              <a:rPr lang="en-US" altLang="ja-JP" sz="2300" dirty="0"/>
+              <a:t>Visio</a:t>
+            </a:r>
+            <a:r>
+              <a:rPr lang="ja-JP" altLang="en-US" sz="2300" dirty="0"/>
+              <a:t>、</a:t>
+            </a:r>
+            <a:r>
+              <a:rPr lang="en-US" altLang="ja-JP" sz="2300" dirty="0"/>
+              <a:t>Access</a:t>
+            </a:r>
+            <a:r>
+              <a:rPr lang="ja-JP" altLang="en-US" sz="2300" dirty="0"/>
+              <a:t>含む）がアンインストールされる。</a:t>
+            </a:r>
+            <a:endParaRPr lang="en-US" altLang="ja-JP" sz="2300" dirty="0"/>
+          </a:p>
+        </p:txBody>
+      </p:sp>
+    </p:spTree>
+    <p:extLst>
+      <p:ext uri="{BB962C8B-B14F-4D97-AF65-F5344CB8AC3E}">
+        <p14:creationId xmlns:p14="http://schemas.microsoft.com/office/powerpoint/2010/main" val="957701223"/>
+      </p:ext>
+    </p:extLst>
+  </p:cSld>
+  <p:clrMapOvr>
+    <a:masterClrMapping/>
+  </p:clrMapOvr>
+</p:sld>
+</file>
+
+<file path=ppt/slides/slide11.xml><?xml version="1.0" encoding="utf-8"?>
+<p:sld xmlns:a="http://schemas.openxmlformats.org/drawingml/2006/main" xmlns:r="http://schemas.openxmlformats.org/officeDocument/2006/relationships" xmlns:p="http://schemas.openxmlformats.org/presentationml/2006/main">
+  <p:cSld>
+    <p:spTree>
+      <p:nvGrpSpPr>
+        <p:cNvPr id="1" name=""/>
+        <p:cNvGrpSpPr/>
+        <p:nvPr/>
+      </p:nvGrpSpPr>
+      <p:grpSpPr>
+        <a:xfrm>
+          <a:off x="0" y="0"/>
+          <a:ext cx="0" cy="0"/>
+          <a:chOff x="0" y="0"/>
+          <a:chExt cx="0" cy="0"/>
+        </a:xfrm>
+      </p:grpSpPr>
+      <p:sp>
+        <p:nvSpPr>
+          <p:cNvPr id="2" name="タイトル 1">
+            <a:extLst>
+              <a:ext uri="{FF2B5EF4-FFF2-40B4-BE49-F238E27FC236}">
+                <a16:creationId xmlns:a16="http://schemas.microsoft.com/office/drawing/2014/main" id="{44C8FF3C-21FB-4C71-9C5D-28283AF8DB83}"/>
+              </a:ext>
+            </a:extLst>
+          </p:cNvPr>
+          <p:cNvSpPr>
+            <a:spLocks noGrp="1"/>
+          </p:cNvSpPr>
+          <p:nvPr>
+            <p:ph type="title"/>
+          </p:nvPr>
+        </p:nvSpPr>
+        <p:spPr/>
+        <p:txBody>
+          <a:bodyPr/>
+          <a:lstStyle/>
+          <a:p>
+            <a:r>
+              <a:rPr kumimoji="1" lang="en-US" altLang="ja-JP" dirty="0"/>
+              <a:t>Microsoft 365 Apps</a:t>
+            </a:r>
+            <a:br>
+              <a:rPr kumimoji="1" lang="en-US" altLang="ja-JP" dirty="0"/>
+            </a:br>
+            <a:r>
+              <a:rPr kumimoji="1" lang="en-US" altLang="ja-JP" dirty="0"/>
+              <a:t>	</a:t>
+            </a:r>
+            <a:r>
+              <a:rPr kumimoji="1" lang="ja-JP" altLang="en-US" dirty="0"/>
+              <a:t>運用フェーズ（更新）</a:t>
+            </a:r>
+          </a:p>
+        </p:txBody>
+      </p:sp>
+      <p:sp>
+        <p:nvSpPr>
+          <p:cNvPr id="3" name="コンテンツ プレースホルダー 2">
+            <a:extLst>
+              <a:ext uri="{FF2B5EF4-FFF2-40B4-BE49-F238E27FC236}">
+                <a16:creationId xmlns:a16="http://schemas.microsoft.com/office/drawing/2014/main" id="{1E4BBBC6-44DA-4177-B282-96ABFD3D28A3}"/>
+              </a:ext>
+            </a:extLst>
+          </p:cNvPr>
+          <p:cNvSpPr>
+            <a:spLocks noGrp="1"/>
+          </p:cNvSpPr>
+          <p:nvPr>
+            <p:ph idx="1"/>
+          </p:nvPr>
+        </p:nvSpPr>
+        <p:spPr/>
+        <p:txBody>
+          <a:bodyPr>
+            <a:normAutofit/>
+          </a:bodyPr>
+          <a:lstStyle/>
+          <a:p>
+            <a:pPr marL="0" indent="0">
+              <a:buNone/>
+            </a:pPr>
+            <a:r>
+              <a:rPr kumimoji="1" lang="ja-JP" altLang="en-US" dirty="0"/>
+              <a:t>通常の</a:t>
+            </a:r>
+            <a:r>
+              <a:rPr kumimoji="1" lang="en-US" altLang="ja-JP" dirty="0"/>
+              <a:t>Office</a:t>
+            </a:r>
+            <a:r>
+              <a:rPr kumimoji="1" lang="ja-JP" altLang="en-US" dirty="0"/>
+              <a:t>製品と異なり、定期的に新機能が追加される。</a:t>
+            </a:r>
+            <a:r>
+              <a:rPr lang="en-US" altLang="ja-JP" dirty="0"/>
+              <a:t>3</a:t>
+            </a:r>
+            <a:r>
+              <a:rPr lang="ja-JP" altLang="en-US" dirty="0"/>
+              <a:t>つの主要な更新チャネルがあり、それぞれサポート期間が異なる。</a:t>
+            </a:r>
+            <a:endParaRPr lang="en-US" altLang="ja-JP" dirty="0"/>
+          </a:p>
+          <a:p>
+            <a:pPr marL="0" indent="0">
+              <a:buNone/>
+            </a:pPr>
+            <a:endParaRPr lang="en-US" altLang="ja-JP" dirty="0"/>
+          </a:p>
+          <a:p>
+            <a:pPr lvl="1"/>
+            <a:r>
+              <a:rPr kumimoji="1" lang="ja-JP" altLang="en-US" dirty="0"/>
+              <a:t>最新チャネル：新機能リリース次第、即時追加される。</a:t>
+            </a:r>
+            <a:endParaRPr kumimoji="1" lang="en-US" altLang="ja-JP" dirty="0"/>
+          </a:p>
+          <a:p>
+            <a:pPr lvl="1"/>
+            <a:r>
+              <a:rPr lang="ja-JP" altLang="en-US" dirty="0"/>
+              <a:t>月次エンタープライズチャネル：毎月新機能が追加される。</a:t>
+            </a:r>
+            <a:endParaRPr lang="en-US" altLang="ja-JP" dirty="0"/>
+          </a:p>
+          <a:p>
+            <a:pPr lvl="1"/>
+            <a:r>
+              <a:rPr kumimoji="1" lang="ja-JP" altLang="en-US" dirty="0"/>
+              <a:t>半期エンタープライズチャネル：年に</a:t>
+            </a:r>
+            <a:r>
+              <a:rPr kumimoji="1" lang="en-US" altLang="ja-JP" dirty="0"/>
+              <a:t>2</a:t>
+            </a:r>
+            <a:r>
+              <a:rPr kumimoji="1" lang="ja-JP" altLang="en-US" dirty="0"/>
+              <a:t>回新機能が追加される。</a:t>
+            </a:r>
+            <a:endParaRPr kumimoji="1" lang="en-US" altLang="ja-JP" dirty="0"/>
+          </a:p>
+          <a:p>
+            <a:pPr lvl="1"/>
+            <a:endParaRPr lang="en-US" altLang="ja-JP" dirty="0"/>
+          </a:p>
+          <a:p>
+            <a:pPr marL="0" indent="0">
+              <a:buNone/>
+            </a:pPr>
+            <a:r>
+              <a:rPr kumimoji="1" lang="ja-JP" altLang="en-US" dirty="0"/>
+              <a:t>セキュリティ更新プログラムは毎月リリースされ、</a:t>
+            </a:r>
+            <a:r>
+              <a:rPr kumimoji="1" lang="en-US" altLang="ja-JP" dirty="0"/>
+              <a:t>OS</a:t>
+            </a:r>
+            <a:r>
+              <a:rPr kumimoji="1" lang="ja-JP" altLang="en-US" dirty="0"/>
+              <a:t>同様に累積パッチとなる。</a:t>
+            </a:r>
+            <a:endParaRPr kumimoji="1" lang="en-US" altLang="ja-JP" dirty="0"/>
+          </a:p>
+          <a:p>
+            <a:pPr marL="0" indent="0">
+              <a:buNone/>
+            </a:pPr>
+            <a:r>
+              <a:rPr lang="ja-JP" altLang="en-US" sz="1600" dirty="0"/>
+              <a:t>（</a:t>
+            </a:r>
+            <a:r>
+              <a:rPr lang="en-US" altLang="ja-JP" sz="1600" dirty="0"/>
+              <a:t>※</a:t>
+            </a:r>
+            <a:r>
+              <a:rPr lang="ja-JP" altLang="en-US" sz="1600" dirty="0"/>
+              <a:t>）月次、半期チャネルの機能リリース時はセキュリティ更新プログラムも含めてリリースされる。</a:t>
+            </a:r>
+            <a:endParaRPr kumimoji="1" lang="ja-JP" altLang="en-US" dirty="0"/>
+          </a:p>
+        </p:txBody>
+      </p:sp>
+    </p:spTree>
+    <p:extLst>
+      <p:ext uri="{BB962C8B-B14F-4D97-AF65-F5344CB8AC3E}">
+        <p14:creationId xmlns:p14="http://schemas.microsoft.com/office/powerpoint/2010/main" val="4132821678"/>
+      </p:ext>
+    </p:extLst>
+  </p:cSld>
+  <p:clrMapOvr>
+    <a:masterClrMapping/>
+  </p:clrMapOvr>
+</p:sld>
+</file>
+
+<file path=ppt/slides/slide12.xml><?xml version="1.0" encoding="utf-8"?>
+<p:sld xmlns:a="http://schemas.openxmlformats.org/drawingml/2006/main" xmlns:r="http://schemas.openxmlformats.org/officeDocument/2006/relationships" xmlns:p="http://schemas.openxmlformats.org/presentationml/2006/main">
+  <p:cSld>
+    <p:spTree>
+      <p:nvGrpSpPr>
+        <p:cNvPr id="1" name=""/>
+        <p:cNvGrpSpPr/>
+        <p:nvPr/>
+      </p:nvGrpSpPr>
+      <p:grpSpPr>
+        <a:xfrm>
+          <a:off x="0" y="0"/>
+          <a:ext cx="0" cy="0"/>
+          <a:chOff x="0" y="0"/>
+          <a:chExt cx="0" cy="0"/>
+        </a:xfrm>
+      </p:grpSpPr>
+      <p:sp>
+        <p:nvSpPr>
+          <p:cNvPr id="2" name="タイトル 1">
+            <a:extLst>
+              <a:ext uri="{FF2B5EF4-FFF2-40B4-BE49-F238E27FC236}">
+                <a16:creationId xmlns:a16="http://schemas.microsoft.com/office/drawing/2014/main" id="{44C8FF3C-21FB-4C71-9C5D-28283AF8DB83}"/>
+              </a:ext>
+            </a:extLst>
+          </p:cNvPr>
+          <p:cNvSpPr>
+            <a:spLocks noGrp="1"/>
+          </p:cNvSpPr>
+          <p:nvPr>
+            <p:ph type="title"/>
+          </p:nvPr>
+        </p:nvSpPr>
+        <p:spPr/>
+        <p:txBody>
+          <a:bodyPr/>
+          <a:lstStyle/>
+          <a:p>
+            <a:r>
+              <a:rPr kumimoji="1" lang="en-US" altLang="ja-JP" dirty="0"/>
+              <a:t>Microsoft 365 Apps</a:t>
+            </a:r>
+            <a:br>
+              <a:rPr kumimoji="1" lang="en-US" altLang="ja-JP" dirty="0"/>
+            </a:br>
+            <a:r>
+              <a:rPr kumimoji="1" lang="en-US" altLang="ja-JP" dirty="0"/>
+              <a:t>	</a:t>
+            </a:r>
+            <a:r>
+              <a:rPr kumimoji="1" lang="ja-JP" altLang="en-US" dirty="0"/>
+              <a:t>運用フェーズ（更新）</a:t>
+            </a:r>
+          </a:p>
+        </p:txBody>
+      </p:sp>
+      <p:sp>
+        <p:nvSpPr>
+          <p:cNvPr id="3" name="コンテンツ プレースホルダー 2">
+            <a:extLst>
+              <a:ext uri="{FF2B5EF4-FFF2-40B4-BE49-F238E27FC236}">
+                <a16:creationId xmlns:a16="http://schemas.microsoft.com/office/drawing/2014/main" id="{1E4BBBC6-44DA-4177-B282-96ABFD3D28A3}"/>
+              </a:ext>
+            </a:extLst>
+          </p:cNvPr>
+          <p:cNvSpPr>
+            <a:spLocks noGrp="1"/>
+          </p:cNvSpPr>
+          <p:nvPr>
+            <p:ph idx="1"/>
+          </p:nvPr>
+        </p:nvSpPr>
+        <p:spPr/>
+        <p:txBody>
+          <a:bodyPr>
+            <a:normAutofit/>
+          </a:bodyPr>
+          <a:lstStyle/>
+          <a:p>
+            <a:pPr marL="0" indent="0">
+              <a:buNone/>
+            </a:pPr>
+            <a:r>
+              <a:rPr kumimoji="1" lang="en-US" altLang="ja-JP" dirty="0"/>
+              <a:t>Microsoft 365 Apps</a:t>
+            </a:r>
+            <a:r>
+              <a:rPr kumimoji="1" lang="ja-JP" altLang="en-US" dirty="0"/>
+              <a:t>の機能およびセキュリティ更新プログラムは</a:t>
+            </a:r>
+            <a:r>
+              <a:rPr kumimoji="1" lang="en-US" altLang="ja-JP" dirty="0"/>
+              <a:t>WSUS</a:t>
+            </a:r>
+            <a:r>
+              <a:rPr kumimoji="1" lang="ja-JP" altLang="en-US" dirty="0"/>
+              <a:t>で配布できない。このため、通常は</a:t>
+            </a:r>
+            <a:r>
+              <a:rPr lang="en-US" altLang="ja-JP" dirty="0"/>
+              <a:t>MECM</a:t>
+            </a:r>
+            <a:r>
+              <a:rPr lang="ja-JP" altLang="en-US" dirty="0"/>
+              <a:t>を利用するか、インターネットから直接取得する。</a:t>
+            </a:r>
+            <a:endParaRPr lang="en-US" altLang="ja-JP" dirty="0"/>
+          </a:p>
+          <a:p>
+            <a:pPr marL="0" indent="0">
+              <a:buNone/>
+            </a:pPr>
+            <a:endParaRPr lang="en-US" altLang="ja-JP" dirty="0"/>
+          </a:p>
+          <a:p>
+            <a:pPr marL="0" indent="0">
+              <a:buNone/>
+            </a:pPr>
+            <a:r>
+              <a:rPr lang="ja-JP" altLang="en-US" dirty="0"/>
+              <a:t>また、更新チャネルについては初期インストール時に設定するかグループポリシーで設定する。</a:t>
+            </a:r>
+            <a:endParaRPr lang="en-US" altLang="ja-JP" dirty="0"/>
+          </a:p>
+        </p:txBody>
+      </p:sp>
+    </p:spTree>
+    <p:extLst>
+      <p:ext uri="{BB962C8B-B14F-4D97-AF65-F5344CB8AC3E}">
+        <p14:creationId xmlns:p14="http://schemas.microsoft.com/office/powerpoint/2010/main" val="1306752662"/>
+      </p:ext>
+    </p:extLst>
+  </p:cSld>
+  <p:clrMapOvr>
+    <a:masterClrMapping/>
+  </p:clrMapOvr>
+</p:sld>
+</file>
+
+<file path=ppt/slides/slide13.xml><?xml version="1.0" encoding="utf-8"?>
+<p:sld xmlns:a="http://schemas.openxmlformats.org/drawingml/2006/main" xmlns:r="http://schemas.openxmlformats.org/officeDocument/2006/relationships" xmlns:p="http://schemas.openxmlformats.org/presentationml/2006/main">
+  <p:cSld>
+    <p:spTree>
+      <p:nvGrpSpPr>
+        <p:cNvPr id="1" name=""/>
+        <p:cNvGrpSpPr/>
+        <p:nvPr/>
+      </p:nvGrpSpPr>
+      <p:grpSpPr>
+        <a:xfrm>
+          <a:off x="0" y="0"/>
+          <a:ext cx="0" cy="0"/>
+          <a:chOff x="0" y="0"/>
+          <a:chExt cx="0" cy="0"/>
+        </a:xfrm>
+      </p:grpSpPr>
+      <p:sp>
+        <p:nvSpPr>
+          <p:cNvPr id="2" name="タイトル 1">
+            <a:extLst>
+              <a:ext uri="{FF2B5EF4-FFF2-40B4-BE49-F238E27FC236}">
+                <a16:creationId xmlns:a16="http://schemas.microsoft.com/office/drawing/2014/main" id="{44C8FF3C-21FB-4C71-9C5D-28283AF8DB83}"/>
+              </a:ext>
+            </a:extLst>
+          </p:cNvPr>
+          <p:cNvSpPr>
+            <a:spLocks noGrp="1"/>
+          </p:cNvSpPr>
+          <p:nvPr>
+            <p:ph type="title"/>
+          </p:nvPr>
+        </p:nvSpPr>
+        <p:spPr/>
+        <p:txBody>
+          <a:bodyPr/>
+          <a:lstStyle/>
+          <a:p>
+            <a:r>
+              <a:rPr kumimoji="1" lang="en-US" altLang="ja-JP" dirty="0"/>
+              <a:t>Microsoft 365 Apps</a:t>
+            </a:r>
+            <a:br>
+              <a:rPr lang="en-US" altLang="ja-JP" dirty="0"/>
+            </a:br>
+            <a:r>
+              <a:rPr lang="en-US" altLang="ja-JP" dirty="0"/>
+              <a:t>	</a:t>
+            </a:r>
+            <a:r>
+              <a:rPr kumimoji="1" lang="ja-JP" altLang="en-US" dirty="0"/>
+              <a:t>展開フェーズ</a:t>
+            </a:r>
+          </a:p>
+        </p:txBody>
+      </p:sp>
+      <p:graphicFrame>
+        <p:nvGraphicFramePr>
+          <p:cNvPr id="6" name="表 6">
+            <a:extLst>
+              <a:ext uri="{FF2B5EF4-FFF2-40B4-BE49-F238E27FC236}">
+                <a16:creationId xmlns:a16="http://schemas.microsoft.com/office/drawing/2014/main" id="{37148400-FA25-47B3-B72F-4EBC3C7741CF}"/>
+              </a:ext>
+            </a:extLst>
+          </p:cNvPr>
+          <p:cNvGraphicFramePr>
+            <a:graphicFrameLocks noGrp="1"/>
+          </p:cNvGraphicFramePr>
+          <p:nvPr>
+            <p:extLst>
+              <p:ext uri="{D42A27DB-BD31-4B8C-83A1-F6EECF244321}">
+                <p14:modId xmlns:p14="http://schemas.microsoft.com/office/powerpoint/2010/main" val="1730290913"/>
+              </p:ext>
+            </p:extLst>
+          </p:nvPr>
+        </p:nvGraphicFramePr>
+        <p:xfrm>
+          <a:off x="838199" y="2015806"/>
+          <a:ext cx="10312152" cy="1483360"/>
+        </p:xfrm>
+        <a:graphic>
+          <a:graphicData uri="http://schemas.openxmlformats.org/drawingml/2006/table">
+            <a:tbl>
+              <a:tblPr firstRow="1" bandRow="1">
+                <a:tableStyleId>{5C22544A-7EE6-4342-B048-85BDC9FD1C3A}</a:tableStyleId>
+              </a:tblPr>
+              <a:tblGrid>
+                <a:gridCol w="2578038">
+                  <a:extLst>
+                    <a:ext uri="{9D8B030D-6E8A-4147-A177-3AD203B41FA5}">
+                      <a16:colId xmlns:a16="http://schemas.microsoft.com/office/drawing/2014/main" val="2964894824"/>
+                    </a:ext>
+                  </a:extLst>
+                </a:gridCol>
+                <a:gridCol w="2578038">
+                  <a:extLst>
+                    <a:ext uri="{9D8B030D-6E8A-4147-A177-3AD203B41FA5}">
+                      <a16:colId xmlns:a16="http://schemas.microsoft.com/office/drawing/2014/main" val="1039082176"/>
+                    </a:ext>
+                  </a:extLst>
+                </a:gridCol>
+                <a:gridCol w="2578038">
+                  <a:extLst>
+                    <a:ext uri="{9D8B030D-6E8A-4147-A177-3AD203B41FA5}">
+                      <a16:colId xmlns:a16="http://schemas.microsoft.com/office/drawing/2014/main" val="215958138"/>
+                    </a:ext>
+                  </a:extLst>
+                </a:gridCol>
+                <a:gridCol w="2578038">
+                  <a:extLst>
+                    <a:ext uri="{9D8B030D-6E8A-4147-A177-3AD203B41FA5}">
+                      <a16:colId xmlns:a16="http://schemas.microsoft.com/office/drawing/2014/main" val="2815398035"/>
+                    </a:ext>
+                  </a:extLst>
+                </a:gridCol>
+              </a:tblGrid>
+              <a:tr h="370840">
+                <a:tc>
+                  <a:txBody>
+                    <a:bodyPr/>
+                    <a:lstStyle/>
+                    <a:p>
+                      <a:endParaRPr kumimoji="1" lang="ja-JP" altLang="en-US"/>
+                    </a:p>
+                  </a:txBody>
+                  <a:tcPr/>
+                </a:tc>
+                <a:tc>
+                  <a:txBody>
+                    <a:bodyPr/>
+                    <a:lstStyle/>
+                    <a:p>
+                      <a:r>
+                        <a:rPr kumimoji="1" lang="ja-JP" altLang="en-US" dirty="0"/>
+                        <a:t>共有フォルダ</a:t>
+                      </a:r>
+                    </a:p>
+                  </a:txBody>
+                  <a:tcPr/>
+                </a:tc>
+                <a:tc>
+                  <a:txBody>
+                    <a:bodyPr/>
+                    <a:lstStyle/>
+                    <a:p>
+                      <a:r>
+                        <a:rPr kumimoji="1" lang="ja-JP" altLang="en-US" dirty="0"/>
+                        <a:t>資産管理システム</a:t>
+                      </a:r>
+                    </a:p>
+                  </a:txBody>
+                  <a:tcPr/>
+                </a:tc>
+                <a:tc>
+                  <a:txBody>
+                    <a:bodyPr/>
+                    <a:lstStyle/>
+                    <a:p>
+                      <a:r>
+                        <a:rPr kumimoji="1" lang="en-US" altLang="ja-JP" dirty="0"/>
+                        <a:t>MECM</a:t>
+                      </a:r>
+                      <a:endParaRPr kumimoji="1" lang="ja-JP" altLang="en-US" dirty="0"/>
+                    </a:p>
+                  </a:txBody>
+                  <a:tcPr/>
+                </a:tc>
+                <a:extLst>
+                  <a:ext uri="{0D108BD9-81ED-4DB2-BD59-A6C34878D82A}">
+                    <a16:rowId xmlns:a16="http://schemas.microsoft.com/office/drawing/2014/main" val="2481158247"/>
+                  </a:ext>
+                </a:extLst>
+              </a:tr>
+              <a:tr h="370840">
+                <a:tc>
+                  <a:txBody>
+                    <a:bodyPr/>
+                    <a:lstStyle/>
+                    <a:p>
+                      <a:r>
+                        <a:rPr kumimoji="1" lang="ja-JP" altLang="en-US" dirty="0"/>
+                        <a:t>展開</a:t>
+                      </a:r>
+                    </a:p>
+                  </a:txBody>
+                  <a:tcPr/>
+                </a:tc>
+                <a:tc>
+                  <a:txBody>
+                    <a:bodyPr/>
+                    <a:lstStyle/>
+                    <a:p>
+                      <a:endParaRPr kumimoji="1" lang="ja-JP" altLang="en-US"/>
+                    </a:p>
+                  </a:txBody>
+                  <a:tcPr/>
+                </a:tc>
+                <a:tc>
+                  <a:txBody>
+                    <a:bodyPr/>
+                    <a:lstStyle/>
+                    <a:p>
+                      <a:endParaRPr kumimoji="1" lang="ja-JP" altLang="en-US"/>
+                    </a:p>
+                  </a:txBody>
+                  <a:tcPr/>
+                </a:tc>
+                <a:tc>
+                  <a:txBody>
+                    <a:bodyPr/>
+                    <a:lstStyle/>
+                    <a:p>
+                      <a:endParaRPr kumimoji="1" lang="ja-JP" altLang="en-US"/>
+                    </a:p>
+                  </a:txBody>
+                  <a:tcPr/>
+                </a:tc>
+                <a:extLst>
+                  <a:ext uri="{0D108BD9-81ED-4DB2-BD59-A6C34878D82A}">
+                    <a16:rowId xmlns:a16="http://schemas.microsoft.com/office/drawing/2014/main" val="28155291"/>
+                  </a:ext>
+                </a:extLst>
+              </a:tr>
+              <a:tr h="370840">
+                <a:tc>
+                  <a:txBody>
+                    <a:bodyPr/>
+                    <a:lstStyle/>
+                    <a:p>
+                      <a:r>
+                        <a:rPr kumimoji="1" lang="ja-JP" altLang="en-US" dirty="0"/>
+                        <a:t>メンテナンス</a:t>
+                      </a:r>
+                    </a:p>
+                  </a:txBody>
+                  <a:tcPr/>
+                </a:tc>
+                <a:tc>
+                  <a:txBody>
+                    <a:bodyPr/>
+                    <a:lstStyle/>
+                    <a:p>
+                      <a:endParaRPr kumimoji="1" lang="ja-JP" altLang="en-US"/>
+                    </a:p>
+                  </a:txBody>
+                  <a:tcPr/>
+                </a:tc>
+                <a:tc>
+                  <a:txBody>
+                    <a:bodyPr/>
+                    <a:lstStyle/>
+                    <a:p>
+                      <a:endParaRPr kumimoji="1" lang="ja-JP" altLang="en-US"/>
+                    </a:p>
+                  </a:txBody>
+                  <a:tcPr/>
+                </a:tc>
+                <a:tc>
+                  <a:txBody>
+                    <a:bodyPr/>
+                    <a:lstStyle/>
+                    <a:p>
+                      <a:endParaRPr kumimoji="1" lang="ja-JP" altLang="en-US"/>
+                    </a:p>
+                  </a:txBody>
+                  <a:tcPr/>
+                </a:tc>
+                <a:extLst>
+                  <a:ext uri="{0D108BD9-81ED-4DB2-BD59-A6C34878D82A}">
+                    <a16:rowId xmlns:a16="http://schemas.microsoft.com/office/drawing/2014/main" val="816727575"/>
+                  </a:ext>
+                </a:extLst>
+              </a:tr>
+              <a:tr h="370840">
+                <a:tc>
+                  <a:txBody>
+                    <a:bodyPr/>
+                    <a:lstStyle/>
+                    <a:p>
+                      <a:endParaRPr kumimoji="1" lang="ja-JP" altLang="en-US"/>
+                    </a:p>
+                  </a:txBody>
+                  <a:tcPr/>
+                </a:tc>
+                <a:tc>
+                  <a:txBody>
+                    <a:bodyPr/>
+                    <a:lstStyle/>
+                    <a:p>
+                      <a:endParaRPr kumimoji="1" lang="ja-JP" altLang="en-US"/>
+                    </a:p>
+                  </a:txBody>
+                  <a:tcPr/>
+                </a:tc>
+                <a:tc>
+                  <a:txBody>
+                    <a:bodyPr/>
+                    <a:lstStyle/>
+                    <a:p>
+                      <a:endParaRPr kumimoji="1" lang="ja-JP" altLang="en-US" dirty="0"/>
+                    </a:p>
+                  </a:txBody>
+                  <a:tcPr/>
+                </a:tc>
+                <a:tc>
+                  <a:txBody>
+                    <a:bodyPr/>
+                    <a:lstStyle/>
+                    <a:p>
+                      <a:endParaRPr kumimoji="1" lang="ja-JP" altLang="en-US" dirty="0"/>
+                    </a:p>
+                  </a:txBody>
+                  <a:tcPr/>
+                </a:tc>
+                <a:extLst>
+                  <a:ext uri="{0D108BD9-81ED-4DB2-BD59-A6C34878D82A}">
+                    <a16:rowId xmlns:a16="http://schemas.microsoft.com/office/drawing/2014/main" val="3164677359"/>
+                  </a:ext>
+                </a:extLst>
+              </a:tr>
+            </a:tbl>
+          </a:graphicData>
+        </a:graphic>
+      </p:graphicFrame>
+    </p:spTree>
+    <p:extLst>
+      <p:ext uri="{BB962C8B-B14F-4D97-AF65-F5344CB8AC3E}">
+        <p14:creationId xmlns:p14="http://schemas.microsoft.com/office/powerpoint/2010/main" val="2136701679"/>
+      </p:ext>
+    </p:extLst>
+  </p:cSld>
+  <p:clrMapOvr>
+    <a:masterClrMapping/>
+  </p:clrMapOvr>
+</p:sld>
+</file>
+
+<file path=ppt/slides/slide14.xml><?xml version="1.0" encoding="utf-8"?>
+<p:sld xmlns:a="http://schemas.openxmlformats.org/drawingml/2006/main" xmlns:r="http://schemas.openxmlformats.org/officeDocument/2006/relationships" xmlns:p="http://schemas.openxmlformats.org/presentationml/2006/main">
+  <p:cSld>
+    <p:spTree>
+      <p:nvGrpSpPr>
+        <p:cNvPr id="1" name=""/>
+        <p:cNvGrpSpPr/>
+        <p:nvPr/>
+      </p:nvGrpSpPr>
+      <p:grpSpPr>
+        <a:xfrm>
+          <a:off x="0" y="0"/>
+          <a:ext cx="0" cy="0"/>
+          <a:chOff x="0" y="0"/>
+          <a:chExt cx="0" cy="0"/>
+        </a:xfrm>
+      </p:grpSpPr>
+      <p:sp>
+        <p:nvSpPr>
+          <p:cNvPr id="2" name="タイトル 1">
+            <a:extLst>
+              <a:ext uri="{FF2B5EF4-FFF2-40B4-BE49-F238E27FC236}">
+                <a16:creationId xmlns:a16="http://schemas.microsoft.com/office/drawing/2014/main" id="{44C8FF3C-21FB-4C71-9C5D-28283AF8DB83}"/>
+              </a:ext>
+            </a:extLst>
+          </p:cNvPr>
+          <p:cNvSpPr>
+            <a:spLocks noGrp="1"/>
+          </p:cNvSpPr>
+          <p:nvPr>
+            <p:ph type="title"/>
+          </p:nvPr>
+        </p:nvSpPr>
+        <p:spPr/>
+        <p:txBody>
+          <a:bodyPr/>
+          <a:lstStyle/>
+          <a:p>
+            <a:r>
+              <a:rPr kumimoji="1" lang="en-US" altLang="ja-JP" dirty="0"/>
+              <a:t>Microsoft 365 Apps</a:t>
+            </a:r>
+            <a:br>
+              <a:rPr kumimoji="1" lang="en-US" altLang="ja-JP" dirty="0"/>
+            </a:br>
+            <a:r>
+              <a:rPr kumimoji="1" lang="en-US" altLang="ja-JP" dirty="0"/>
+              <a:t>	</a:t>
+            </a:r>
+            <a:r>
+              <a:rPr kumimoji="1" lang="ja-JP" altLang="en-US" dirty="0"/>
+              <a:t>運用フェーズ（認証）</a:t>
+            </a:r>
+          </a:p>
+        </p:txBody>
+      </p:sp>
+      <p:sp>
+        <p:nvSpPr>
+          <p:cNvPr id="3" name="コンテンツ プレースホルダー 2">
+            <a:extLst>
+              <a:ext uri="{FF2B5EF4-FFF2-40B4-BE49-F238E27FC236}">
+                <a16:creationId xmlns:a16="http://schemas.microsoft.com/office/drawing/2014/main" id="{1E4BBBC6-44DA-4177-B282-96ABFD3D28A3}"/>
+              </a:ext>
+            </a:extLst>
+          </p:cNvPr>
+          <p:cNvSpPr>
+            <a:spLocks noGrp="1"/>
+          </p:cNvSpPr>
+          <p:nvPr>
+            <p:ph idx="1"/>
+          </p:nvPr>
+        </p:nvSpPr>
+        <p:spPr/>
+        <p:txBody>
+          <a:bodyPr>
+            <a:normAutofit/>
+          </a:bodyPr>
+          <a:lstStyle/>
+          <a:p>
+            <a:pPr marL="0" indent="0">
+              <a:lnSpc>
+                <a:spcPct val="100000"/>
+              </a:lnSpc>
+              <a:buNone/>
+            </a:pPr>
+            <a:r>
+              <a:rPr lang="en-US" altLang="ja-JP" sz="2000" dirty="0"/>
+              <a:t>M365 Apps</a:t>
+            </a:r>
+            <a:r>
+              <a:rPr lang="ja-JP" altLang="en-US" sz="2000" dirty="0"/>
+              <a:t>でライセンス認証を行うには、</a:t>
+            </a:r>
+            <a:r>
+              <a:rPr lang="en-US" altLang="ja-JP" sz="2000" dirty="0"/>
+              <a:t>Azure AD</a:t>
+            </a:r>
+            <a:r>
+              <a:rPr lang="ja-JP" altLang="en-US" sz="2000" dirty="0"/>
+              <a:t>上に利用するユーザーで認証を行う必要がある。一般的にはオンプレ上の</a:t>
+            </a:r>
+            <a:r>
+              <a:rPr lang="en-US" altLang="ja-JP" sz="2000" dirty="0"/>
+              <a:t>AD</a:t>
+            </a:r>
+            <a:r>
+              <a:rPr lang="ja-JP" altLang="en-US" sz="2000" dirty="0"/>
+              <a:t>ユーザを</a:t>
+            </a:r>
+            <a:r>
+              <a:rPr lang="en-US" altLang="ja-JP" sz="2000" dirty="0"/>
+              <a:t>Azure AD</a:t>
+            </a:r>
+            <a:r>
+              <a:rPr lang="ja-JP" altLang="en-US" sz="2000" dirty="0"/>
+              <a:t>に同期し、</a:t>
+            </a:r>
+            <a:r>
+              <a:rPr lang="en-US" altLang="ja-JP" sz="2000" dirty="0"/>
+              <a:t>M365 Apps</a:t>
+            </a:r>
+            <a:r>
+              <a:rPr lang="ja-JP" altLang="en-US" sz="2000" dirty="0"/>
+              <a:t>のライセンスを割り当てる。</a:t>
+            </a:r>
+            <a:endParaRPr lang="en-US" altLang="ja-JP" sz="2000" dirty="0"/>
+          </a:p>
+          <a:p>
+            <a:pPr marL="0" indent="0">
+              <a:lnSpc>
+                <a:spcPct val="100000"/>
+              </a:lnSpc>
+              <a:buNone/>
+            </a:pPr>
+            <a:endParaRPr lang="en-US" altLang="ja-JP" sz="2000" dirty="0"/>
+          </a:p>
+          <a:p>
+            <a:pPr marL="0" indent="0">
+              <a:lnSpc>
+                <a:spcPct val="100000"/>
+              </a:lnSpc>
+              <a:buNone/>
+            </a:pPr>
+            <a:endParaRPr lang="en-US" altLang="ja-JP" sz="2000" dirty="0"/>
+          </a:p>
+        </p:txBody>
+      </p:sp>
+    </p:spTree>
+    <p:extLst>
+      <p:ext uri="{BB962C8B-B14F-4D97-AF65-F5344CB8AC3E}">
+        <p14:creationId xmlns:p14="http://schemas.microsoft.com/office/powerpoint/2010/main" val="3191717596"/>
+      </p:ext>
+    </p:extLst>
+  </p:cSld>
+  <p:clrMapOvr>
+    <a:masterClrMapping/>
+  </p:clrMapOvr>
+</p:sld>
+</file>
+
+<file path=ppt/slides/slide15.xml><?xml version="1.0" encoding="utf-8"?>
+<p:sld xmlns:a="http://schemas.openxmlformats.org/drawingml/2006/main" xmlns:r="http://schemas.openxmlformats.org/officeDocument/2006/relationships" xmlns:p="http://schemas.openxmlformats.org/presentationml/2006/main">
+  <p:cSld>
+    <p:spTree>
+      <p:nvGrpSpPr>
+        <p:cNvPr id="1" name=""/>
+        <p:cNvGrpSpPr/>
+        <p:nvPr/>
+      </p:nvGrpSpPr>
+      <p:grpSpPr>
+        <a:xfrm>
+          <a:off x="0" y="0"/>
+          <a:ext cx="0" cy="0"/>
+          <a:chOff x="0" y="0"/>
+          <a:chExt cx="0" cy="0"/>
+        </a:xfrm>
+      </p:grpSpPr>
+      <p:sp>
+        <p:nvSpPr>
+          <p:cNvPr id="2" name="タイトル 1">
+            <a:extLst>
+              <a:ext uri="{FF2B5EF4-FFF2-40B4-BE49-F238E27FC236}">
+                <a16:creationId xmlns:a16="http://schemas.microsoft.com/office/drawing/2014/main" id="{AAD9DDF9-3AA0-41F0-AE2D-A934782690F0}"/>
+              </a:ext>
+            </a:extLst>
+          </p:cNvPr>
+          <p:cNvSpPr>
+            <a:spLocks noGrp="1"/>
+          </p:cNvSpPr>
+          <p:nvPr>
+            <p:ph type="title"/>
+          </p:nvPr>
+        </p:nvSpPr>
+        <p:spPr/>
+        <p:txBody>
+          <a:bodyPr/>
+          <a:lstStyle/>
+          <a:p>
+            <a:r>
+              <a:rPr kumimoji="1" lang="en-US" altLang="ja-JP" dirty="0"/>
+              <a:t>Power Platform</a:t>
+            </a:r>
+            <a:endParaRPr kumimoji="1" lang="ja-JP" altLang="en-US" dirty="0"/>
+          </a:p>
+        </p:txBody>
+      </p:sp>
+      <p:sp>
+        <p:nvSpPr>
+          <p:cNvPr id="3" name="コンテンツ プレースホルダー 2">
+            <a:extLst>
+              <a:ext uri="{FF2B5EF4-FFF2-40B4-BE49-F238E27FC236}">
+                <a16:creationId xmlns:a16="http://schemas.microsoft.com/office/drawing/2014/main" id="{E270D3F4-3A98-41CA-98EE-CF8F174151B2}"/>
+              </a:ext>
+            </a:extLst>
+          </p:cNvPr>
+          <p:cNvSpPr>
+            <a:spLocks noGrp="1"/>
+          </p:cNvSpPr>
+          <p:nvPr>
+            <p:ph idx="1"/>
+          </p:nvPr>
+        </p:nvSpPr>
+        <p:spPr/>
+        <p:txBody>
+          <a:bodyPr/>
+          <a:lstStyle/>
+          <a:p>
+            <a:pPr marL="0" indent="0">
+              <a:buNone/>
+            </a:pPr>
+            <a:r>
+              <a:rPr kumimoji="1" lang="en-US" altLang="ja-JP" dirty="0"/>
+              <a:t>Office</a:t>
+            </a:r>
+            <a:r>
+              <a:rPr lang="ja-JP" altLang="en-US" dirty="0"/>
+              <a:t>や各種製品と連携しながらアプリ</a:t>
+            </a:r>
+            <a:r>
+              <a:rPr kumimoji="1" lang="ja-JP" altLang="en-US" dirty="0"/>
+              <a:t>開発・業務自動化やデータ分析を行うことができる</a:t>
+            </a:r>
+            <a:r>
+              <a:rPr kumimoji="1" lang="en-US" altLang="ja-JP" dirty="0"/>
+              <a:t>Microsoft</a:t>
+            </a:r>
+            <a:r>
+              <a:rPr kumimoji="1" lang="ja-JP" altLang="en-US" dirty="0"/>
+              <a:t>ソリューション。</a:t>
+            </a:r>
+            <a:endParaRPr kumimoji="1" lang="en-US" altLang="ja-JP" dirty="0"/>
+          </a:p>
+          <a:p>
+            <a:pPr marL="0" indent="0">
+              <a:buNone/>
+            </a:pPr>
+            <a:r>
+              <a:rPr lang="ja-JP" altLang="en-US" sz="2000" dirty="0"/>
+              <a:t>（</a:t>
+            </a:r>
+            <a:r>
+              <a:rPr lang="en-US" altLang="ja-JP" sz="2000" dirty="0"/>
+              <a:t>※</a:t>
+            </a:r>
+            <a:r>
+              <a:rPr lang="ja-JP" altLang="en-US" sz="2000" dirty="0"/>
+              <a:t>）</a:t>
+            </a:r>
+            <a:r>
+              <a:rPr lang="en-US" altLang="ja-JP" sz="2000" dirty="0"/>
+              <a:t>M365 Enterprise</a:t>
+            </a:r>
+            <a:r>
+              <a:rPr lang="ja-JP" altLang="en-US" sz="2000" dirty="0"/>
+              <a:t>ライセンスに応じて利用できる製品は異なる。</a:t>
+            </a:r>
+            <a:endParaRPr kumimoji="1" lang="ja-JP" altLang="en-US" dirty="0"/>
+          </a:p>
+        </p:txBody>
+      </p:sp>
+    </p:spTree>
+    <p:extLst>
+      <p:ext uri="{BB962C8B-B14F-4D97-AF65-F5344CB8AC3E}">
+        <p14:creationId xmlns:p14="http://schemas.microsoft.com/office/powerpoint/2010/main" val="2903763706"/>
+      </p:ext>
+    </p:extLst>
+  </p:cSld>
+  <p:clrMapOvr>
+    <a:masterClrMapping/>
+  </p:clrMapOvr>
+</p:sld>
+</file>
+
+<file path=ppt/slides/slide16.xml><?xml version="1.0" encoding="utf-8"?>
+<p:sld xmlns:a="http://schemas.openxmlformats.org/drawingml/2006/main" xmlns:r="http://schemas.openxmlformats.org/officeDocument/2006/relationships" xmlns:p="http://schemas.openxmlformats.org/presentationml/2006/main">
+  <p:cSld>
+    <p:spTree>
+      <p:nvGrpSpPr>
+        <p:cNvPr id="1" name=""/>
+        <p:cNvGrpSpPr/>
+        <p:nvPr/>
+      </p:nvGrpSpPr>
+      <p:grpSpPr>
+        <a:xfrm>
+          <a:off x="0" y="0"/>
+          <a:ext cx="0" cy="0"/>
+          <a:chOff x="0" y="0"/>
+          <a:chExt cx="0" cy="0"/>
+        </a:xfrm>
+      </p:grpSpPr>
+      <p:sp>
+        <p:nvSpPr>
+          <p:cNvPr id="2" name="タイトル 1">
+            <a:extLst>
+              <a:ext uri="{FF2B5EF4-FFF2-40B4-BE49-F238E27FC236}">
                 <a16:creationId xmlns:a16="http://schemas.microsoft.com/office/drawing/2014/main" id="{0E31CCC3-3F77-49DE-9BAA-C5193AD1F47C}"/>
               </a:ext>
             </a:extLst>
@@ -4332,7 +5640,7 @@
 </p:sld>
 </file>
 
-<file path=ppt/slides/slide11.xml><?xml version="1.0" encoding="utf-8"?>
+<file path=ppt/slides/slide17.xml><?xml version="1.0" encoding="utf-8"?>
 <p:sld xmlns:a="http://schemas.openxmlformats.org/drawingml/2006/main" xmlns:r="http://schemas.openxmlformats.org/officeDocument/2006/relationships" xmlns:p="http://schemas.openxmlformats.org/presentationml/2006/main">
   <p:cSld>
     <p:spTree>
@@ -5617,7 +6925,7 @@
 </p:sld>
 </file>
 
-<file path=ppt/slides/slide12.xml><?xml version="1.0" encoding="utf-8"?>
+<file path=ppt/slides/slide18.xml><?xml version="1.0" encoding="utf-8"?>
 <p:sld xmlns:a="http://schemas.openxmlformats.org/drawingml/2006/main" xmlns:r="http://schemas.openxmlformats.org/officeDocument/2006/relationships" xmlns:p="http://schemas.openxmlformats.org/presentationml/2006/main">
   <p:cSld>
     <p:spTree>
@@ -6938,7 +8246,7 @@
 </p:sld>
 </file>
 
-<file path=ppt/slides/slide13.xml><?xml version="1.0" encoding="utf-8"?>
+<file path=ppt/slides/slide19.xml><?xml version="1.0" encoding="utf-8"?>
 <p:sld xmlns:a="http://schemas.openxmlformats.org/drawingml/2006/main" xmlns:r="http://schemas.openxmlformats.org/officeDocument/2006/relationships" xmlns:p="http://schemas.openxmlformats.org/presentationml/2006/main">
   <p:cSld>
     <p:spTree>
@@ -8223,7 +9531,169 @@
 </p:sld>
 </file>
 
-<file path=ppt/slides/slide14.xml><?xml version="1.0" encoding="utf-8"?>
+<file path=ppt/slides/slide2.xml><?xml version="1.0" encoding="utf-8"?>
+<p:sld xmlns:a="http://schemas.openxmlformats.org/drawingml/2006/main" xmlns:r="http://schemas.openxmlformats.org/officeDocument/2006/relationships" xmlns:p="http://schemas.openxmlformats.org/presentationml/2006/main">
+  <p:cSld>
+    <p:spTree>
+      <p:nvGrpSpPr>
+        <p:cNvPr id="1" name=""/>
+        <p:cNvGrpSpPr/>
+        <p:nvPr/>
+      </p:nvGrpSpPr>
+      <p:grpSpPr>
+        <a:xfrm>
+          <a:off x="0" y="0"/>
+          <a:ext cx="0" cy="0"/>
+          <a:chOff x="0" y="0"/>
+          <a:chExt cx="0" cy="0"/>
+        </a:xfrm>
+      </p:grpSpPr>
+      <p:sp>
+        <p:nvSpPr>
+          <p:cNvPr id="2" name="タイトル 1">
+            <a:extLst>
+              <a:ext uri="{FF2B5EF4-FFF2-40B4-BE49-F238E27FC236}">
+                <a16:creationId xmlns:a16="http://schemas.microsoft.com/office/drawing/2014/main" id="{4EBA95CA-5342-42CF-9421-645B58C91BD3}"/>
+              </a:ext>
+            </a:extLst>
+          </p:cNvPr>
+          <p:cNvSpPr>
+            <a:spLocks noGrp="1"/>
+          </p:cNvSpPr>
+          <p:nvPr>
+            <p:ph type="title"/>
+          </p:nvPr>
+        </p:nvSpPr>
+        <p:spPr/>
+        <p:txBody>
+          <a:bodyPr/>
+          <a:lstStyle/>
+          <a:p>
+            <a:r>
+              <a:rPr lang="ja-JP" altLang="en-US" dirty="0"/>
+              <a:t>目次</a:t>
+            </a:r>
+            <a:endParaRPr kumimoji="1" lang="ja-JP" altLang="en-US" dirty="0"/>
+          </a:p>
+        </p:txBody>
+      </p:sp>
+      <p:sp>
+        <p:nvSpPr>
+          <p:cNvPr id="3" name="コンテンツ プレースホルダー 2">
+            <a:extLst>
+              <a:ext uri="{FF2B5EF4-FFF2-40B4-BE49-F238E27FC236}">
+                <a16:creationId xmlns:a16="http://schemas.microsoft.com/office/drawing/2014/main" id="{3555BCAC-044A-4ADB-9B18-03BE865FC96D}"/>
+              </a:ext>
+            </a:extLst>
+          </p:cNvPr>
+          <p:cNvSpPr>
+            <a:spLocks noGrp="1"/>
+          </p:cNvSpPr>
+          <p:nvPr>
+            <p:ph idx="1"/>
+          </p:nvPr>
+        </p:nvSpPr>
+        <p:spPr/>
+        <p:txBody>
+          <a:bodyPr>
+            <a:normAutofit fontScale="92500" lnSpcReduction="20000"/>
+          </a:bodyPr>
+          <a:lstStyle/>
+          <a:p>
+            <a:r>
+              <a:rPr kumimoji="1" lang="en-US" altLang="ja-JP" dirty="0"/>
+              <a:t>M365</a:t>
+            </a:r>
+            <a:r>
+              <a:rPr kumimoji="1" lang="ja-JP" altLang="en-US" dirty="0"/>
+              <a:t>概要</a:t>
+            </a:r>
+            <a:endParaRPr kumimoji="1" lang="en-US" altLang="ja-JP" dirty="0"/>
+          </a:p>
+          <a:p>
+            <a:r>
+              <a:rPr lang="ja-JP" altLang="en-US" dirty="0"/>
+              <a:t>認証</a:t>
+            </a:r>
+            <a:endParaRPr lang="en-US" altLang="ja-JP" dirty="0"/>
+          </a:p>
+          <a:p>
+            <a:r>
+              <a:rPr lang="en-US" altLang="ja-JP" dirty="0"/>
+              <a:t>Microsoft 365 Apps</a:t>
+            </a:r>
+          </a:p>
+          <a:p>
+            <a:r>
+              <a:rPr lang="en-US" altLang="ja-JP" dirty="0"/>
+              <a:t>Exchange</a:t>
+            </a:r>
+          </a:p>
+          <a:p>
+            <a:r>
+              <a:rPr kumimoji="1" lang="en-US" altLang="ja-JP" dirty="0"/>
+              <a:t>SharePoint</a:t>
+            </a:r>
+          </a:p>
+          <a:p>
+            <a:r>
+              <a:rPr lang="en-US" altLang="ja-JP" dirty="0"/>
+              <a:t>Teams</a:t>
+            </a:r>
+          </a:p>
+          <a:p>
+            <a:r>
+              <a:rPr kumimoji="1" lang="ja-JP" altLang="en-US" dirty="0"/>
+              <a:t>デバイス管理</a:t>
+            </a:r>
+            <a:endParaRPr kumimoji="1" lang="en-US" altLang="ja-JP" dirty="0"/>
+          </a:p>
+          <a:p>
+            <a:r>
+              <a:rPr lang="ja-JP" altLang="en-US" dirty="0"/>
+              <a:t>アクセス管理</a:t>
+            </a:r>
+            <a:endParaRPr lang="en-US" altLang="ja-JP" dirty="0"/>
+          </a:p>
+          <a:p>
+            <a:r>
+              <a:rPr lang="ja-JP" altLang="en-US" dirty="0"/>
+              <a:t>セキュリティ管理</a:t>
+            </a:r>
+            <a:endParaRPr lang="en-US" altLang="ja-JP" dirty="0"/>
+          </a:p>
+          <a:p>
+            <a:r>
+              <a:rPr lang="en-US" altLang="ja-JP" dirty="0" err="1"/>
+              <a:t>PowerPlatform</a:t>
+            </a:r>
+            <a:endParaRPr lang="en-US" altLang="ja-JP" dirty="0"/>
+          </a:p>
+          <a:p>
+            <a:endParaRPr lang="en-US" altLang="ja-JP" dirty="0"/>
+          </a:p>
+          <a:p>
+            <a:endParaRPr kumimoji="1" lang="en-US" altLang="ja-JP" dirty="0"/>
+          </a:p>
+          <a:p>
+            <a:endParaRPr kumimoji="1" lang="ja-JP" altLang="en-US" dirty="0"/>
+          </a:p>
+        </p:txBody>
+      </p:sp>
+    </p:spTree>
+    <p:extLst>
+      <p:ext uri="{BB962C8B-B14F-4D97-AF65-F5344CB8AC3E}">
+        <p14:creationId xmlns:p14="http://schemas.microsoft.com/office/powerpoint/2010/main" val="1593546428"/>
+      </p:ext>
+    </p:extLst>
+  </p:cSld>
+  <p:clrMapOvr>
+    <a:masterClrMapping/>
+  </p:clrMapOvr>
+</p:sld>
+</file>
+
+<file path=ppt/slides/slide20.xml><?xml version="1.0" encoding="utf-8"?>
 <p:sld xmlns:a="http://schemas.openxmlformats.org/drawingml/2006/main" xmlns:r="http://schemas.openxmlformats.org/officeDocument/2006/relationships" xmlns:p="http://schemas.openxmlformats.org/presentationml/2006/main">
   <p:cSld>
     <p:spTree>
@@ -9561,161 +11031,6 @@
 </p:sld>
 </file>
 
-<file path=ppt/slides/slide2.xml><?xml version="1.0" encoding="utf-8"?>
-<p:sld xmlns:a="http://schemas.openxmlformats.org/drawingml/2006/main" xmlns:r="http://schemas.openxmlformats.org/officeDocument/2006/relationships" xmlns:p="http://schemas.openxmlformats.org/presentationml/2006/main">
-  <p:cSld>
-    <p:spTree>
-      <p:nvGrpSpPr>
-        <p:cNvPr id="1" name=""/>
-        <p:cNvGrpSpPr/>
-        <p:nvPr/>
-      </p:nvGrpSpPr>
-      <p:grpSpPr>
-        <a:xfrm>
-          <a:off x="0" y="0"/>
-          <a:ext cx="0" cy="0"/>
-          <a:chOff x="0" y="0"/>
-          <a:chExt cx="0" cy="0"/>
-        </a:xfrm>
-      </p:grpSpPr>
-      <p:sp>
-        <p:nvSpPr>
-          <p:cNvPr id="2" name="タイトル 1">
-            <a:extLst>
-              <a:ext uri="{FF2B5EF4-FFF2-40B4-BE49-F238E27FC236}">
-                <a16:creationId xmlns:a16="http://schemas.microsoft.com/office/drawing/2014/main" id="{4EBA95CA-5342-42CF-9421-645B58C91BD3}"/>
-              </a:ext>
-            </a:extLst>
-          </p:cNvPr>
-          <p:cNvSpPr>
-            <a:spLocks noGrp="1"/>
-          </p:cNvSpPr>
-          <p:nvPr>
-            <p:ph type="title"/>
-          </p:nvPr>
-        </p:nvSpPr>
-        <p:spPr/>
-        <p:txBody>
-          <a:bodyPr/>
-          <a:lstStyle/>
-          <a:p>
-            <a:r>
-              <a:rPr lang="ja-JP" altLang="en-US" dirty="0"/>
-              <a:t>目次</a:t>
-            </a:r>
-            <a:endParaRPr kumimoji="1" lang="ja-JP" altLang="en-US" dirty="0"/>
-          </a:p>
-        </p:txBody>
-      </p:sp>
-      <p:sp>
-        <p:nvSpPr>
-          <p:cNvPr id="3" name="コンテンツ プレースホルダー 2">
-            <a:extLst>
-              <a:ext uri="{FF2B5EF4-FFF2-40B4-BE49-F238E27FC236}">
-                <a16:creationId xmlns:a16="http://schemas.microsoft.com/office/drawing/2014/main" id="{3555BCAC-044A-4ADB-9B18-03BE865FC96D}"/>
-              </a:ext>
-            </a:extLst>
-          </p:cNvPr>
-          <p:cNvSpPr>
-            <a:spLocks noGrp="1"/>
-          </p:cNvSpPr>
-          <p:nvPr>
-            <p:ph idx="1"/>
-          </p:nvPr>
-        </p:nvSpPr>
-        <p:spPr/>
-        <p:txBody>
-          <a:bodyPr>
-            <a:normAutofit lnSpcReduction="10000"/>
-          </a:bodyPr>
-          <a:lstStyle/>
-          <a:p>
-            <a:r>
-              <a:rPr kumimoji="1" lang="en-US" altLang="ja-JP" dirty="0"/>
-              <a:t>M365</a:t>
-            </a:r>
-            <a:r>
-              <a:rPr kumimoji="1" lang="ja-JP" altLang="en-US" dirty="0"/>
-              <a:t>概要</a:t>
-            </a:r>
-            <a:endParaRPr kumimoji="1" lang="en-US" altLang="ja-JP" dirty="0"/>
-          </a:p>
-          <a:p>
-            <a:r>
-              <a:rPr lang="en-US" altLang="ja-JP" dirty="0"/>
-              <a:t>Microsoft 365 Apps</a:t>
-            </a:r>
-          </a:p>
-          <a:p>
-            <a:r>
-              <a:rPr lang="en-US" altLang="ja-JP" dirty="0"/>
-              <a:t>Exchange</a:t>
-            </a:r>
-          </a:p>
-          <a:p>
-            <a:r>
-              <a:rPr kumimoji="1" lang="en-US" altLang="ja-JP" dirty="0"/>
-              <a:t>SharePoint</a:t>
-            </a:r>
-          </a:p>
-          <a:p>
-            <a:r>
-              <a:rPr lang="en-US" altLang="ja-JP" dirty="0"/>
-              <a:t>Teams</a:t>
-            </a:r>
-          </a:p>
-          <a:p>
-            <a:r>
-              <a:rPr kumimoji="1" lang="ja-JP" altLang="en-US" dirty="0"/>
-              <a:t>デバイス管理</a:t>
-            </a:r>
-            <a:endParaRPr kumimoji="1" lang="en-US" altLang="ja-JP" dirty="0"/>
-          </a:p>
-          <a:p>
-            <a:r>
-              <a:rPr lang="ja-JP" altLang="en-US" dirty="0"/>
-              <a:t>アクセス管理</a:t>
-            </a:r>
-            <a:endParaRPr lang="en-US" altLang="ja-JP" dirty="0"/>
-          </a:p>
-          <a:p>
-            <a:r>
-              <a:rPr lang="ja-JP" altLang="en-US" dirty="0"/>
-              <a:t>セキュリティ管理</a:t>
-            </a:r>
-            <a:endParaRPr lang="en-US" altLang="ja-JP" dirty="0"/>
-          </a:p>
-          <a:p>
-            <a:r>
-              <a:rPr lang="en-US" altLang="ja-JP" dirty="0" err="1"/>
-              <a:t>PowerPlatform</a:t>
-            </a:r>
-            <a:endParaRPr lang="en-US" altLang="ja-JP" dirty="0"/>
-          </a:p>
-          <a:p>
-            <a:endParaRPr lang="en-US" altLang="ja-JP" dirty="0"/>
-          </a:p>
-          <a:p>
-            <a:endParaRPr kumimoji="1" lang="en-US" altLang="ja-JP" dirty="0"/>
-          </a:p>
-          <a:p>
-            <a:endParaRPr kumimoji="1" lang="ja-JP" altLang="en-US" dirty="0"/>
-          </a:p>
-        </p:txBody>
-      </p:sp>
-    </p:spTree>
-    <p:extLst>
-      <p:ext uri="{BB962C8B-B14F-4D97-AF65-F5344CB8AC3E}">
-        <p14:creationId xmlns:p14="http://schemas.microsoft.com/office/powerpoint/2010/main" val="1593546428"/>
-      </p:ext>
-    </p:extLst>
-  </p:cSld>
-  <p:clrMapOvr>
-    <a:masterClrMapping/>
-  </p:clrMapOvr>
-</p:sld>
-</file>
-
 <file path=ppt/slides/slide3.xml><?xml version="1.0" encoding="utf-8"?>
 <p:sld xmlns:a="http://schemas.openxmlformats.org/drawingml/2006/main" xmlns:r="http://schemas.openxmlformats.org/officeDocument/2006/relationships" xmlns:p="http://schemas.openxmlformats.org/presentationml/2006/main">
   <p:cSld>
@@ -12415,10 +13730,9 @@
           <a:lstStyle/>
           <a:p>
             <a:r>
-              <a:rPr kumimoji="1" lang="en-US" altLang="ja-JP" dirty="0"/>
-              <a:t>Microsoft 365 Apps</a:t>
-            </a:r>
-            <a:endParaRPr kumimoji="1" lang="ja-JP" altLang="en-US" dirty="0"/>
+              <a:rPr kumimoji="1" lang="ja-JP" altLang="en-US" dirty="0"/>
+              <a:t>認証</a:t>
+            </a:r>
           </a:p>
         </p:txBody>
       </p:sp>
@@ -12441,7 +13755,7 @@
         <p:spPr/>
         <p:txBody>
           <a:bodyPr>
-            <a:normAutofit/>
+            <a:normAutofit lnSpcReduction="10000"/>
           </a:bodyPr>
           <a:lstStyle/>
           <a:p>
@@ -12467,9 +13781,45 @@
           </a:p>
           <a:p>
             <a:r>
-              <a:rPr lang="ja-JP" altLang="en-US" dirty="0"/>
-              <a:t>展開フェーズ</a:t>
-            </a:r>
+              <a:rPr lang="ja-JP" altLang="en-US"/>
+              <a:t>ライセンス認証</a:t>
+            </a:r>
+            <a:endParaRPr lang="en-US" altLang="ja-JP" dirty="0"/>
+          </a:p>
+          <a:p>
+            <a:pPr marL="457200" lvl="1" indent="0">
+              <a:buNone/>
+            </a:pPr>
+            <a:r>
+              <a:rPr lang="en-US" altLang="ja-JP" sz="2000" dirty="0"/>
+              <a:t>M365 Apps</a:t>
+            </a:r>
+            <a:r>
+              <a:rPr lang="ja-JP" altLang="en-US" sz="2000" dirty="0"/>
+              <a:t>の</a:t>
+            </a:r>
+            <a:r>
+              <a:rPr lang="en-US" altLang="ja-JP" sz="2000" dirty="0"/>
+              <a:t>PC</a:t>
+            </a:r>
+            <a:r>
+              <a:rPr lang="ja-JP" altLang="en-US" sz="2000" dirty="0"/>
+              <a:t>への展開を行う。展開ファイルのサイズは通常</a:t>
+            </a:r>
+            <a:r>
+              <a:rPr lang="en-US" altLang="ja-JP" sz="2000" dirty="0"/>
+              <a:t>2~3GB</a:t>
+            </a:r>
+            <a:r>
+              <a:rPr lang="ja-JP" altLang="en-US" sz="2000" dirty="0"/>
+              <a:t>あり、インストールにも時間がかかるため、利用者による手動ダウンロード・インストールを推奨する。</a:t>
+            </a:r>
+            <a:endParaRPr lang="en-US" altLang="ja-JP" sz="2000" dirty="0"/>
+          </a:p>
+          <a:p>
+            <a:pPr marL="457200" lvl="1" indent="0">
+              <a:buNone/>
+            </a:pPr>
             <a:endParaRPr lang="en-US" altLang="ja-JP" dirty="0"/>
           </a:p>
           <a:p>
@@ -12480,35 +13830,49 @@
             <a:endParaRPr lang="en-US" altLang="ja-JP" dirty="0"/>
           </a:p>
           <a:p>
-            <a:pPr lvl="1"/>
-            <a:r>
-              <a:rPr kumimoji="1" lang="ja-JP" altLang="en-US" dirty="0"/>
-              <a:t>更新</a:t>
-            </a:r>
-            <a:endParaRPr kumimoji="1" lang="en-US" altLang="ja-JP" dirty="0"/>
-          </a:p>
-          <a:p>
-            <a:pPr lvl="1"/>
-            <a:r>
-              <a:rPr kumimoji="1" lang="ja-JP" altLang="en-US" dirty="0"/>
-              <a:t>認証</a:t>
-            </a:r>
-            <a:endParaRPr kumimoji="1" lang="en-US" altLang="ja-JP" dirty="0"/>
-          </a:p>
-          <a:p>
-            <a:pPr lvl="1"/>
-            <a:r>
-              <a:rPr kumimoji="1" lang="ja-JP" altLang="en-US" dirty="0"/>
-              <a:t>制御</a:t>
-            </a:r>
-            <a:endParaRPr kumimoji="1" lang="en-US" altLang="ja-JP" dirty="0"/>
+            <a:pPr marL="457200" lvl="1" indent="0">
+              <a:buNone/>
+            </a:pPr>
+            <a:r>
+              <a:rPr lang="en-US" altLang="ja-JP" sz="2000" dirty="0"/>
+              <a:t>M365 Apps</a:t>
+            </a:r>
+            <a:r>
+              <a:rPr lang="ja-JP" altLang="en-US" sz="2000" dirty="0"/>
+              <a:t>は通常の</a:t>
+            </a:r>
+            <a:r>
+              <a:rPr lang="en-US" altLang="ja-JP" sz="2000" dirty="0"/>
+              <a:t>Office</a:t>
+            </a:r>
+            <a:r>
+              <a:rPr lang="ja-JP" altLang="en-US" sz="2000" dirty="0"/>
+              <a:t>製品と異なり、</a:t>
+            </a:r>
+            <a:r>
+              <a:rPr lang="en-US" altLang="ja-JP" sz="2000" dirty="0"/>
+              <a:t>WSUS</a:t>
+            </a:r>
+            <a:r>
+              <a:rPr lang="ja-JP" altLang="en-US" sz="2000" dirty="0"/>
+              <a:t>での更新ができない。また、更新ファイルは差分ではなく累積であり、ファイルサイズは展開時と同じく</a:t>
+            </a:r>
+            <a:r>
+              <a:rPr lang="en-US" altLang="ja-JP" sz="2000" dirty="0"/>
+              <a:t>2~3GB</a:t>
+            </a:r>
+            <a:r>
+              <a:rPr lang="ja-JP" altLang="en-US" sz="2000" dirty="0"/>
+              <a:t>あるため、帯域を十分確保する必要がある。</a:t>
+            </a:r>
+            <a:endParaRPr lang="en-US" altLang="ja-JP" sz="2000" dirty="0"/>
           </a:p>
         </p:txBody>
       </p:sp>
     </p:spTree>
     <p:extLst>
       <p:ext uri="{BB962C8B-B14F-4D97-AF65-F5344CB8AC3E}">
-        <p14:creationId xmlns:p14="http://schemas.microsoft.com/office/powerpoint/2010/main" val="1213061596"/>
+        <p14:creationId xmlns:p14="http://schemas.microsoft.com/office/powerpoint/2010/main" val="1762023162"/>
       </p:ext>
     </p:extLst>
   </p:cSld>
@@ -12560,17 +13924,7 @@
               <a:rPr kumimoji="1" lang="en-US" altLang="ja-JP" dirty="0"/>
               <a:t>Microsoft 365 Apps</a:t>
             </a:r>
-            <a:br>
-              <a:rPr lang="en-US" altLang="ja-JP" dirty="0"/>
-            </a:br>
-            <a:r>
-              <a:rPr lang="en-US" altLang="ja-JP" dirty="0"/>
-              <a:t>	</a:t>
-            </a:r>
-            <a:r>
-              <a:rPr kumimoji="1" lang="ja-JP" altLang="en-US" dirty="0"/>
-              <a:t>展開フェーズ</a:t>
-            </a:r>
+            <a:endParaRPr kumimoji="1" lang="ja-JP" altLang="en-US" dirty="0"/>
           </a:p>
         </p:txBody>
       </p:sp>
@@ -12593,233 +13947,124 @@
         <p:spPr/>
         <p:txBody>
           <a:bodyPr>
-            <a:normAutofit fontScale="77500" lnSpcReduction="20000"/>
+            <a:normAutofit lnSpcReduction="10000"/>
           </a:bodyPr>
           <a:lstStyle/>
-          <a:p>
-            <a:pPr marL="0" indent="0">
-              <a:lnSpc>
-                <a:spcPct val="120000"/>
-              </a:lnSpc>
-              <a:buNone/>
-            </a:pPr>
-            <a:r>
-              <a:rPr lang="en-US" altLang="ja-JP" dirty="0"/>
-              <a:t>M365 Apps</a:t>
-            </a:r>
-            <a:r>
-              <a:rPr lang="ja-JP" altLang="en-US" dirty="0"/>
-              <a:t>は</a:t>
-            </a:r>
-            <a:r>
-              <a:rPr lang="en-US" altLang="ja-JP" dirty="0"/>
-              <a:t>ODT(Office Deployment Tool)</a:t>
-            </a:r>
-            <a:r>
-              <a:rPr lang="ja-JP" altLang="en-US" dirty="0"/>
-              <a:t>と呼ばれる</a:t>
-            </a:r>
-            <a:r>
-              <a:rPr lang="en-US" altLang="ja-JP" dirty="0"/>
-              <a:t>Microsoft</a:t>
-            </a:r>
-            <a:r>
-              <a:rPr lang="ja-JP" altLang="en-US" dirty="0"/>
-              <a:t>の専用ツールを用いてダウンロード・インストールを行う。旧</a:t>
-            </a:r>
-            <a:r>
-              <a:rPr lang="en-US" altLang="ja-JP" dirty="0"/>
-              <a:t>Office</a:t>
-            </a:r>
-            <a:r>
-              <a:rPr lang="ja-JP" altLang="en-US" dirty="0"/>
-              <a:t>からアップグレードする場合、</a:t>
-            </a:r>
-            <a:r>
-              <a:rPr lang="en-US" altLang="ja-JP" dirty="0"/>
-              <a:t>ODT</a:t>
-            </a:r>
-            <a:r>
-              <a:rPr lang="ja-JP" altLang="en-US" dirty="0"/>
-              <a:t>で旧</a:t>
-            </a:r>
-            <a:r>
-              <a:rPr lang="en-US" altLang="ja-JP" dirty="0"/>
-              <a:t>Office</a:t>
-            </a:r>
-            <a:r>
-              <a:rPr lang="ja-JP" altLang="en-US" dirty="0"/>
-              <a:t>の削除も可能である。主要な展開方法を以下に述べる。</a:t>
-            </a:r>
-            <a:endParaRPr lang="en-US" altLang="ja-JP" dirty="0"/>
-          </a:p>
           <a:p>
             <a:pPr marL="0" indent="0">
               <a:buNone/>
             </a:pPr>
+            <a:r>
+              <a:rPr kumimoji="1" lang="ja-JP" altLang="en-US" dirty="0"/>
+              <a:t>デスクトップ版の</a:t>
+            </a:r>
+            <a:r>
+              <a:rPr kumimoji="1" lang="en-US" altLang="ja-JP" dirty="0"/>
+              <a:t>Office</a:t>
+            </a:r>
+            <a:r>
+              <a:rPr kumimoji="1" lang="ja-JP" altLang="en-US" dirty="0"/>
+              <a:t>アプリケーション。展開から運用までの概要を説明する。</a:t>
+            </a:r>
+            <a:endParaRPr kumimoji="1" lang="en-US" altLang="ja-JP" dirty="0"/>
+          </a:p>
+          <a:p>
             <a:endParaRPr lang="en-US" altLang="ja-JP" dirty="0"/>
           </a:p>
           <a:p>
-            <a:pPr lvl="1"/>
             <a:r>
               <a:rPr lang="ja-JP" altLang="en-US" dirty="0"/>
-              <a:t>共有フォルダ</a:t>
+              <a:t>展開フェーズ</a:t>
             </a:r>
             <a:endParaRPr lang="en-US" altLang="ja-JP" dirty="0"/>
           </a:p>
           <a:p>
-            <a:pPr marL="914400" lvl="2" indent="0">
+            <a:pPr marL="457200" lvl="1" indent="0">
               <a:buNone/>
             </a:pPr>
             <a:r>
-              <a:rPr lang="ja-JP" altLang="en-US" dirty="0"/>
-              <a:t>社内ファイルサーバ等に共有フォルダを作成し、各クライアント</a:t>
-            </a:r>
-            <a:r>
-              <a:rPr lang="en-US" altLang="ja-JP" dirty="0"/>
+              <a:rPr lang="en-US" altLang="ja-JP" sz="2000" dirty="0"/>
+              <a:t>M365 Apps</a:t>
+            </a:r>
+            <a:r>
+              <a:rPr lang="ja-JP" altLang="en-US" sz="2000" dirty="0"/>
+              <a:t>の</a:t>
+            </a:r>
+            <a:r>
+              <a:rPr lang="en-US" altLang="ja-JP" sz="2000" dirty="0"/>
               <a:t>PC</a:t>
             </a:r>
             <a:r>
-              <a:rPr lang="ja-JP" altLang="en-US" dirty="0"/>
-              <a:t>からインストーラを実行する。インストーラ作成には</a:t>
-            </a:r>
-            <a:r>
-              <a:rPr lang="en-US" altLang="ja-JP" dirty="0"/>
-              <a:t>ODT</a:t>
-            </a:r>
-            <a:r>
-              <a:rPr lang="ja-JP" altLang="en-US" dirty="0"/>
-              <a:t>が必要であり、インストールも管理者権限が必要。</a:t>
-            </a:r>
-            <a:endParaRPr lang="en-US" altLang="ja-JP" dirty="0"/>
-          </a:p>
-          <a:p>
-            <a:pPr marL="914400" lvl="2" indent="0">
+              <a:rPr lang="ja-JP" altLang="en-US" sz="2000" dirty="0"/>
+              <a:t>への展開を行う。展開ファイルのサイズは通常</a:t>
+            </a:r>
+            <a:r>
+              <a:rPr lang="en-US" altLang="ja-JP" sz="2000" dirty="0"/>
+              <a:t>2~3GB</a:t>
+            </a:r>
+            <a:r>
+              <a:rPr lang="ja-JP" altLang="en-US" sz="2000" dirty="0"/>
+              <a:t>あり、インストールにも時間がかかるため、利用者による手動ダウンロード・インストールを推奨する。</a:t>
+            </a:r>
+            <a:endParaRPr lang="en-US" altLang="ja-JP" sz="2000" dirty="0"/>
+          </a:p>
+          <a:p>
+            <a:pPr marL="457200" lvl="1" indent="0">
               <a:buNone/>
             </a:pPr>
             <a:endParaRPr lang="en-US" altLang="ja-JP" dirty="0"/>
           </a:p>
           <a:p>
-            <a:pPr lvl="1"/>
-            <a:r>
-              <a:rPr kumimoji="1" lang="ja-JP" altLang="en-US" dirty="0"/>
-              <a:t>資産管理システム</a:t>
-            </a:r>
-            <a:endParaRPr kumimoji="1" lang="en-US" altLang="ja-JP" dirty="0"/>
-          </a:p>
-          <a:p>
-            <a:pPr marL="914400" lvl="2" indent="0">
+            <a:r>
+              <a:rPr lang="ja-JP" altLang="en-US" dirty="0"/>
+              <a:t>運用フェーズ</a:t>
+            </a:r>
+            <a:endParaRPr lang="en-US" altLang="ja-JP" dirty="0"/>
+          </a:p>
+          <a:p>
+            <a:pPr marL="457200" lvl="1" indent="0">
               <a:buNone/>
             </a:pPr>
             <a:r>
-              <a:rPr kumimoji="1" lang="ja-JP" altLang="en-US" dirty="0"/>
-              <a:t>一般的な資産管理システムより</a:t>
-            </a:r>
-            <a:r>
-              <a:rPr kumimoji="1" lang="en-US" altLang="ja-JP" dirty="0"/>
+              <a:rPr lang="en-US" altLang="ja-JP" sz="2000" dirty="0"/>
               <a:t>M365 Apps</a:t>
             </a:r>
             <a:r>
-              <a:rPr kumimoji="1" lang="ja-JP" altLang="en-US" dirty="0"/>
-              <a:t>を展開する。インストーラ作成には</a:t>
-            </a:r>
-            <a:r>
-              <a:rPr kumimoji="1" lang="en-US" altLang="ja-JP" dirty="0"/>
-              <a:t>ODT</a:t>
-            </a:r>
-            <a:r>
-              <a:rPr kumimoji="1" lang="ja-JP" altLang="en-US" dirty="0"/>
-              <a:t>が必要であるが、インストール時の管理</a:t>
-            </a:r>
-            <a:r>
-              <a:rPr lang="ja-JP" altLang="en-US" dirty="0"/>
-              <a:t>者権限は不要。</a:t>
-            </a:r>
-            <a:endParaRPr lang="en-US" altLang="ja-JP" dirty="0"/>
-          </a:p>
-          <a:p>
-            <a:pPr marL="914400" lvl="2" indent="0">
-              <a:buNone/>
-            </a:pPr>
-            <a:endParaRPr kumimoji="1" lang="en-US" altLang="ja-JP" dirty="0"/>
-          </a:p>
-          <a:p>
-            <a:pPr lvl="1"/>
-            <a:r>
-              <a:rPr lang="en-US" altLang="ja-JP" dirty="0"/>
-              <a:t>MECM</a:t>
-            </a:r>
-          </a:p>
-          <a:p>
-            <a:pPr marL="914400" lvl="2" indent="0">
-              <a:buNone/>
-            </a:pPr>
-            <a:r>
-              <a:rPr lang="en-US" altLang="ja-JP" dirty="0"/>
-              <a:t>MECM</a:t>
-            </a:r>
-            <a:r>
-              <a:rPr lang="ja-JP" altLang="en-US" dirty="0"/>
-              <a:t>サーバより</a:t>
-            </a:r>
-            <a:r>
-              <a:rPr lang="en-US" altLang="ja-JP" dirty="0"/>
-              <a:t>M365 Apps</a:t>
-            </a:r>
-            <a:r>
-              <a:rPr lang="ja-JP" altLang="en-US" dirty="0"/>
-              <a:t>を展開する。</a:t>
-            </a:r>
-            <a:r>
-              <a:rPr lang="en-US" altLang="ja-JP" dirty="0"/>
-              <a:t>ODT</a:t>
-            </a:r>
-            <a:r>
-              <a:rPr lang="ja-JP" altLang="en-US" dirty="0"/>
-              <a:t>は</a:t>
-            </a:r>
-            <a:r>
-              <a:rPr lang="en-US" altLang="ja-JP" dirty="0"/>
-              <a:t>MECM</a:t>
-            </a:r>
-            <a:r>
-              <a:rPr lang="ja-JP" altLang="en-US" dirty="0"/>
-              <a:t>に含まれており、</a:t>
-            </a:r>
-            <a:r>
-              <a:rPr lang="en-US" altLang="ja-JP" dirty="0"/>
-              <a:t>MECM</a:t>
-            </a:r>
-            <a:r>
-              <a:rPr lang="ja-JP" altLang="en-US" dirty="0"/>
-              <a:t>の</a:t>
-            </a:r>
-            <a:r>
-              <a:rPr lang="en-US" altLang="ja-JP" dirty="0"/>
-              <a:t>GUI</a:t>
-            </a:r>
-            <a:r>
-              <a:rPr lang="ja-JP" altLang="en-US" dirty="0"/>
-              <a:t>操作でインストーラを作成できる。共有フォルダから展開するより容易であり、管理者権限も不要。</a:t>
-            </a:r>
-            <a:endParaRPr lang="en-US" altLang="ja-JP" dirty="0"/>
-          </a:p>
-          <a:p>
-            <a:pPr marL="914400" lvl="2" indent="0">
-              <a:buNone/>
-            </a:pPr>
-            <a:endParaRPr kumimoji="1" lang="en-US" altLang="ja-JP" dirty="0"/>
-          </a:p>
-          <a:p>
-            <a:pPr lvl="1"/>
-            <a:endParaRPr lang="en-US" altLang="ja-JP" dirty="0"/>
+              <a:rPr lang="ja-JP" altLang="en-US" sz="2000" dirty="0"/>
+              <a:t>は通常の</a:t>
+            </a:r>
+            <a:r>
+              <a:rPr lang="en-US" altLang="ja-JP" sz="2000" dirty="0"/>
+              <a:t>Office</a:t>
+            </a:r>
+            <a:r>
+              <a:rPr lang="ja-JP" altLang="en-US" sz="2000" dirty="0"/>
+              <a:t>製品と異なり、</a:t>
+            </a:r>
+            <a:r>
+              <a:rPr lang="en-US" altLang="ja-JP" sz="2000" dirty="0"/>
+              <a:t>WSUS</a:t>
+            </a:r>
+            <a:r>
+              <a:rPr lang="ja-JP" altLang="en-US" sz="2000" dirty="0"/>
+              <a:t>での更新ができない。また、更新ファイルは差分ではなく累積であり、ファイルサイズは展開時と同じく</a:t>
+            </a:r>
+            <a:r>
+              <a:rPr lang="en-US" altLang="ja-JP" sz="2000" dirty="0"/>
+              <a:t>2~3GB</a:t>
+            </a:r>
+            <a:r>
+              <a:rPr lang="ja-JP" altLang="en-US" sz="2000" dirty="0"/>
+              <a:t>あるため、帯域を十分確保する必要がある。</a:t>
+            </a:r>
+            <a:endParaRPr lang="en-US" altLang="ja-JP" sz="2000" dirty="0"/>
           </a:p>
         </p:txBody>
       </p:sp>
     </p:spTree>
     <p:extLst>
       <p:ext uri="{BB962C8B-B14F-4D97-AF65-F5344CB8AC3E}">
-        <p14:creationId xmlns:p14="http://schemas.microsoft.com/office/powerpoint/2010/main" val="1417849007"/>
+        <p14:creationId xmlns:p14="http://schemas.microsoft.com/office/powerpoint/2010/main" val="1213061596"/>
       </p:ext>
     </p:extLst>
   </p:cSld>
@@ -12872,15 +14117,15 @@
               <a:t>Microsoft 365 Apps</a:t>
             </a:r>
             <a:br>
-              <a:rPr kumimoji="1" lang="en-US" altLang="ja-JP" dirty="0"/>
+              <a:rPr lang="en-US" altLang="ja-JP" dirty="0"/>
             </a:br>
             <a:r>
-              <a:rPr kumimoji="1" lang="en-US" altLang="ja-JP" dirty="0"/>
+              <a:rPr lang="en-US" altLang="ja-JP" dirty="0"/>
               <a:t>	</a:t>
             </a:r>
             <a:r>
               <a:rPr kumimoji="1" lang="ja-JP" altLang="en-US" dirty="0"/>
-              <a:t>運用フェーズ（更新）</a:t>
+              <a:t>展開フェーズ</a:t>
             </a:r>
           </a:p>
         </p:txBody>
@@ -12904,32 +14149,63 @@
         <p:spPr/>
         <p:txBody>
           <a:bodyPr>
-            <a:normAutofit/>
+            <a:normAutofit fontScale="77500" lnSpcReduction="20000"/>
           </a:bodyPr>
           <a:lstStyle/>
           <a:p>
             <a:pPr marL="0" indent="0">
+              <a:lnSpc>
+                <a:spcPct val="120000"/>
+              </a:lnSpc>
               <a:buNone/>
             </a:pPr>
             <a:r>
-              <a:rPr kumimoji="1" lang="ja-JP" altLang="en-US" dirty="0"/>
-              <a:t>通常の</a:t>
-            </a:r>
-            <a:r>
-              <a:rPr kumimoji="1" lang="en-US" altLang="ja-JP" dirty="0"/>
+              <a:rPr lang="en-US" altLang="ja-JP" dirty="0"/>
+              <a:t>M365 Apps</a:t>
+            </a:r>
+            <a:r>
+              <a:rPr lang="ja-JP" altLang="en-US" dirty="0"/>
+              <a:t>は</a:t>
+            </a:r>
+            <a:r>
+              <a:rPr lang="en-US" altLang="ja-JP" dirty="0"/>
+              <a:t>ODT(Office Deployment Tool)</a:t>
+            </a:r>
+            <a:r>
+              <a:rPr lang="ja-JP" altLang="en-US" dirty="0"/>
+              <a:t>と呼ばれる</a:t>
+            </a:r>
+            <a:r>
+              <a:rPr lang="en-US" altLang="ja-JP" dirty="0"/>
+              <a:t>Microsoft</a:t>
+            </a:r>
+            <a:r>
+              <a:rPr lang="ja-JP" altLang="en-US" dirty="0"/>
+              <a:t>の専用ツールを用いてダウンロード・インストールを行う。旧</a:t>
+            </a:r>
+            <a:r>
+              <a:rPr lang="en-US" altLang="ja-JP" dirty="0"/>
               <a:t>Office</a:t>
             </a:r>
             <a:r>
-              <a:rPr kumimoji="1" lang="ja-JP" altLang="en-US" dirty="0"/>
-              <a:t>製品と異なり、定期的に新機能が追加される。</a:t>
+              <a:rPr lang="ja-JP" altLang="en-US" dirty="0"/>
+              <a:t>からアップグレードする場合、</a:t>
             </a:r>
             <a:r>
               <a:rPr lang="en-US" altLang="ja-JP" dirty="0"/>
-              <a:t>3</a:t>
+              <a:t>ODT</a:t>
             </a:r>
             <a:r>
               <a:rPr lang="ja-JP" altLang="en-US" dirty="0"/>
-              <a:t>つの主要な更新チャネルがあり、それぞれサポート期間が異なる。</a:t>
+              <a:t>で旧</a:t>
+            </a:r>
+            <a:r>
+              <a:rPr lang="en-US" altLang="ja-JP" dirty="0"/>
+              <a:t>Office</a:t>
+            </a:r>
+            <a:r>
+              <a:rPr lang="ja-JP" altLang="en-US" dirty="0"/>
+              <a:t>の削除も可能である。主要な展開方法を以下に述べる。</a:t>
             </a:r>
             <a:endParaRPr lang="en-US" altLang="ja-JP" dirty="0"/>
           </a:p>
@@ -12942,81 +14218,260 @@
           <a:p>
             <a:pPr lvl="1"/>
             <a:r>
+              <a:rPr lang="ja-JP" altLang="en-US" dirty="0"/>
+              <a:t>１．共有フォルダ</a:t>
+            </a:r>
+            <a:endParaRPr lang="en-US" altLang="ja-JP" dirty="0"/>
+          </a:p>
+          <a:p>
+            <a:pPr marL="914400" lvl="2" indent="0">
+              <a:buNone/>
+            </a:pPr>
+            <a:r>
+              <a:rPr lang="ja-JP" altLang="en-US" dirty="0"/>
+              <a:t>社内ファイルサーバ等に共有フォルダを作成し、各クライアント</a:t>
+            </a:r>
+            <a:r>
+              <a:rPr lang="en-US" altLang="ja-JP" dirty="0"/>
+              <a:t>PC</a:t>
+            </a:r>
+            <a:r>
+              <a:rPr lang="ja-JP" altLang="en-US" dirty="0"/>
+              <a:t>からインストーラを実行する。インストーラ作成には</a:t>
+            </a:r>
+            <a:r>
+              <a:rPr lang="en-US" altLang="ja-JP" dirty="0"/>
+              <a:t>ODT</a:t>
+            </a:r>
+            <a:r>
+              <a:rPr lang="ja-JP" altLang="en-US" dirty="0"/>
+              <a:t>が必要であり、インストールも管理者権限が必要。</a:t>
+            </a:r>
+            <a:endParaRPr lang="en-US" altLang="ja-JP" dirty="0"/>
+          </a:p>
+          <a:p>
+            <a:pPr marL="914400" lvl="2" indent="0">
+              <a:buNone/>
+            </a:pPr>
+            <a:endParaRPr lang="en-US" altLang="ja-JP" dirty="0"/>
+          </a:p>
+          <a:p>
+            <a:pPr lvl="1"/>
+            <a:r>
               <a:rPr kumimoji="1" lang="ja-JP" altLang="en-US" dirty="0"/>
-              <a:t>最新チャネル：新機能リリース次第、即時追加される。</a:t>
+              <a:t>２．資産管理システム</a:t>
             </a:r>
             <a:endParaRPr kumimoji="1" lang="en-US" altLang="ja-JP" dirty="0"/>
           </a:p>
           <a:p>
+            <a:pPr marL="914400" lvl="2" indent="0">
+              <a:buNone/>
+            </a:pPr>
+            <a:r>
+              <a:rPr kumimoji="1" lang="ja-JP" altLang="en-US" dirty="0"/>
+              <a:t>一般的な資産管理システムより</a:t>
+            </a:r>
+            <a:r>
+              <a:rPr kumimoji="1" lang="en-US" altLang="ja-JP" dirty="0"/>
+              <a:t>M365 Apps</a:t>
+            </a:r>
+            <a:r>
+              <a:rPr kumimoji="1" lang="ja-JP" altLang="en-US" dirty="0"/>
+              <a:t>を展開する。インストーラ作成には</a:t>
+            </a:r>
+            <a:r>
+              <a:rPr kumimoji="1" lang="en-US" altLang="ja-JP" dirty="0"/>
+              <a:t>ODT</a:t>
+            </a:r>
+            <a:r>
+              <a:rPr kumimoji="1" lang="ja-JP" altLang="en-US" dirty="0"/>
+              <a:t>が必要であるが、インストール時の管理</a:t>
+            </a:r>
+            <a:r>
+              <a:rPr lang="ja-JP" altLang="en-US" dirty="0"/>
+              <a:t>者権限は不要。</a:t>
+            </a:r>
+            <a:endParaRPr lang="en-US" altLang="ja-JP" dirty="0"/>
+          </a:p>
+          <a:p>
+            <a:pPr marL="914400" lvl="2" indent="0">
+              <a:buNone/>
+            </a:pPr>
+            <a:endParaRPr kumimoji="1" lang="en-US" altLang="ja-JP" dirty="0"/>
+          </a:p>
+          <a:p>
             <a:pPr lvl="1"/>
             <a:r>
               <a:rPr lang="ja-JP" altLang="en-US" dirty="0"/>
-              <a:t>月次エンタープライズチャネル：毎月新機能が追加される。</a:t>
+              <a:t>３．</a:t>
+            </a:r>
+            <a:r>
+              <a:rPr lang="en-US" altLang="ja-JP" dirty="0"/>
+              <a:t>MECM</a:t>
+            </a:r>
+          </a:p>
+          <a:p>
+            <a:pPr marL="914400" lvl="2" indent="0">
+              <a:buNone/>
+            </a:pPr>
+            <a:r>
+              <a:rPr lang="en-US" altLang="ja-JP" dirty="0"/>
+              <a:t>MECM</a:t>
+            </a:r>
+            <a:r>
+              <a:rPr lang="ja-JP" altLang="en-US" dirty="0"/>
+              <a:t>サーバより</a:t>
+            </a:r>
+            <a:r>
+              <a:rPr lang="en-US" altLang="ja-JP" dirty="0"/>
+              <a:t>M365 Apps</a:t>
+            </a:r>
+            <a:r>
+              <a:rPr lang="ja-JP" altLang="en-US" dirty="0"/>
+              <a:t>を展開する。</a:t>
+            </a:r>
+            <a:r>
+              <a:rPr lang="en-US" altLang="ja-JP" dirty="0"/>
+              <a:t>ODT</a:t>
+            </a:r>
+            <a:r>
+              <a:rPr lang="ja-JP" altLang="en-US" dirty="0"/>
+              <a:t>は</a:t>
+            </a:r>
+            <a:r>
+              <a:rPr lang="en-US" altLang="ja-JP" dirty="0"/>
+              <a:t>MECM</a:t>
+            </a:r>
+            <a:r>
+              <a:rPr lang="ja-JP" altLang="en-US" dirty="0"/>
+              <a:t>に含まれており、</a:t>
+            </a:r>
+            <a:r>
+              <a:rPr lang="en-US" altLang="ja-JP" dirty="0"/>
+              <a:t>MECM</a:t>
+            </a:r>
+            <a:r>
+              <a:rPr lang="ja-JP" altLang="en-US" dirty="0"/>
+              <a:t>の</a:t>
+            </a:r>
+            <a:r>
+              <a:rPr lang="en-US" altLang="ja-JP" dirty="0"/>
+              <a:t>GUI</a:t>
+            </a:r>
+            <a:r>
+              <a:rPr lang="ja-JP" altLang="en-US" dirty="0"/>
+              <a:t>操作でインストーラを作成できる。共有フォルダから展開するより容易であり、管理者権限も不要。</a:t>
             </a:r>
             <a:endParaRPr lang="en-US" altLang="ja-JP" dirty="0"/>
           </a:p>
           <a:p>
-            <a:pPr lvl="1"/>
-            <a:r>
-              <a:rPr kumimoji="1" lang="ja-JP" altLang="en-US" dirty="0"/>
-              <a:t>半期エンタープライズチャネル：年に</a:t>
-            </a:r>
-            <a:r>
-              <a:rPr kumimoji="1" lang="en-US" altLang="ja-JP" dirty="0"/>
-              <a:t>2</a:t>
-            </a:r>
-            <a:r>
-              <a:rPr kumimoji="1" lang="ja-JP" altLang="en-US" dirty="0"/>
-              <a:t>回新機能が追加される。</a:t>
-            </a:r>
+            <a:pPr marL="914400" lvl="2" indent="0">
+              <a:buNone/>
+            </a:pPr>
             <a:endParaRPr kumimoji="1" lang="en-US" altLang="ja-JP" dirty="0"/>
           </a:p>
           <a:p>
             <a:pPr lvl="1"/>
             <a:endParaRPr lang="en-US" altLang="ja-JP" dirty="0"/>
           </a:p>
-          <a:p>
-            <a:pPr marL="0" indent="0">
-              <a:buNone/>
-            </a:pPr>
-            <a:r>
-              <a:rPr kumimoji="1" lang="ja-JP" altLang="en-US" dirty="0"/>
-              <a:t>セキュリティ更新プログラムは毎月リリースされ、</a:t>
-            </a:r>
-            <a:r>
-              <a:rPr kumimoji="1" lang="en-US" altLang="ja-JP" dirty="0"/>
-              <a:t>OS</a:t>
-            </a:r>
-            <a:r>
-              <a:rPr kumimoji="1" lang="ja-JP" altLang="en-US" dirty="0"/>
-              <a:t>同様に累積パッチとなる。</a:t>
-            </a:r>
-            <a:endParaRPr kumimoji="1" lang="en-US" altLang="ja-JP" dirty="0"/>
-          </a:p>
-          <a:p>
-            <a:pPr marL="0" indent="0">
-              <a:buNone/>
-            </a:pPr>
-            <a:r>
-              <a:rPr lang="ja-JP" altLang="en-US" sz="1600" dirty="0"/>
-              <a:t>（</a:t>
-            </a:r>
-            <a:r>
-              <a:rPr lang="en-US" altLang="ja-JP" sz="1600" dirty="0"/>
-              <a:t>※</a:t>
-            </a:r>
-            <a:r>
-              <a:rPr lang="ja-JP" altLang="en-US" sz="1600" dirty="0"/>
-              <a:t>）月次、半期チャネルの機能リリース時はセキュリティ更新プログラムも含めてリリースされる。</a:t>
-            </a:r>
-            <a:endParaRPr kumimoji="1" lang="ja-JP" altLang="en-US" dirty="0"/>
+        </p:txBody>
+      </p:sp>
+      <p:sp>
+        <p:nvSpPr>
+          <p:cNvPr id="4" name="矢印: 下 3">
+            <a:extLst>
+              <a:ext uri="{FF2B5EF4-FFF2-40B4-BE49-F238E27FC236}">
+                <a16:creationId xmlns:a16="http://schemas.microsoft.com/office/drawing/2014/main" id="{B6501036-8031-453F-A8A2-E285C71FB39E}"/>
+              </a:ext>
+            </a:extLst>
+          </p:cNvPr>
+          <p:cNvSpPr/>
+          <p:nvPr/>
+        </p:nvSpPr>
+        <p:spPr>
+          <a:xfrm>
+            <a:off x="108380" y="3151573"/>
+            <a:ext cx="1205515" cy="2956264"/>
+          </a:xfrm>
+          <a:prstGeom prst="downArrow">
+            <a:avLst/>
+          </a:prstGeom>
+        </p:spPr>
+        <p:style>
+          <a:lnRef idx="2">
+            <a:schemeClr val="accent5">
+              <a:shade val="50000"/>
+            </a:schemeClr>
+          </a:lnRef>
+          <a:fillRef idx="1">
+            <a:schemeClr val="accent5"/>
+          </a:fillRef>
+          <a:effectRef idx="0">
+            <a:schemeClr val="accent5"/>
+          </a:effectRef>
+          <a:fontRef idx="minor">
+            <a:schemeClr val="lt1"/>
+          </a:fontRef>
+        </p:style>
+        <p:txBody>
+          <a:bodyPr rtlCol="0" anchor="ctr"/>
+          <a:lstStyle/>
+          <a:p>
+            <a:pPr algn="ctr"/>
+            <a:r>
+              <a:rPr lang="en-US" altLang="ja-JP" dirty="0"/>
+              <a:t>(</a:t>
+            </a:r>
+            <a:r>
+              <a:rPr lang="ja-JP" altLang="en-US" dirty="0"/>
+              <a:t>高</a:t>
+            </a:r>
+            <a:r>
+              <a:rPr lang="en-US" altLang="ja-JP" dirty="0"/>
+              <a:t>)</a:t>
+            </a:r>
+          </a:p>
+          <a:p>
+            <a:pPr algn="ctr"/>
+            <a:r>
+              <a:rPr lang="ja-JP" altLang="en-US" dirty="0"/>
+              <a:t>　</a:t>
+            </a:r>
+            <a:endParaRPr lang="en-US" altLang="ja-JP" dirty="0"/>
+          </a:p>
+          <a:p>
+            <a:pPr algn="ctr"/>
+            <a:r>
+              <a:rPr lang="ja-JP" altLang="en-US" dirty="0"/>
+              <a:t>難易度</a:t>
+            </a:r>
+            <a:endParaRPr lang="en-US" altLang="ja-JP" dirty="0"/>
+          </a:p>
+          <a:p>
+            <a:pPr algn="ctr"/>
+            <a:endParaRPr lang="en-US" altLang="ja-JP" dirty="0"/>
+          </a:p>
+          <a:p>
+            <a:pPr algn="ctr"/>
+            <a:r>
+              <a:rPr lang="en-US" altLang="ja-JP" dirty="0"/>
+              <a:t>(</a:t>
+            </a:r>
+            <a:r>
+              <a:rPr lang="ja-JP" altLang="en-US" dirty="0"/>
+              <a:t>低</a:t>
+            </a:r>
+            <a:r>
+              <a:rPr lang="en-US" altLang="ja-JP" dirty="0"/>
+              <a:t>)</a:t>
+            </a:r>
           </a:p>
         </p:txBody>
       </p:sp>
     </p:spTree>
     <p:extLst>
       <p:ext uri="{BB962C8B-B14F-4D97-AF65-F5344CB8AC3E}">
-        <p14:creationId xmlns:p14="http://schemas.microsoft.com/office/powerpoint/2010/main" val="4132821678"/>
+        <p14:creationId xmlns:p14="http://schemas.microsoft.com/office/powerpoint/2010/main" val="1417849007"/>
       </p:ext>
     </p:extLst>
   </p:cSld>
@@ -13045,10 +14500,1218 @@
       </p:grpSpPr>
       <p:sp>
         <p:nvSpPr>
-          <p:cNvPr id="2" name="タイトル 1">
-            <a:extLst>
-              <a:ext uri="{FF2B5EF4-FFF2-40B4-BE49-F238E27FC236}">
-                <a16:creationId xmlns:a16="http://schemas.microsoft.com/office/drawing/2014/main" id="{44C8FF3C-21FB-4C71-9C5D-28283AF8DB83}"/>
+          <p:cNvPr id="50" name="正方形/長方形 49">
+            <a:extLst>
+              <a:ext uri="{FF2B5EF4-FFF2-40B4-BE49-F238E27FC236}">
+                <a16:creationId xmlns:a16="http://schemas.microsoft.com/office/drawing/2014/main" id="{8AFC073E-4FAB-41C4-8662-76FF0705E9E9}"/>
+              </a:ext>
+            </a:extLst>
+          </p:cNvPr>
+          <p:cNvSpPr/>
+          <p:nvPr/>
+        </p:nvSpPr>
+        <p:spPr>
+          <a:xfrm>
+            <a:off x="4494999" y="5394073"/>
+            <a:ext cx="3286125" cy="1359152"/>
+          </a:xfrm>
+          <a:prstGeom prst="rect">
+            <a:avLst/>
+          </a:prstGeom>
+          <a:ln/>
+        </p:spPr>
+        <p:style>
+          <a:lnRef idx="2">
+            <a:schemeClr val="dk1"/>
+          </a:lnRef>
+          <a:fillRef idx="1">
+            <a:schemeClr val="lt1"/>
+          </a:fillRef>
+          <a:effectRef idx="0">
+            <a:schemeClr val="dk1"/>
+          </a:effectRef>
+          <a:fontRef idx="minor">
+            <a:schemeClr val="dk1"/>
+          </a:fontRef>
+        </p:style>
+        <p:txBody>
+          <a:bodyPr rtlCol="0" anchor="ctr"/>
+          <a:lstStyle/>
+          <a:p>
+            <a:pPr algn="ctr"/>
+            <a:endParaRPr kumimoji="1" lang="ja-JP" altLang="en-US"/>
+          </a:p>
+        </p:txBody>
+      </p:sp>
+      <p:sp>
+        <p:nvSpPr>
+          <p:cNvPr id="51" name="正方形/長方形 50">
+            <a:extLst>
+              <a:ext uri="{FF2B5EF4-FFF2-40B4-BE49-F238E27FC236}">
+                <a16:creationId xmlns:a16="http://schemas.microsoft.com/office/drawing/2014/main" id="{61A9E89F-9C9B-47AF-976B-3992464CC5A5}"/>
+              </a:ext>
+            </a:extLst>
+          </p:cNvPr>
+          <p:cNvSpPr/>
+          <p:nvPr/>
+        </p:nvSpPr>
+        <p:spPr>
+          <a:xfrm>
+            <a:off x="4494999" y="5240727"/>
+            <a:ext cx="3286125" cy="310509"/>
+          </a:xfrm>
+          <a:prstGeom prst="rect">
+            <a:avLst/>
+          </a:prstGeom>
+          <a:ln/>
+        </p:spPr>
+        <p:style>
+          <a:lnRef idx="2">
+            <a:schemeClr val="dk1"/>
+          </a:lnRef>
+          <a:fillRef idx="1">
+            <a:schemeClr val="lt1"/>
+          </a:fillRef>
+          <a:effectRef idx="0">
+            <a:schemeClr val="dk1"/>
+          </a:effectRef>
+          <a:fontRef idx="minor">
+            <a:schemeClr val="dk1"/>
+          </a:fontRef>
+        </p:style>
+        <p:txBody>
+          <a:bodyPr rtlCol="0" anchor="ctr"/>
+          <a:lstStyle/>
+          <a:p>
+            <a:pPr algn="ctr"/>
+            <a:r>
+              <a:rPr lang="ja-JP" altLang="en-US" sz="1400" dirty="0"/>
+              <a:t>本社</a:t>
+            </a:r>
+            <a:endParaRPr kumimoji="1" lang="ja-JP" altLang="en-US" sz="1400" dirty="0"/>
+          </a:p>
+        </p:txBody>
+      </p:sp>
+      <p:sp>
+        <p:nvSpPr>
+          <p:cNvPr id="44" name="正方形/長方形 43">
+            <a:extLst>
+              <a:ext uri="{FF2B5EF4-FFF2-40B4-BE49-F238E27FC236}">
+                <a16:creationId xmlns:a16="http://schemas.microsoft.com/office/drawing/2014/main" id="{8A091EDE-35AC-49A9-BBB3-74BC65F223FF}"/>
+              </a:ext>
+            </a:extLst>
+          </p:cNvPr>
+          <p:cNvSpPr/>
+          <p:nvPr/>
+        </p:nvSpPr>
+        <p:spPr>
+          <a:xfrm>
+            <a:off x="8505825" y="5028299"/>
+            <a:ext cx="3286125" cy="1734774"/>
+          </a:xfrm>
+          <a:prstGeom prst="rect">
+            <a:avLst/>
+          </a:prstGeom>
+          <a:ln/>
+        </p:spPr>
+        <p:style>
+          <a:lnRef idx="2">
+            <a:schemeClr val="dk1"/>
+          </a:lnRef>
+          <a:fillRef idx="1">
+            <a:schemeClr val="lt1"/>
+          </a:fillRef>
+          <a:effectRef idx="0">
+            <a:schemeClr val="dk1"/>
+          </a:effectRef>
+          <a:fontRef idx="minor">
+            <a:schemeClr val="dk1"/>
+          </a:fontRef>
+        </p:style>
+        <p:txBody>
+          <a:bodyPr rtlCol="0" anchor="ctr"/>
+          <a:lstStyle/>
+          <a:p>
+            <a:pPr algn="ctr"/>
+            <a:endParaRPr kumimoji="1" lang="ja-JP" altLang="en-US"/>
+          </a:p>
+        </p:txBody>
+      </p:sp>
+      <p:sp>
+        <p:nvSpPr>
+          <p:cNvPr id="45" name="正方形/長方形 44">
+            <a:extLst>
+              <a:ext uri="{FF2B5EF4-FFF2-40B4-BE49-F238E27FC236}">
+                <a16:creationId xmlns:a16="http://schemas.microsoft.com/office/drawing/2014/main" id="{EC689FC0-EF98-4C2E-AE80-DAB145D58684}"/>
+              </a:ext>
+            </a:extLst>
+          </p:cNvPr>
+          <p:cNvSpPr/>
+          <p:nvPr/>
+        </p:nvSpPr>
+        <p:spPr>
+          <a:xfrm>
+            <a:off x="8505825" y="4941242"/>
+            <a:ext cx="3286125" cy="310509"/>
+          </a:xfrm>
+          <a:prstGeom prst="rect">
+            <a:avLst/>
+          </a:prstGeom>
+          <a:ln/>
+        </p:spPr>
+        <p:style>
+          <a:lnRef idx="2">
+            <a:schemeClr val="dk1"/>
+          </a:lnRef>
+          <a:fillRef idx="1">
+            <a:schemeClr val="lt1"/>
+          </a:fillRef>
+          <a:effectRef idx="0">
+            <a:schemeClr val="dk1"/>
+          </a:effectRef>
+          <a:fontRef idx="minor">
+            <a:schemeClr val="dk1"/>
+          </a:fontRef>
+        </p:style>
+        <p:txBody>
+          <a:bodyPr rtlCol="0" anchor="ctr"/>
+          <a:lstStyle/>
+          <a:p>
+            <a:pPr algn="ctr"/>
+            <a:r>
+              <a:rPr kumimoji="1" lang="ja-JP" altLang="en-US" sz="1400" dirty="0"/>
+              <a:t>データセンター</a:t>
+            </a:r>
+          </a:p>
+        </p:txBody>
+      </p:sp>
+      <p:pic>
+        <p:nvPicPr>
+          <p:cNvPr id="1026" name="Picture 2" descr="ノートPCアイコン | アイコン素材ダウンロードサイト「icooon-mono」 | 商用利用可能なアイコン素材が無料(フリー)ダウンロードできるサイト">
+            <a:extLst>
+              <a:ext uri="{FF2B5EF4-FFF2-40B4-BE49-F238E27FC236}">
+                <a16:creationId xmlns:a16="http://schemas.microsoft.com/office/drawing/2014/main" id="{A78B6511-6CF7-482E-BCC6-187D1124A96D}"/>
+              </a:ext>
+            </a:extLst>
+          </p:cNvPr>
+          <p:cNvPicPr>
+            <a:picLocks noChangeAspect="1" noChangeArrowheads="1"/>
+          </p:cNvPicPr>
+          <p:nvPr/>
+        </p:nvPicPr>
+        <p:blipFill>
+          <a:blip r:embed="rId2">
+            <a:extLst>
+              <a:ext uri="{28A0092B-C50C-407E-A947-70E740481C1C}">
+                <a14:useLocalDpi xmlns:a14="http://schemas.microsoft.com/office/drawing/2010/main" val="0"/>
+              </a:ext>
+            </a:extLst>
+          </a:blip>
+          <a:srcRect/>
+          <a:stretch>
+            <a:fillRect/>
+          </a:stretch>
+        </p:blipFill>
+        <p:spPr bwMode="auto">
+          <a:xfrm>
+            <a:off x="4797883" y="6051096"/>
+            <a:ext cx="572193" cy="572193"/>
+          </a:xfrm>
+          <a:prstGeom prst="rect">
+            <a:avLst/>
+          </a:prstGeom>
+          <a:noFill/>
+          <a:extLst>
+            <a:ext uri="{909E8E84-426E-40DD-AFC4-6F175D3DCCD1}">
+              <a14:hiddenFill xmlns:a14="http://schemas.microsoft.com/office/drawing/2010/main">
+                <a:solidFill>
+                  <a:srgbClr val="FFFFFF"/>
+                </a:solidFill>
+              </a14:hiddenFill>
+            </a:ext>
+          </a:extLst>
+        </p:spPr>
+      </p:pic>
+      <p:pic>
+        <p:nvPicPr>
+          <p:cNvPr id="8" name="Picture 4" descr="サーバー | 商用可の無料(フリー)のアイコン素材をダウンロードできるサイト『icon rainbow』">
+            <a:extLst>
+              <a:ext uri="{FF2B5EF4-FFF2-40B4-BE49-F238E27FC236}">
+                <a16:creationId xmlns:a16="http://schemas.microsoft.com/office/drawing/2014/main" id="{6187B571-BED3-4848-827F-195571035108}"/>
+              </a:ext>
+            </a:extLst>
+          </p:cNvPr>
+          <p:cNvPicPr>
+            <a:picLocks noChangeAspect="1" noChangeArrowheads="1"/>
+          </p:cNvPicPr>
+          <p:nvPr/>
+        </p:nvPicPr>
+        <p:blipFill>
+          <a:blip r:embed="rId3">
+            <a:extLst>
+              <a:ext uri="{28A0092B-C50C-407E-A947-70E740481C1C}">
+                <a14:useLocalDpi xmlns:a14="http://schemas.microsoft.com/office/drawing/2010/main" val="0"/>
+              </a:ext>
+            </a:extLst>
+          </a:blip>
+          <a:srcRect/>
+          <a:stretch>
+            <a:fillRect/>
+          </a:stretch>
+        </p:blipFill>
+        <p:spPr bwMode="auto">
+          <a:xfrm>
+            <a:off x="9979541" y="5641679"/>
+            <a:ext cx="634337" cy="634337"/>
+          </a:xfrm>
+          <a:prstGeom prst="rect">
+            <a:avLst/>
+          </a:prstGeom>
+          <a:solidFill>
+            <a:schemeClr val="bg2">
+              <a:alpha val="0"/>
+            </a:schemeClr>
+          </a:solidFill>
+        </p:spPr>
+      </p:pic>
+      <p:sp>
+        <p:nvSpPr>
+          <p:cNvPr id="4" name="雲 3">
+            <a:extLst>
+              <a:ext uri="{FF2B5EF4-FFF2-40B4-BE49-F238E27FC236}">
+                <a16:creationId xmlns:a16="http://schemas.microsoft.com/office/drawing/2014/main" id="{21A34934-4F79-448A-A235-5E18090FB739}"/>
+              </a:ext>
+            </a:extLst>
+          </p:cNvPr>
+          <p:cNvSpPr/>
+          <p:nvPr/>
+        </p:nvSpPr>
+        <p:spPr>
+          <a:xfrm>
+            <a:off x="4693691" y="3027396"/>
+            <a:ext cx="2878202" cy="792948"/>
+          </a:xfrm>
+          <a:prstGeom prst="cloud">
+            <a:avLst/>
+          </a:prstGeom>
+        </p:spPr>
+        <p:style>
+          <a:lnRef idx="2">
+            <a:schemeClr val="accent2">
+              <a:shade val="50000"/>
+            </a:schemeClr>
+          </a:lnRef>
+          <a:fillRef idx="1">
+            <a:schemeClr val="accent2"/>
+          </a:fillRef>
+          <a:effectRef idx="0">
+            <a:schemeClr val="accent2"/>
+          </a:effectRef>
+          <a:fontRef idx="minor">
+            <a:schemeClr val="lt1"/>
+          </a:fontRef>
+        </p:style>
+        <p:txBody>
+          <a:bodyPr rtlCol="0" anchor="ctr"/>
+          <a:lstStyle/>
+          <a:p>
+            <a:pPr algn="ctr"/>
+            <a:r>
+              <a:rPr kumimoji="1" lang="ja-JP" altLang="en-US" sz="1600" dirty="0"/>
+              <a:t>インターネット</a:t>
+            </a:r>
+          </a:p>
+        </p:txBody>
+      </p:sp>
+      <p:sp>
+        <p:nvSpPr>
+          <p:cNvPr id="10" name="雲 9">
+            <a:extLst>
+              <a:ext uri="{FF2B5EF4-FFF2-40B4-BE49-F238E27FC236}">
+                <a16:creationId xmlns:a16="http://schemas.microsoft.com/office/drawing/2014/main" id="{6E810F80-7FEF-4AD6-94A7-2984E5FEDFAB}"/>
+              </a:ext>
+            </a:extLst>
+          </p:cNvPr>
+          <p:cNvSpPr/>
+          <p:nvPr/>
+        </p:nvSpPr>
+        <p:spPr>
+          <a:xfrm>
+            <a:off x="4865075" y="4051496"/>
+            <a:ext cx="2493619" cy="596115"/>
+          </a:xfrm>
+          <a:prstGeom prst="cloud">
+            <a:avLst/>
+          </a:prstGeom>
+        </p:spPr>
+        <p:style>
+          <a:lnRef idx="2">
+            <a:schemeClr val="accent3">
+              <a:shade val="50000"/>
+            </a:schemeClr>
+          </a:lnRef>
+          <a:fillRef idx="1">
+            <a:schemeClr val="accent3"/>
+          </a:fillRef>
+          <a:effectRef idx="0">
+            <a:schemeClr val="accent3"/>
+          </a:effectRef>
+          <a:fontRef idx="minor">
+            <a:schemeClr val="lt1"/>
+          </a:fontRef>
+        </p:style>
+        <p:txBody>
+          <a:bodyPr rtlCol="0" anchor="ctr"/>
+          <a:lstStyle/>
+          <a:p>
+            <a:pPr algn="ctr"/>
+            <a:r>
+              <a:rPr kumimoji="1" lang="en-US" altLang="ja-JP" sz="1400" dirty="0"/>
+              <a:t>LAN</a:t>
+            </a:r>
+            <a:endParaRPr kumimoji="1" lang="ja-JP" altLang="en-US" sz="1400" dirty="0"/>
+          </a:p>
+        </p:txBody>
+      </p:sp>
+      <p:pic>
+        <p:nvPicPr>
+          <p:cNvPr id="1036" name="Picture 12" descr="ルーター 無料 アイコン の Material Design">
+            <a:extLst>
+              <a:ext uri="{FF2B5EF4-FFF2-40B4-BE49-F238E27FC236}">
+                <a16:creationId xmlns:a16="http://schemas.microsoft.com/office/drawing/2014/main" id="{F30B8C80-3675-4767-89C1-ADE0962932E7}"/>
+              </a:ext>
+            </a:extLst>
+          </p:cNvPr>
+          <p:cNvPicPr>
+            <a:picLocks noChangeAspect="1" noChangeArrowheads="1"/>
+          </p:cNvPicPr>
+          <p:nvPr/>
+        </p:nvPicPr>
+        <p:blipFill>
+          <a:blip r:embed="rId4">
+            <a:extLst>
+              <a:ext uri="{28A0092B-C50C-407E-A947-70E740481C1C}">
+                <a14:useLocalDpi xmlns:a14="http://schemas.microsoft.com/office/drawing/2010/main" val="0"/>
+              </a:ext>
+            </a:extLst>
+          </a:blip>
+          <a:srcRect/>
+          <a:stretch>
+            <a:fillRect/>
+          </a:stretch>
+        </p:blipFill>
+        <p:spPr bwMode="auto">
+          <a:xfrm>
+            <a:off x="5907537" y="4830498"/>
+            <a:ext cx="408696" cy="408696"/>
+          </a:xfrm>
+          <a:prstGeom prst="rect">
+            <a:avLst/>
+          </a:prstGeom>
+          <a:noFill/>
+          <a:extLst>
+            <a:ext uri="{909E8E84-426E-40DD-AFC4-6F175D3DCCD1}">
+              <a14:hiddenFill xmlns:a14="http://schemas.microsoft.com/office/drawing/2010/main">
+                <a:solidFill>
+                  <a:srgbClr val="FFFFFF"/>
+                </a:solidFill>
+              </a14:hiddenFill>
+            </a:ext>
+          </a:extLst>
+        </p:spPr>
+      </p:pic>
+      <p:pic>
+        <p:nvPicPr>
+          <p:cNvPr id="14" name="Picture 12" descr="ルーター 無料 アイコン の Material Design">
+            <a:extLst>
+              <a:ext uri="{FF2B5EF4-FFF2-40B4-BE49-F238E27FC236}">
+                <a16:creationId xmlns:a16="http://schemas.microsoft.com/office/drawing/2014/main" id="{CE286454-6537-4D07-B449-5B30AC192271}"/>
+              </a:ext>
+            </a:extLst>
+          </p:cNvPr>
+          <p:cNvPicPr>
+            <a:picLocks noChangeAspect="1" noChangeArrowheads="1"/>
+          </p:cNvPicPr>
+          <p:nvPr/>
+        </p:nvPicPr>
+        <p:blipFill>
+          <a:blip r:embed="rId4">
+            <a:extLst>
+              <a:ext uri="{28A0092B-C50C-407E-A947-70E740481C1C}">
+                <a14:useLocalDpi xmlns:a14="http://schemas.microsoft.com/office/drawing/2010/main" val="0"/>
+              </a:ext>
+            </a:extLst>
+          </a:blip>
+          <a:srcRect/>
+          <a:stretch>
+            <a:fillRect/>
+          </a:stretch>
+        </p:blipFill>
+        <p:spPr bwMode="auto">
+          <a:xfrm>
+            <a:off x="10028508" y="4493264"/>
+            <a:ext cx="408696" cy="408696"/>
+          </a:xfrm>
+          <a:prstGeom prst="rect">
+            <a:avLst/>
+          </a:prstGeom>
+          <a:noFill/>
+          <a:extLst>
+            <a:ext uri="{909E8E84-426E-40DD-AFC4-6F175D3DCCD1}">
+              <a14:hiddenFill xmlns:a14="http://schemas.microsoft.com/office/drawing/2010/main">
+                <a:solidFill>
+                  <a:srgbClr val="FFFFFF"/>
+                </a:solidFill>
+              </a14:hiddenFill>
+            </a:ext>
+          </a:extLst>
+        </p:spPr>
+      </p:pic>
+      <p:pic>
+        <p:nvPicPr>
+          <p:cNvPr id="15" name="Picture 4" descr="サーバー | 商用可の無料(フリー)のアイコン素材をダウンロードできるサイト『icon rainbow』">
+            <a:extLst>
+              <a:ext uri="{FF2B5EF4-FFF2-40B4-BE49-F238E27FC236}">
+                <a16:creationId xmlns:a16="http://schemas.microsoft.com/office/drawing/2014/main" id="{18EDBA2A-EC16-4BD2-BC55-3DF65FDAA450}"/>
+              </a:ext>
+            </a:extLst>
+          </p:cNvPr>
+          <p:cNvPicPr>
+            <a:picLocks noChangeAspect="1" noChangeArrowheads="1"/>
+          </p:cNvPicPr>
+          <p:nvPr/>
+        </p:nvPicPr>
+        <p:blipFill>
+          <a:blip r:embed="rId3">
+            <a:extLst>
+              <a:ext uri="{28A0092B-C50C-407E-A947-70E740481C1C}">
+                <a14:useLocalDpi xmlns:a14="http://schemas.microsoft.com/office/drawing/2010/main" val="0"/>
+              </a:ext>
+            </a:extLst>
+          </a:blip>
+          <a:srcRect/>
+          <a:stretch>
+            <a:fillRect/>
+          </a:stretch>
+        </p:blipFill>
+        <p:spPr bwMode="auto">
+          <a:xfrm>
+            <a:off x="6817345" y="5714531"/>
+            <a:ext cx="634337" cy="634337"/>
+          </a:xfrm>
+          <a:prstGeom prst="rect">
+            <a:avLst/>
+          </a:prstGeom>
+          <a:noFill/>
+          <a:extLst>
+            <a:ext uri="{909E8E84-426E-40DD-AFC4-6F175D3DCCD1}">
+              <a14:hiddenFill xmlns:a14="http://schemas.microsoft.com/office/drawing/2010/main">
+                <a:solidFill>
+                  <a:srgbClr val="FFFFFF"/>
+                </a:solidFill>
+              </a14:hiddenFill>
+            </a:ext>
+          </a:extLst>
+        </p:spPr>
+      </p:pic>
+      <p:cxnSp>
+        <p:nvCxnSpPr>
+          <p:cNvPr id="12" name="直線コネクタ 11">
+            <a:extLst>
+              <a:ext uri="{FF2B5EF4-FFF2-40B4-BE49-F238E27FC236}">
+                <a16:creationId xmlns:a16="http://schemas.microsoft.com/office/drawing/2014/main" id="{9C290E4D-D9AB-4212-B7FA-683F42FA1B11}"/>
+              </a:ext>
+            </a:extLst>
+          </p:cNvPr>
+          <p:cNvCxnSpPr>
+            <a:cxnSpLocks/>
+            <a:stCxn id="4" idx="2"/>
+          </p:cNvCxnSpPr>
+          <p:nvPr/>
+        </p:nvCxnSpPr>
+        <p:spPr>
+          <a:xfrm flipH="1">
+            <a:off x="3732189" y="3423870"/>
+            <a:ext cx="970430" cy="1476"/>
+          </a:xfrm>
+          <a:prstGeom prst="straightConnector1">
+            <a:avLst/>
+          </a:prstGeom>
+        </p:spPr>
+        <p:style>
+          <a:lnRef idx="1">
+            <a:schemeClr val="accent2"/>
+          </a:lnRef>
+          <a:fillRef idx="0">
+            <a:schemeClr val="accent2"/>
+          </a:fillRef>
+          <a:effectRef idx="0">
+            <a:schemeClr val="accent2"/>
+          </a:effectRef>
+          <a:fontRef idx="minor">
+            <a:schemeClr val="tx1"/>
+          </a:fontRef>
+        </p:style>
+      </p:cxnSp>
+      <p:cxnSp>
+        <p:nvCxnSpPr>
+          <p:cNvPr id="28" name="直線コネクタ 27">
+            <a:extLst>
+              <a:ext uri="{FF2B5EF4-FFF2-40B4-BE49-F238E27FC236}">
+                <a16:creationId xmlns:a16="http://schemas.microsoft.com/office/drawing/2014/main" id="{2F8D84E0-52DC-4B6E-A7A5-EA7CD85B98F0}"/>
+              </a:ext>
+            </a:extLst>
+          </p:cNvPr>
+          <p:cNvCxnSpPr>
+            <a:cxnSpLocks/>
+            <a:stCxn id="4" idx="1"/>
+          </p:cNvCxnSpPr>
+          <p:nvPr/>
+        </p:nvCxnSpPr>
+        <p:spPr>
+          <a:xfrm>
+            <a:off x="6132792" y="3819500"/>
+            <a:ext cx="0" cy="211407"/>
+          </a:xfrm>
+          <a:prstGeom prst="line">
+            <a:avLst/>
+          </a:prstGeom>
+        </p:spPr>
+        <p:style>
+          <a:lnRef idx="1">
+            <a:schemeClr val="accent2"/>
+          </a:lnRef>
+          <a:fillRef idx="0">
+            <a:schemeClr val="accent2"/>
+          </a:fillRef>
+          <a:effectRef idx="0">
+            <a:schemeClr val="accent2"/>
+          </a:effectRef>
+          <a:fontRef idx="minor">
+            <a:schemeClr val="tx1"/>
+          </a:fontRef>
+        </p:style>
+      </p:cxnSp>
+      <p:sp>
+        <p:nvSpPr>
+          <p:cNvPr id="48" name="テキスト ボックス 47">
+            <a:extLst>
+              <a:ext uri="{FF2B5EF4-FFF2-40B4-BE49-F238E27FC236}">
+                <a16:creationId xmlns:a16="http://schemas.microsoft.com/office/drawing/2014/main" id="{F4D7DFE0-30B9-4230-AAD3-F5FA9B7E4611}"/>
+              </a:ext>
+            </a:extLst>
+          </p:cNvPr>
+          <p:cNvSpPr txBox="1"/>
+          <p:nvPr/>
+        </p:nvSpPr>
+        <p:spPr>
+          <a:xfrm>
+            <a:off x="9774027" y="6354163"/>
+            <a:ext cx="1261884" cy="276999"/>
+          </a:xfrm>
+          <a:prstGeom prst="rect">
+            <a:avLst/>
+          </a:prstGeom>
+          <a:noFill/>
+        </p:spPr>
+        <p:txBody>
+          <a:bodyPr wrap="none" rtlCol="0">
+            <a:spAutoFit/>
+          </a:bodyPr>
+          <a:lstStyle/>
+          <a:p>
+            <a:r>
+              <a:rPr lang="ja-JP" altLang="en-US" sz="1200" dirty="0"/>
+              <a:t>ファイルサーバ</a:t>
+            </a:r>
+            <a:endParaRPr kumimoji="1" lang="ja-JP" altLang="en-US" dirty="0"/>
+          </a:p>
+        </p:txBody>
+      </p:sp>
+      <p:sp>
+        <p:nvSpPr>
+          <p:cNvPr id="52" name="テキスト ボックス 51">
+            <a:extLst>
+              <a:ext uri="{FF2B5EF4-FFF2-40B4-BE49-F238E27FC236}">
+                <a16:creationId xmlns:a16="http://schemas.microsoft.com/office/drawing/2014/main" id="{A7D9CE52-9AE7-4C3D-B506-31065C0797FE}"/>
+              </a:ext>
+            </a:extLst>
+          </p:cNvPr>
+          <p:cNvSpPr txBox="1"/>
+          <p:nvPr/>
+        </p:nvSpPr>
+        <p:spPr>
+          <a:xfrm>
+            <a:off x="6503571" y="6425541"/>
+            <a:ext cx="1261884" cy="276999"/>
+          </a:xfrm>
+          <a:prstGeom prst="rect">
+            <a:avLst/>
+          </a:prstGeom>
+          <a:noFill/>
+        </p:spPr>
+        <p:txBody>
+          <a:bodyPr wrap="none" rtlCol="0">
+            <a:spAutoFit/>
+          </a:bodyPr>
+          <a:lstStyle/>
+          <a:p>
+            <a:r>
+              <a:rPr kumimoji="1" lang="ja-JP" altLang="en-US" sz="1200" dirty="0"/>
+              <a:t>ファイルサーバ</a:t>
+            </a:r>
+            <a:endParaRPr kumimoji="1" lang="ja-JP" altLang="en-US" dirty="0"/>
+          </a:p>
+        </p:txBody>
+      </p:sp>
+      <p:sp>
+        <p:nvSpPr>
+          <p:cNvPr id="53" name="正方形/長方形 52">
+            <a:extLst>
+              <a:ext uri="{FF2B5EF4-FFF2-40B4-BE49-F238E27FC236}">
+                <a16:creationId xmlns:a16="http://schemas.microsoft.com/office/drawing/2014/main" id="{05011235-2287-4F47-B80F-94F19E4DC88B}"/>
+              </a:ext>
+            </a:extLst>
+          </p:cNvPr>
+          <p:cNvSpPr/>
+          <p:nvPr/>
+        </p:nvSpPr>
+        <p:spPr>
+          <a:xfrm>
+            <a:off x="1594773" y="2842130"/>
+            <a:ext cx="1657350" cy="1173739"/>
+          </a:xfrm>
+          <a:prstGeom prst="rect">
+            <a:avLst/>
+          </a:prstGeom>
+          <a:ln/>
+        </p:spPr>
+        <p:style>
+          <a:lnRef idx="2">
+            <a:schemeClr val="accent2"/>
+          </a:lnRef>
+          <a:fillRef idx="1">
+            <a:schemeClr val="lt1"/>
+          </a:fillRef>
+          <a:effectRef idx="0">
+            <a:schemeClr val="accent2"/>
+          </a:effectRef>
+          <a:fontRef idx="minor">
+            <a:schemeClr val="dk1"/>
+          </a:fontRef>
+        </p:style>
+        <p:txBody>
+          <a:bodyPr rtlCol="0" anchor="ctr"/>
+          <a:lstStyle/>
+          <a:p>
+            <a:pPr algn="ctr"/>
+            <a:endParaRPr kumimoji="1" lang="ja-JP" altLang="en-US"/>
+          </a:p>
+        </p:txBody>
+      </p:sp>
+      <p:sp>
+        <p:nvSpPr>
+          <p:cNvPr id="54" name="正方形/長方形 53">
+            <a:extLst>
+              <a:ext uri="{FF2B5EF4-FFF2-40B4-BE49-F238E27FC236}">
+                <a16:creationId xmlns:a16="http://schemas.microsoft.com/office/drawing/2014/main" id="{444A0A0F-C0D8-44DE-8EF9-70B58BF55FF7}"/>
+              </a:ext>
+            </a:extLst>
+          </p:cNvPr>
+          <p:cNvSpPr/>
+          <p:nvPr/>
+        </p:nvSpPr>
+        <p:spPr>
+          <a:xfrm>
+            <a:off x="1594773" y="2755074"/>
+            <a:ext cx="1657350" cy="310509"/>
+          </a:xfrm>
+          <a:prstGeom prst="rect">
+            <a:avLst/>
+          </a:prstGeom>
+          <a:ln/>
+        </p:spPr>
+        <p:style>
+          <a:lnRef idx="2">
+            <a:schemeClr val="accent2"/>
+          </a:lnRef>
+          <a:fillRef idx="1">
+            <a:schemeClr val="lt1"/>
+          </a:fillRef>
+          <a:effectRef idx="0">
+            <a:schemeClr val="accent2"/>
+          </a:effectRef>
+          <a:fontRef idx="minor">
+            <a:schemeClr val="dk1"/>
+          </a:fontRef>
+        </p:style>
+        <p:txBody>
+          <a:bodyPr rtlCol="0" anchor="ctr"/>
+          <a:lstStyle/>
+          <a:p>
+            <a:pPr algn="ctr"/>
+            <a:r>
+              <a:rPr lang="ja-JP" altLang="en-US" sz="1400" dirty="0"/>
+              <a:t>自宅</a:t>
+            </a:r>
+            <a:endParaRPr kumimoji="1" lang="ja-JP" altLang="en-US" sz="1400" dirty="0"/>
+          </a:p>
+        </p:txBody>
+      </p:sp>
+      <p:pic>
+        <p:nvPicPr>
+          <p:cNvPr id="55" name="Picture 2" descr="ノートPCアイコン | アイコン素材ダウンロードサイト「icooon-mono」 | 商用利用可能なアイコン素材が無料(フリー)ダウンロードできるサイト">
+            <a:extLst>
+              <a:ext uri="{FF2B5EF4-FFF2-40B4-BE49-F238E27FC236}">
+                <a16:creationId xmlns:a16="http://schemas.microsoft.com/office/drawing/2014/main" id="{81E33EF9-9490-4D04-872F-18857FAC0536}"/>
+              </a:ext>
+            </a:extLst>
+          </p:cNvPr>
+          <p:cNvPicPr>
+            <a:picLocks noChangeAspect="1" noChangeArrowheads="1"/>
+          </p:cNvPicPr>
+          <p:nvPr/>
+        </p:nvPicPr>
+        <p:blipFill>
+          <a:blip r:embed="rId2">
+            <a:extLst>
+              <a:ext uri="{28A0092B-C50C-407E-A947-70E740481C1C}">
+                <a14:useLocalDpi xmlns:a14="http://schemas.microsoft.com/office/drawing/2010/main" val="0"/>
+              </a:ext>
+            </a:extLst>
+          </a:blip>
+          <a:srcRect/>
+          <a:stretch>
+            <a:fillRect/>
+          </a:stretch>
+        </p:blipFill>
+        <p:spPr bwMode="auto">
+          <a:xfrm>
+            <a:off x="2137350" y="3250257"/>
+            <a:ext cx="572193" cy="572193"/>
+          </a:xfrm>
+          <a:prstGeom prst="rect">
+            <a:avLst/>
+          </a:prstGeom>
+          <a:noFill/>
+          <a:extLst>
+            <a:ext uri="{909E8E84-426E-40DD-AFC4-6F175D3DCCD1}">
+              <a14:hiddenFill xmlns:a14="http://schemas.microsoft.com/office/drawing/2010/main">
+                <a:solidFill>
+                  <a:srgbClr val="FFFFFF"/>
+                </a:solidFill>
+              </a14:hiddenFill>
+            </a:ext>
+          </a:extLst>
+        </p:spPr>
+      </p:pic>
+      <p:sp>
+        <p:nvSpPr>
+          <p:cNvPr id="56" name="正方形/長方形 55">
+            <a:extLst>
+              <a:ext uri="{FF2B5EF4-FFF2-40B4-BE49-F238E27FC236}">
+                <a16:creationId xmlns:a16="http://schemas.microsoft.com/office/drawing/2014/main" id="{51156607-7003-48E1-AD58-961555642DDA}"/>
+              </a:ext>
+            </a:extLst>
+          </p:cNvPr>
+          <p:cNvSpPr/>
+          <p:nvPr/>
+        </p:nvSpPr>
+        <p:spPr>
+          <a:xfrm>
+            <a:off x="1335088" y="5394073"/>
+            <a:ext cx="2351088" cy="1356815"/>
+          </a:xfrm>
+          <a:prstGeom prst="rect">
+            <a:avLst/>
+          </a:prstGeom>
+          <a:ln/>
+        </p:spPr>
+        <p:style>
+          <a:lnRef idx="2">
+            <a:schemeClr val="dk1"/>
+          </a:lnRef>
+          <a:fillRef idx="1">
+            <a:schemeClr val="lt1"/>
+          </a:fillRef>
+          <a:effectRef idx="0">
+            <a:schemeClr val="dk1"/>
+          </a:effectRef>
+          <a:fontRef idx="minor">
+            <a:schemeClr val="dk1"/>
+          </a:fontRef>
+        </p:style>
+        <p:txBody>
+          <a:bodyPr rtlCol="0" anchor="ctr"/>
+          <a:lstStyle/>
+          <a:p>
+            <a:pPr algn="ctr"/>
+            <a:endParaRPr kumimoji="1" lang="ja-JP" altLang="en-US"/>
+          </a:p>
+        </p:txBody>
+      </p:sp>
+      <p:sp>
+        <p:nvSpPr>
+          <p:cNvPr id="57" name="正方形/長方形 56">
+            <a:extLst>
+              <a:ext uri="{FF2B5EF4-FFF2-40B4-BE49-F238E27FC236}">
+                <a16:creationId xmlns:a16="http://schemas.microsoft.com/office/drawing/2014/main" id="{C157EBB3-20EA-44B6-86DF-B64614C877AA}"/>
+              </a:ext>
+            </a:extLst>
+          </p:cNvPr>
+          <p:cNvSpPr/>
+          <p:nvPr/>
+        </p:nvSpPr>
+        <p:spPr>
+          <a:xfrm>
+            <a:off x="1335088" y="5240727"/>
+            <a:ext cx="2351088" cy="310509"/>
+          </a:xfrm>
+          <a:prstGeom prst="rect">
+            <a:avLst/>
+          </a:prstGeom>
+          <a:ln/>
+        </p:spPr>
+        <p:style>
+          <a:lnRef idx="2">
+            <a:schemeClr val="dk1"/>
+          </a:lnRef>
+          <a:fillRef idx="1">
+            <a:schemeClr val="lt1"/>
+          </a:fillRef>
+          <a:effectRef idx="0">
+            <a:schemeClr val="dk1"/>
+          </a:effectRef>
+          <a:fontRef idx="minor">
+            <a:schemeClr val="dk1"/>
+          </a:fontRef>
+        </p:style>
+        <p:txBody>
+          <a:bodyPr rtlCol="0" anchor="ctr"/>
+          <a:lstStyle/>
+          <a:p>
+            <a:pPr algn="ctr"/>
+            <a:r>
+              <a:rPr kumimoji="1" lang="ja-JP" altLang="en-US" sz="1400" dirty="0"/>
+              <a:t>支社</a:t>
+            </a:r>
+          </a:p>
+        </p:txBody>
+      </p:sp>
+      <p:pic>
+        <p:nvPicPr>
+          <p:cNvPr id="58" name="Picture 2" descr="ノートPCアイコン | アイコン素材ダウンロードサイト「icooon-mono」 | 商用利用可能なアイコン素材が無料(フリー)ダウンロードできるサイト">
+            <a:extLst>
+              <a:ext uri="{FF2B5EF4-FFF2-40B4-BE49-F238E27FC236}">
+                <a16:creationId xmlns:a16="http://schemas.microsoft.com/office/drawing/2014/main" id="{72323AF3-4E24-4E0C-AE67-0A1D1F84FA59}"/>
+              </a:ext>
+            </a:extLst>
+          </p:cNvPr>
+          <p:cNvPicPr>
+            <a:picLocks noChangeAspect="1" noChangeArrowheads="1"/>
+          </p:cNvPicPr>
+          <p:nvPr/>
+        </p:nvPicPr>
+        <p:blipFill>
+          <a:blip r:embed="rId2">
+            <a:extLst>
+              <a:ext uri="{28A0092B-C50C-407E-A947-70E740481C1C}">
+                <a14:useLocalDpi xmlns:a14="http://schemas.microsoft.com/office/drawing/2010/main" val="0"/>
+              </a:ext>
+            </a:extLst>
+          </a:blip>
+          <a:srcRect/>
+          <a:stretch>
+            <a:fillRect/>
+          </a:stretch>
+        </p:blipFill>
+        <p:spPr bwMode="auto">
+          <a:xfrm>
+            <a:off x="1663253" y="5793964"/>
+            <a:ext cx="572193" cy="572193"/>
+          </a:xfrm>
+          <a:prstGeom prst="rect">
+            <a:avLst/>
+          </a:prstGeom>
+          <a:noFill/>
+          <a:extLst>
+            <a:ext uri="{909E8E84-426E-40DD-AFC4-6F175D3DCCD1}">
+              <a14:hiddenFill xmlns:a14="http://schemas.microsoft.com/office/drawing/2010/main">
+                <a:solidFill>
+                  <a:srgbClr val="FFFFFF"/>
+                </a:solidFill>
+              </a14:hiddenFill>
+            </a:ext>
+          </a:extLst>
+        </p:spPr>
+      </p:pic>
+      <p:pic>
+        <p:nvPicPr>
+          <p:cNvPr id="59" name="Picture 2" descr="ノートPCアイコン | アイコン素材ダウンロードサイト「icooon-mono」 | 商用利用可能なアイコン素材が無料(フリー)ダウンロードできるサイト">
+            <a:extLst>
+              <a:ext uri="{FF2B5EF4-FFF2-40B4-BE49-F238E27FC236}">
+                <a16:creationId xmlns:a16="http://schemas.microsoft.com/office/drawing/2014/main" id="{C54318D2-0A4A-4FCD-A0B1-E9AF1A1C83BF}"/>
+              </a:ext>
+            </a:extLst>
+          </p:cNvPr>
+          <p:cNvPicPr>
+            <a:picLocks noChangeAspect="1" noChangeArrowheads="1"/>
+          </p:cNvPicPr>
+          <p:nvPr/>
+        </p:nvPicPr>
+        <p:blipFill>
+          <a:blip r:embed="rId2">
+            <a:extLst>
+              <a:ext uri="{28A0092B-C50C-407E-A947-70E740481C1C}">
+                <a14:useLocalDpi xmlns:a14="http://schemas.microsoft.com/office/drawing/2010/main" val="0"/>
+              </a:ext>
+            </a:extLst>
+          </a:blip>
+          <a:srcRect/>
+          <a:stretch>
+            <a:fillRect/>
+          </a:stretch>
+        </p:blipFill>
+        <p:spPr bwMode="auto">
+          <a:xfrm>
+            <a:off x="2681795" y="5793964"/>
+            <a:ext cx="572193" cy="572193"/>
+          </a:xfrm>
+          <a:prstGeom prst="rect">
+            <a:avLst/>
+          </a:prstGeom>
+          <a:noFill/>
+          <a:extLst>
+            <a:ext uri="{909E8E84-426E-40DD-AFC4-6F175D3DCCD1}">
+              <a14:hiddenFill xmlns:a14="http://schemas.microsoft.com/office/drawing/2010/main">
+                <a:solidFill>
+                  <a:srgbClr val="FFFFFF"/>
+                </a:solidFill>
+              </a14:hiddenFill>
+            </a:ext>
+          </a:extLst>
+        </p:spPr>
+      </p:pic>
+      <p:pic>
+        <p:nvPicPr>
+          <p:cNvPr id="60" name="Picture 12" descr="ルーター 無料 アイコン の Material Design">
+            <a:extLst>
+              <a:ext uri="{FF2B5EF4-FFF2-40B4-BE49-F238E27FC236}">
+                <a16:creationId xmlns:a16="http://schemas.microsoft.com/office/drawing/2014/main" id="{2C051EE3-4E1F-44AE-BD18-8C3DCA15DD1A}"/>
+              </a:ext>
+            </a:extLst>
+          </p:cNvPr>
+          <p:cNvPicPr>
+            <a:picLocks noChangeAspect="1" noChangeArrowheads="1"/>
+          </p:cNvPicPr>
+          <p:nvPr/>
+        </p:nvPicPr>
+        <p:blipFill>
+          <a:blip r:embed="rId4">
+            <a:extLst>
+              <a:ext uri="{28A0092B-C50C-407E-A947-70E740481C1C}">
+                <a14:useLocalDpi xmlns:a14="http://schemas.microsoft.com/office/drawing/2010/main" val="0"/>
+              </a:ext>
+            </a:extLst>
+          </a:blip>
+          <a:srcRect/>
+          <a:stretch>
+            <a:fillRect/>
+          </a:stretch>
+        </p:blipFill>
+        <p:spPr bwMode="auto">
+          <a:xfrm>
+            <a:off x="2378209" y="4830498"/>
+            <a:ext cx="408696" cy="408696"/>
+          </a:xfrm>
+          <a:prstGeom prst="rect">
+            <a:avLst/>
+          </a:prstGeom>
+          <a:noFill/>
+          <a:extLst>
+            <a:ext uri="{909E8E84-426E-40DD-AFC4-6F175D3DCCD1}">
+              <a14:hiddenFill xmlns:a14="http://schemas.microsoft.com/office/drawing/2010/main">
+                <a:solidFill>
+                  <a:srgbClr val="FFFFFF"/>
+                </a:solidFill>
+              </a14:hiddenFill>
+            </a:ext>
+          </a:extLst>
+        </p:spPr>
+      </p:pic>
+      <p:pic>
+        <p:nvPicPr>
+          <p:cNvPr id="1048" name="Picture 24" descr="無線のwifiルーターの無料アイコン素材 2 | 商用可の無料(フリー)のアイコン素材をダウンロードできるサイト『icon rainbow』">
+            <a:extLst>
+              <a:ext uri="{FF2B5EF4-FFF2-40B4-BE49-F238E27FC236}">
+                <a16:creationId xmlns:a16="http://schemas.microsoft.com/office/drawing/2014/main" id="{8620ED8B-3B36-4CC8-91C2-CD0F956CB769}"/>
+              </a:ext>
+            </a:extLst>
+          </p:cNvPr>
+          <p:cNvPicPr>
+            <a:picLocks noChangeAspect="1" noChangeArrowheads="1"/>
+          </p:cNvPicPr>
+          <p:nvPr/>
+        </p:nvPicPr>
+        <p:blipFill>
+          <a:blip r:embed="rId5">
+            <a:extLst>
+              <a:ext uri="{28A0092B-C50C-407E-A947-70E740481C1C}">
+                <a14:useLocalDpi xmlns:a14="http://schemas.microsoft.com/office/drawing/2010/main" val="0"/>
+              </a:ext>
+            </a:extLst>
+          </a:blip>
+          <a:srcRect/>
+          <a:stretch>
+            <a:fillRect/>
+          </a:stretch>
+        </p:blipFill>
+        <p:spPr bwMode="auto">
+          <a:xfrm>
+            <a:off x="3257420" y="3078573"/>
+            <a:ext cx="623887" cy="623887"/>
+          </a:xfrm>
+          <a:prstGeom prst="rect">
+            <a:avLst/>
+          </a:prstGeom>
+          <a:noFill/>
+          <a:extLst>
+            <a:ext uri="{909E8E84-426E-40DD-AFC4-6F175D3DCCD1}">
+              <a14:hiddenFill xmlns:a14="http://schemas.microsoft.com/office/drawing/2010/main">
+                <a:solidFill>
+                  <a:srgbClr val="FFFFFF"/>
+                </a:solidFill>
+              </a14:hiddenFill>
+            </a:ext>
+          </a:extLst>
+        </p:spPr>
+      </p:pic>
+      <p:cxnSp>
+        <p:nvCxnSpPr>
+          <p:cNvPr id="107" name="直線コネクタ 60">
+            <a:extLst>
+              <a:ext uri="{FF2B5EF4-FFF2-40B4-BE49-F238E27FC236}">
+                <a16:creationId xmlns:a16="http://schemas.microsoft.com/office/drawing/2014/main" id="{C4C0C8B9-5F28-4BEC-BE32-919AEFC3E277}"/>
+              </a:ext>
+            </a:extLst>
+          </p:cNvPr>
+          <p:cNvCxnSpPr>
+            <a:cxnSpLocks/>
+            <a:stCxn id="60" idx="0"/>
+            <a:endCxn id="10" idx="2"/>
+          </p:cNvCxnSpPr>
+          <p:nvPr/>
+        </p:nvCxnSpPr>
+        <p:spPr>
+          <a:xfrm rot="5400000" flipH="1" flipV="1">
+            <a:off x="3487211" y="3444900"/>
+            <a:ext cx="480944" cy="2290253"/>
+          </a:xfrm>
+          <a:prstGeom prst="bentConnector2">
+            <a:avLst/>
+          </a:prstGeom>
+        </p:spPr>
+        <p:style>
+          <a:lnRef idx="1">
+            <a:schemeClr val="dk1"/>
+          </a:lnRef>
+          <a:fillRef idx="0">
+            <a:schemeClr val="dk1"/>
+          </a:fillRef>
+          <a:effectRef idx="0">
+            <a:schemeClr val="dk1"/>
+          </a:effectRef>
+          <a:fontRef idx="minor">
+            <a:schemeClr val="tx1"/>
+          </a:fontRef>
+        </p:style>
+      </p:cxnSp>
+      <p:cxnSp>
+        <p:nvCxnSpPr>
+          <p:cNvPr id="110" name="直線コネクタ 60">
+            <a:extLst>
+              <a:ext uri="{FF2B5EF4-FFF2-40B4-BE49-F238E27FC236}">
+                <a16:creationId xmlns:a16="http://schemas.microsoft.com/office/drawing/2014/main" id="{228AC960-471B-4EE4-ACE7-607A83CD2062}"/>
+              </a:ext>
+            </a:extLst>
+          </p:cNvPr>
+          <p:cNvCxnSpPr>
+            <a:cxnSpLocks/>
+            <a:stCxn id="10" idx="0"/>
+            <a:endCxn id="14" idx="0"/>
+          </p:cNvCxnSpPr>
+          <p:nvPr/>
+        </p:nvCxnSpPr>
+        <p:spPr>
+          <a:xfrm>
+            <a:off x="7356616" y="4349554"/>
+            <a:ext cx="2876240" cy="143710"/>
+          </a:xfrm>
+          <a:prstGeom prst="bentConnector2">
+            <a:avLst/>
+          </a:prstGeom>
+        </p:spPr>
+        <p:style>
+          <a:lnRef idx="1">
+            <a:schemeClr val="dk1"/>
+          </a:lnRef>
+          <a:fillRef idx="0">
+            <a:schemeClr val="dk1"/>
+          </a:fillRef>
+          <a:effectRef idx="0">
+            <a:schemeClr val="dk1"/>
+          </a:effectRef>
+          <a:fontRef idx="minor">
+            <a:schemeClr val="tx1"/>
+          </a:fontRef>
+        </p:style>
+      </p:cxnSp>
+      <p:cxnSp>
+        <p:nvCxnSpPr>
+          <p:cNvPr id="113" name="直線コネクタ 60">
+            <a:extLst>
+              <a:ext uri="{FF2B5EF4-FFF2-40B4-BE49-F238E27FC236}">
+                <a16:creationId xmlns:a16="http://schemas.microsoft.com/office/drawing/2014/main" id="{06444809-C0FF-4E61-B4F0-0A282D7E824F}"/>
+              </a:ext>
+            </a:extLst>
+          </p:cNvPr>
+          <p:cNvCxnSpPr>
+            <a:cxnSpLocks/>
+            <a:stCxn id="10" idx="1"/>
+            <a:endCxn id="1036" idx="0"/>
+          </p:cNvCxnSpPr>
+          <p:nvPr/>
+        </p:nvCxnSpPr>
+        <p:spPr>
+          <a:xfrm>
+            <a:off x="6111885" y="4646976"/>
+            <a:ext cx="0" cy="183522"/>
+          </a:xfrm>
+          <a:prstGeom prst="straightConnector1">
+            <a:avLst/>
+          </a:prstGeom>
+        </p:spPr>
+        <p:style>
+          <a:lnRef idx="1">
+            <a:schemeClr val="dk1"/>
+          </a:lnRef>
+          <a:fillRef idx="0">
+            <a:schemeClr val="dk1"/>
+          </a:fillRef>
+          <a:effectRef idx="0">
+            <a:schemeClr val="dk1"/>
+          </a:effectRef>
+          <a:fontRef idx="minor">
+            <a:schemeClr val="tx1"/>
+          </a:fontRef>
+        </p:style>
+      </p:cxnSp>
+      <p:sp>
+        <p:nvSpPr>
+          <p:cNvPr id="5" name="タイトル 4">
+            <a:extLst>
+              <a:ext uri="{FF2B5EF4-FFF2-40B4-BE49-F238E27FC236}">
+                <a16:creationId xmlns:a16="http://schemas.microsoft.com/office/drawing/2014/main" id="{75F12AA4-E1DD-4DC9-BCE3-7AA4FBB16D2D}"/>
               </a:ext>
             </a:extLst>
           </p:cNvPr>
@@ -13065,97 +15728,748 @@
           <a:lstStyle/>
           <a:p>
             <a:r>
-              <a:rPr kumimoji="1" lang="en-US" altLang="ja-JP" dirty="0"/>
+              <a:rPr lang="en-US" altLang="ja-JP" dirty="0"/>
               <a:t>Microsoft 365 Apps</a:t>
             </a:r>
             <a:br>
-              <a:rPr kumimoji="1" lang="en-US" altLang="ja-JP" dirty="0"/>
+              <a:rPr lang="en-US" altLang="ja-JP" dirty="0"/>
             </a:br>
             <a:r>
-              <a:rPr kumimoji="1" lang="en-US" altLang="ja-JP" dirty="0"/>
-              <a:t>	</a:t>
-            </a:r>
-            <a:r>
-              <a:rPr kumimoji="1" lang="ja-JP" altLang="en-US" dirty="0"/>
-              <a:t>運用フェーズ（更新）</a:t>
+              <a:rPr lang="ja-JP" altLang="en-US" dirty="0"/>
+              <a:t>　共有フォルダ展開例</a:t>
+            </a:r>
+          </a:p>
+        </p:txBody>
+      </p:sp>
+      <p:pic>
+        <p:nvPicPr>
+          <p:cNvPr id="11" name="Picture 2" descr="マイクロソフト企業ロゴ使用ガイドライン - 法律やライセンスに関する情報 - Mscorp - Microsoft">
+            <a:extLst>
+              <a:ext uri="{FF2B5EF4-FFF2-40B4-BE49-F238E27FC236}">
+                <a16:creationId xmlns:a16="http://schemas.microsoft.com/office/drawing/2014/main" id="{4DBCD545-061A-4A65-806C-B05AA6B1E430}"/>
+              </a:ext>
+            </a:extLst>
+          </p:cNvPr>
+          <p:cNvPicPr>
+            <a:picLocks noChangeAspect="1" noChangeArrowheads="1"/>
+          </p:cNvPicPr>
+          <p:nvPr/>
+        </p:nvPicPr>
+        <p:blipFill>
+          <a:blip r:embed="rId6">
+            <a:extLst>
+              <a:ext uri="{28A0092B-C50C-407E-A947-70E740481C1C}">
+                <a14:useLocalDpi xmlns:a14="http://schemas.microsoft.com/office/drawing/2010/main" val="0"/>
+              </a:ext>
+            </a:extLst>
+          </a:blip>
+          <a:srcRect/>
+          <a:stretch>
+            <a:fillRect/>
+          </a:stretch>
+        </p:blipFill>
+        <p:spPr bwMode="auto">
+          <a:xfrm>
+            <a:off x="5120029" y="1770340"/>
+            <a:ext cx="1951942" cy="1093761"/>
+          </a:xfrm>
+          <a:prstGeom prst="rect">
+            <a:avLst/>
+          </a:prstGeom>
+          <a:noFill/>
+          <a:extLst>
+            <a:ext uri="{909E8E84-426E-40DD-AFC4-6F175D3DCCD1}">
+              <a14:hiddenFill xmlns:a14="http://schemas.microsoft.com/office/drawing/2010/main">
+                <a:solidFill>
+                  <a:srgbClr val="FFFFFF"/>
+                </a:solidFill>
+              </a14:hiddenFill>
+            </a:ext>
+          </a:extLst>
+        </p:spPr>
+      </p:pic>
+      <p:cxnSp>
+        <p:nvCxnSpPr>
+          <p:cNvPr id="16" name="コネクタ: 曲線 15">
+            <a:extLst>
+              <a:ext uri="{FF2B5EF4-FFF2-40B4-BE49-F238E27FC236}">
+                <a16:creationId xmlns:a16="http://schemas.microsoft.com/office/drawing/2014/main" id="{8FAE5CBC-C8C2-486F-A731-49571413CED2}"/>
+              </a:ext>
+            </a:extLst>
+          </p:cNvPr>
+          <p:cNvCxnSpPr>
+            <a:cxnSpLocks/>
+            <a:stCxn id="8" idx="0"/>
+            <a:endCxn id="11" idx="2"/>
+          </p:cNvCxnSpPr>
+          <p:nvPr/>
+        </p:nvCxnSpPr>
+        <p:spPr>
+          <a:xfrm rot="16200000" flipV="1">
+            <a:off x="6807566" y="2152535"/>
+            <a:ext cx="2777578" cy="4200710"/>
+          </a:xfrm>
+          <a:prstGeom prst="curvedConnector3">
+            <a:avLst/>
+          </a:prstGeom>
+          <a:ln w="34925">
+            <a:solidFill>
+              <a:srgbClr val="FF0000"/>
+            </a:solidFill>
+            <a:prstDash val="dash"/>
+            <a:tailEnd type="arrow"/>
+          </a:ln>
+        </p:spPr>
+        <p:style>
+          <a:lnRef idx="1">
+            <a:schemeClr val="accent1"/>
+          </a:lnRef>
+          <a:fillRef idx="0">
+            <a:schemeClr val="accent1"/>
+          </a:fillRef>
+          <a:effectRef idx="0">
+            <a:schemeClr val="accent1"/>
+          </a:effectRef>
+          <a:fontRef idx="minor">
+            <a:schemeClr val="tx1"/>
+          </a:fontRef>
+        </p:style>
+      </p:cxnSp>
+      <p:sp>
+        <p:nvSpPr>
+          <p:cNvPr id="19" name="吹き出し: 四角形 18">
+            <a:extLst>
+              <a:ext uri="{FF2B5EF4-FFF2-40B4-BE49-F238E27FC236}">
+                <a16:creationId xmlns:a16="http://schemas.microsoft.com/office/drawing/2014/main" id="{F1C9399A-6A5F-4531-951B-CDF4F39C9E3A}"/>
+              </a:ext>
+            </a:extLst>
+          </p:cNvPr>
+          <p:cNvSpPr/>
+          <p:nvPr/>
+        </p:nvSpPr>
+        <p:spPr>
+          <a:xfrm>
+            <a:off x="7844346" y="3187430"/>
+            <a:ext cx="1681741" cy="678746"/>
+          </a:xfrm>
+          <a:prstGeom prst="wedgeRectCallout">
+            <a:avLst>
+              <a:gd name="adj1" fmla="val -60953"/>
+              <a:gd name="adj2" fmla="val 92582"/>
+            </a:avLst>
+          </a:prstGeom>
+          <a:ln>
+            <a:solidFill>
+              <a:srgbClr val="FF0000"/>
+            </a:solidFill>
+          </a:ln>
+        </p:spPr>
+        <p:style>
+          <a:lnRef idx="2">
+            <a:schemeClr val="accent3"/>
+          </a:lnRef>
+          <a:fillRef idx="1">
+            <a:schemeClr val="lt1"/>
+          </a:fillRef>
+          <a:effectRef idx="0">
+            <a:schemeClr val="accent3"/>
+          </a:effectRef>
+          <a:fontRef idx="minor">
+            <a:schemeClr val="dk1"/>
+          </a:fontRef>
+        </p:style>
+        <p:txBody>
+          <a:bodyPr rtlCol="0" anchor="ctr"/>
+          <a:lstStyle/>
+          <a:p>
+            <a:r>
+              <a:rPr kumimoji="1" lang="ja-JP" altLang="en-US" sz="1100" dirty="0"/>
+              <a:t>①</a:t>
+            </a:r>
+            <a:r>
+              <a:rPr kumimoji="1" lang="en-US" altLang="ja-JP" sz="1100" dirty="0"/>
+              <a:t>Microsoft</a:t>
+            </a:r>
+            <a:r>
+              <a:rPr kumimoji="1" lang="ja-JP" altLang="en-US" sz="1100" dirty="0"/>
+              <a:t>から</a:t>
+            </a:r>
+            <a:r>
+              <a:rPr lang="en-US" altLang="ja-JP" sz="1100" dirty="0"/>
+              <a:t>ODT</a:t>
+            </a:r>
+            <a:r>
+              <a:rPr lang="ja-JP" altLang="en-US" sz="1100" dirty="0"/>
+              <a:t>で</a:t>
+            </a:r>
+            <a:r>
+              <a:rPr lang="en-US" altLang="ja-JP" sz="1100" dirty="0"/>
+              <a:t>M365 Apps</a:t>
+            </a:r>
+            <a:r>
+              <a:rPr lang="ja-JP" altLang="en-US" sz="1100" dirty="0"/>
+              <a:t>をダウンロードする</a:t>
+            </a:r>
+            <a:endParaRPr kumimoji="1" lang="ja-JP" altLang="en-US" sz="1100" dirty="0"/>
+          </a:p>
+        </p:txBody>
+      </p:sp>
+      <p:cxnSp>
+        <p:nvCxnSpPr>
+          <p:cNvPr id="70" name="コネクタ: 曲線 69">
+            <a:extLst>
+              <a:ext uri="{FF2B5EF4-FFF2-40B4-BE49-F238E27FC236}">
+                <a16:creationId xmlns:a16="http://schemas.microsoft.com/office/drawing/2014/main" id="{9FDA8BFF-A1C0-409E-BC48-28C50A84EADF}"/>
+              </a:ext>
+            </a:extLst>
+          </p:cNvPr>
+          <p:cNvCxnSpPr>
+            <a:cxnSpLocks/>
+            <a:stCxn id="8" idx="0"/>
+            <a:endCxn id="15" idx="0"/>
+          </p:cNvCxnSpPr>
+          <p:nvPr/>
+        </p:nvCxnSpPr>
+        <p:spPr>
+          <a:xfrm rot="16200000" flipH="1" flipV="1">
+            <a:off x="8679186" y="4097007"/>
+            <a:ext cx="72852" cy="3162196"/>
+          </a:xfrm>
+          <a:prstGeom prst="curvedConnector3">
+            <a:avLst>
+              <a:gd name="adj1" fmla="val -1702979"/>
+            </a:avLst>
+          </a:prstGeom>
+          <a:ln w="34925">
+            <a:solidFill>
+              <a:srgbClr val="FF0000"/>
+            </a:solidFill>
+            <a:prstDash val="dash"/>
+            <a:tailEnd type="arrow"/>
+          </a:ln>
+        </p:spPr>
+        <p:style>
+          <a:lnRef idx="1">
+            <a:schemeClr val="accent1"/>
+          </a:lnRef>
+          <a:fillRef idx="0">
+            <a:schemeClr val="accent1"/>
+          </a:fillRef>
+          <a:effectRef idx="0">
+            <a:schemeClr val="accent1"/>
+          </a:effectRef>
+          <a:fontRef idx="minor">
+            <a:schemeClr val="tx1"/>
+          </a:fontRef>
+        </p:style>
+      </p:cxnSp>
+      <p:cxnSp>
+        <p:nvCxnSpPr>
+          <p:cNvPr id="74" name="コネクタ: 曲線 73">
+            <a:extLst>
+              <a:ext uri="{FF2B5EF4-FFF2-40B4-BE49-F238E27FC236}">
+                <a16:creationId xmlns:a16="http://schemas.microsoft.com/office/drawing/2014/main" id="{0025CF9A-E00D-45FA-905D-FFF6F936E51B}"/>
+              </a:ext>
+            </a:extLst>
+          </p:cNvPr>
+          <p:cNvCxnSpPr>
+            <a:cxnSpLocks/>
+            <a:stCxn id="15" idx="1"/>
+            <a:endCxn id="1026" idx="3"/>
+          </p:cNvCxnSpPr>
+          <p:nvPr/>
+        </p:nvCxnSpPr>
+        <p:spPr>
+          <a:xfrm rot="10800000" flipV="1">
+            <a:off x="5370077" y="6031699"/>
+            <a:ext cx="1447269" cy="305493"/>
+          </a:xfrm>
+          <a:prstGeom prst="curvedConnector3">
+            <a:avLst>
+              <a:gd name="adj1" fmla="val 50000"/>
+            </a:avLst>
+          </a:prstGeom>
+          <a:ln w="34925">
+            <a:solidFill>
+              <a:srgbClr val="FF0000"/>
+            </a:solidFill>
+            <a:prstDash val="dash"/>
+            <a:tailEnd type="arrow"/>
+          </a:ln>
+        </p:spPr>
+        <p:style>
+          <a:lnRef idx="1">
+            <a:schemeClr val="accent1"/>
+          </a:lnRef>
+          <a:fillRef idx="0">
+            <a:schemeClr val="accent1"/>
+          </a:fillRef>
+          <a:effectRef idx="0">
+            <a:schemeClr val="accent1"/>
+          </a:effectRef>
+          <a:fontRef idx="minor">
+            <a:schemeClr val="tx1"/>
+          </a:fontRef>
+        </p:style>
+      </p:cxnSp>
+      <p:pic>
+        <p:nvPicPr>
+          <p:cNvPr id="1030" name="Picture 6" descr="Office for Mac アプリアイコンのデザインが変わった！ - wanichanの日記">
+            <a:extLst>
+              <a:ext uri="{FF2B5EF4-FFF2-40B4-BE49-F238E27FC236}">
+                <a16:creationId xmlns:a16="http://schemas.microsoft.com/office/drawing/2014/main" id="{C1F7C6C2-E78D-43D4-84C2-28E1CFF00253}"/>
+              </a:ext>
+            </a:extLst>
+          </p:cNvPr>
+          <p:cNvPicPr>
+            <a:picLocks noChangeAspect="1" noChangeArrowheads="1"/>
+          </p:cNvPicPr>
+          <p:nvPr/>
+        </p:nvPicPr>
+        <p:blipFill>
+          <a:blip r:embed="rId7">
+            <a:extLst>
+              <a:ext uri="{28A0092B-C50C-407E-A947-70E740481C1C}">
+                <a14:useLocalDpi xmlns:a14="http://schemas.microsoft.com/office/drawing/2010/main" val="0"/>
+              </a:ext>
+            </a:extLst>
+          </a:blip>
+          <a:srcRect/>
+          <a:stretch>
+            <a:fillRect/>
+          </a:stretch>
+        </p:blipFill>
+        <p:spPr bwMode="auto">
+          <a:xfrm>
+            <a:off x="5877615" y="5922055"/>
+            <a:ext cx="430057" cy="419568"/>
+          </a:xfrm>
+          <a:prstGeom prst="rect">
+            <a:avLst/>
+          </a:prstGeom>
+          <a:noFill/>
+          <a:extLst>
+            <a:ext uri="{909E8E84-426E-40DD-AFC4-6F175D3DCCD1}">
+              <a14:hiddenFill xmlns:a14="http://schemas.microsoft.com/office/drawing/2010/main">
+                <a:solidFill>
+                  <a:srgbClr val="FFFFFF"/>
+                </a:solidFill>
+              </a14:hiddenFill>
+            </a:ext>
+          </a:extLst>
+        </p:spPr>
+      </p:pic>
+      <p:sp>
+        <p:nvSpPr>
+          <p:cNvPr id="80" name="吹き出し: 四角形 79">
+            <a:extLst>
+              <a:ext uri="{FF2B5EF4-FFF2-40B4-BE49-F238E27FC236}">
+                <a16:creationId xmlns:a16="http://schemas.microsoft.com/office/drawing/2014/main" id="{18D3B324-0DB1-4EC1-96A3-E9B81E47C986}"/>
+              </a:ext>
+            </a:extLst>
+          </p:cNvPr>
+          <p:cNvSpPr/>
+          <p:nvPr/>
+        </p:nvSpPr>
+        <p:spPr>
+          <a:xfrm>
+            <a:off x="4017598" y="5194369"/>
+            <a:ext cx="1681741" cy="678746"/>
+          </a:xfrm>
+          <a:prstGeom prst="wedgeRectCallout">
+            <a:avLst>
+              <a:gd name="adj1" fmla="val 61516"/>
+              <a:gd name="adj2" fmla="val 89966"/>
+            </a:avLst>
+          </a:prstGeom>
+          <a:ln>
+            <a:solidFill>
+              <a:srgbClr val="FF0000"/>
+            </a:solidFill>
+          </a:ln>
+        </p:spPr>
+        <p:style>
+          <a:lnRef idx="2">
+            <a:schemeClr val="accent3"/>
+          </a:lnRef>
+          <a:fillRef idx="1">
+            <a:schemeClr val="lt1"/>
+          </a:fillRef>
+          <a:effectRef idx="0">
+            <a:schemeClr val="accent3"/>
+          </a:effectRef>
+          <a:fontRef idx="minor">
+            <a:schemeClr val="dk1"/>
+          </a:fontRef>
+        </p:style>
+        <p:txBody>
+          <a:bodyPr rtlCol="0" anchor="ctr"/>
+          <a:lstStyle/>
+          <a:p>
+            <a:r>
+              <a:rPr kumimoji="1" lang="ja-JP" altLang="en-US" sz="1100" dirty="0"/>
+              <a:t>③ファイルサーバからダウンロードし、インストールを実行する。</a:t>
+            </a:r>
+          </a:p>
+        </p:txBody>
+      </p:sp>
+      <p:cxnSp>
+        <p:nvCxnSpPr>
+          <p:cNvPr id="81" name="コネクタ: 曲線 80">
+            <a:extLst>
+              <a:ext uri="{FF2B5EF4-FFF2-40B4-BE49-F238E27FC236}">
+                <a16:creationId xmlns:a16="http://schemas.microsoft.com/office/drawing/2014/main" id="{03A8E9DA-B9D1-408A-B68B-3404FD99D463}"/>
+              </a:ext>
+            </a:extLst>
+          </p:cNvPr>
+          <p:cNvCxnSpPr>
+            <a:cxnSpLocks/>
+            <a:stCxn id="8" idx="0"/>
+            <a:endCxn id="59" idx="0"/>
+          </p:cNvCxnSpPr>
+          <p:nvPr/>
+        </p:nvCxnSpPr>
+        <p:spPr>
+          <a:xfrm rot="16200000" flipH="1" flipV="1">
+            <a:off x="6556158" y="2053412"/>
+            <a:ext cx="152285" cy="7328818"/>
+          </a:xfrm>
+          <a:prstGeom prst="curvedConnector3">
+            <a:avLst>
+              <a:gd name="adj1" fmla="val -925456"/>
+            </a:avLst>
+          </a:prstGeom>
+          <a:ln w="34925">
+            <a:solidFill>
+              <a:srgbClr val="FF0000"/>
+            </a:solidFill>
+            <a:prstDash val="dash"/>
+            <a:tailEnd type="arrow"/>
+          </a:ln>
+        </p:spPr>
+        <p:style>
+          <a:lnRef idx="1">
+            <a:schemeClr val="accent1"/>
+          </a:lnRef>
+          <a:fillRef idx="0">
+            <a:schemeClr val="accent1"/>
+          </a:fillRef>
+          <a:effectRef idx="0">
+            <a:schemeClr val="accent1"/>
+          </a:effectRef>
+          <a:fontRef idx="minor">
+            <a:schemeClr val="tx1"/>
+          </a:fontRef>
+        </p:style>
+      </p:cxnSp>
+      <p:sp>
+        <p:nvSpPr>
+          <p:cNvPr id="85" name="吹き出し: 四角形 84">
+            <a:extLst>
+              <a:ext uri="{FF2B5EF4-FFF2-40B4-BE49-F238E27FC236}">
+                <a16:creationId xmlns:a16="http://schemas.microsoft.com/office/drawing/2014/main" id="{9102D0FC-5659-4408-B651-6DC66392EC06}"/>
+              </a:ext>
+            </a:extLst>
+          </p:cNvPr>
+          <p:cNvSpPr/>
+          <p:nvPr/>
+        </p:nvSpPr>
+        <p:spPr>
+          <a:xfrm>
+            <a:off x="1087316" y="4129969"/>
+            <a:ext cx="1921621" cy="747698"/>
+          </a:xfrm>
+          <a:prstGeom prst="wedgeRectCallout">
+            <a:avLst>
+              <a:gd name="adj1" fmla="val 61516"/>
+              <a:gd name="adj2" fmla="val 89966"/>
+            </a:avLst>
+          </a:prstGeom>
+          <a:ln>
+            <a:solidFill>
+              <a:srgbClr val="FF0000"/>
+            </a:solidFill>
+          </a:ln>
+        </p:spPr>
+        <p:style>
+          <a:lnRef idx="2">
+            <a:schemeClr val="accent3"/>
+          </a:lnRef>
+          <a:fillRef idx="1">
+            <a:schemeClr val="lt1"/>
+          </a:fillRef>
+          <a:effectRef idx="0">
+            <a:schemeClr val="accent3"/>
+          </a:effectRef>
+          <a:fontRef idx="minor">
+            <a:schemeClr val="dk1"/>
+          </a:fontRef>
+        </p:style>
+        <p:txBody>
+          <a:bodyPr rtlCol="0" anchor="ctr"/>
+          <a:lstStyle/>
+          <a:p>
+            <a:r>
+              <a:rPr lang="ja-JP" altLang="en-US" sz="1100" dirty="0"/>
+              <a:t>②直接データセンターの</a:t>
+            </a:r>
+            <a:r>
+              <a:rPr kumimoji="1" lang="ja-JP" altLang="en-US" sz="1100" dirty="0"/>
+              <a:t>ファイルサーバからダウンロードし、インストールを実行する。</a:t>
             </a:r>
           </a:p>
         </p:txBody>
       </p:sp>
       <p:sp>
         <p:nvSpPr>
-          <p:cNvPr id="3" name="コンテンツ プレースホルダー 2">
-            <a:extLst>
-              <a:ext uri="{FF2B5EF4-FFF2-40B4-BE49-F238E27FC236}">
-                <a16:creationId xmlns:a16="http://schemas.microsoft.com/office/drawing/2014/main" id="{1E4BBBC6-44DA-4177-B282-96ABFD3D28A3}"/>
-              </a:ext>
-            </a:extLst>
-          </p:cNvPr>
-          <p:cNvSpPr>
-            <a:spLocks noGrp="1"/>
-          </p:cNvSpPr>
-          <p:nvPr>
-            <p:ph idx="1"/>
-          </p:nvPr>
+          <p:cNvPr id="40" name="テキスト ボックス 39">
+            <a:extLst>
+              <a:ext uri="{FF2B5EF4-FFF2-40B4-BE49-F238E27FC236}">
+                <a16:creationId xmlns:a16="http://schemas.microsoft.com/office/drawing/2014/main" id="{F0FCBD62-63F8-4CA7-A0FE-EF646D56A795}"/>
+              </a:ext>
+            </a:extLst>
+          </p:cNvPr>
+          <p:cNvSpPr txBox="1"/>
+          <p:nvPr/>
         </p:nvSpPr>
-        <p:spPr/>
+        <p:spPr>
+          <a:xfrm>
+            <a:off x="7356616" y="1709950"/>
+            <a:ext cx="4672201" cy="1200329"/>
+          </a:xfrm>
+          <a:prstGeom prst="rect">
+            <a:avLst/>
+          </a:prstGeom>
+          <a:noFill/>
+        </p:spPr>
         <p:txBody>
-          <a:bodyPr>
-            <a:normAutofit/>
+          <a:bodyPr wrap="square" rtlCol="0">
+            <a:spAutoFit/>
           </a:bodyPr>
           <a:lstStyle/>
           <a:p>
-            <a:pPr marL="0" indent="0">
-              <a:buNone/>
-            </a:pPr>
-            <a:r>
-              <a:rPr kumimoji="1" lang="en-US" altLang="ja-JP" dirty="0"/>
-              <a:t>Microsoft 365 Apps</a:t>
-            </a:r>
-            <a:r>
-              <a:rPr kumimoji="1" lang="ja-JP" altLang="en-US" dirty="0"/>
-              <a:t>の機能およびセキュリティ更新プログラムは</a:t>
-            </a:r>
-            <a:r>
-              <a:rPr kumimoji="1" lang="en-US" altLang="ja-JP" dirty="0"/>
-              <a:t>WSUS</a:t>
-            </a:r>
-            <a:r>
-              <a:rPr kumimoji="1" lang="ja-JP" altLang="en-US" dirty="0"/>
-              <a:t>で配布できない。このため、通常は</a:t>
-            </a:r>
-            <a:r>
-              <a:rPr lang="en-US" altLang="ja-JP" dirty="0"/>
-              <a:t>MECM</a:t>
-            </a:r>
-            <a:r>
-              <a:rPr lang="ja-JP" altLang="en-US" dirty="0"/>
-              <a:t>を利用するか、インターネットから直接取得する。</a:t>
-            </a:r>
-            <a:endParaRPr lang="en-US" altLang="ja-JP" dirty="0"/>
-          </a:p>
-          <a:p>
-            <a:pPr marL="0" indent="0">
-              <a:buNone/>
-            </a:pPr>
-            <a:endParaRPr lang="en-US" altLang="ja-JP" dirty="0"/>
-          </a:p>
-          <a:p>
-            <a:pPr marL="0" indent="0">
-              <a:buNone/>
-            </a:pPr>
-            <a:r>
-              <a:rPr lang="ja-JP" altLang="en-US" dirty="0"/>
-              <a:t>また、更新チャネルについては初期インストール時に設定するかグループポリシーで設定する。</a:t>
-            </a:r>
-            <a:endParaRPr lang="en-US" altLang="ja-JP" dirty="0"/>
+            <a:r>
+              <a:rPr lang="ja-JP" altLang="en-US" sz="1200" dirty="0"/>
+              <a:t>数</a:t>
+            </a:r>
+            <a:r>
+              <a:rPr lang="en-US" altLang="ja-JP" sz="1200" dirty="0" err="1"/>
+              <a:t>GBytes</a:t>
+            </a:r>
+            <a:r>
+              <a:rPr lang="ja-JP" altLang="en-US" sz="1200" dirty="0"/>
+              <a:t>ファイルのダウンロードとなるため、単にファイルコピーするとデータが破損する可能性がある。確実にファイルコピーを行う方法（</a:t>
+            </a:r>
+            <a:r>
+              <a:rPr lang="en-US" altLang="ja-JP" sz="1200" dirty="0"/>
+              <a:t>robocopy</a:t>
+            </a:r>
+            <a:r>
+              <a:rPr lang="ja-JP" altLang="en-US" sz="1200" dirty="0"/>
+              <a:t>や</a:t>
+            </a:r>
+            <a:r>
+              <a:rPr lang="en-US" altLang="ja-JP" sz="1200" dirty="0"/>
+              <a:t>BITS</a:t>
+            </a:r>
+            <a:r>
+              <a:rPr lang="ja-JP" altLang="en-US" sz="1200" dirty="0"/>
+              <a:t>等）を検討する必要がある。また、帯域制限も必要となる。</a:t>
+            </a:r>
+            <a:endParaRPr lang="en-US" altLang="ja-JP" sz="1200" dirty="0"/>
+          </a:p>
+          <a:p>
+            <a:r>
+              <a:rPr lang="en-US" altLang="ja-JP" sz="1200" dirty="0" err="1"/>
+              <a:t>Powershell</a:t>
+            </a:r>
+            <a:r>
+              <a:rPr lang="ja-JP" altLang="en-US" sz="1200" dirty="0"/>
+              <a:t>等で実装することは可能だが、難易度が高く</a:t>
+            </a:r>
+            <a:r>
+              <a:rPr lang="en-US" altLang="ja-JP" sz="1200" dirty="0"/>
+              <a:t>PC</a:t>
+            </a:r>
+            <a:r>
+              <a:rPr lang="ja-JP" altLang="en-US" sz="1200" dirty="0"/>
+              <a:t>台数・種類が多いと</a:t>
+            </a:r>
+            <a:r>
+              <a:rPr lang="en-US" altLang="ja-JP" sz="1200" dirty="0"/>
+              <a:t>PC</a:t>
+            </a:r>
+            <a:r>
+              <a:rPr lang="ja-JP" altLang="en-US" sz="1200" dirty="0"/>
+              <a:t>固有の問題でうまくいかない場合も多い。</a:t>
+            </a:r>
+            <a:endParaRPr lang="en-US" altLang="ja-JP" sz="1200" dirty="0"/>
+          </a:p>
+        </p:txBody>
+      </p:sp>
+      <p:sp>
+        <p:nvSpPr>
+          <p:cNvPr id="93" name="吹き出し: 四角形 92">
+            <a:extLst>
+              <a:ext uri="{FF2B5EF4-FFF2-40B4-BE49-F238E27FC236}">
+                <a16:creationId xmlns:a16="http://schemas.microsoft.com/office/drawing/2014/main" id="{DA316C96-FCF1-4402-8A39-639FE78B0CF9}"/>
+              </a:ext>
+            </a:extLst>
+          </p:cNvPr>
+          <p:cNvSpPr/>
+          <p:nvPr/>
+        </p:nvSpPr>
+        <p:spPr>
+          <a:xfrm>
+            <a:off x="1087316" y="4122262"/>
+            <a:ext cx="1921621" cy="747698"/>
+          </a:xfrm>
+          <a:prstGeom prst="wedgeRectCallout">
+            <a:avLst>
+              <a:gd name="adj1" fmla="val 58542"/>
+              <a:gd name="adj2" fmla="val -99847"/>
+            </a:avLst>
+          </a:prstGeom>
+          <a:ln>
+            <a:solidFill>
+              <a:srgbClr val="FF0000"/>
+            </a:solidFill>
+          </a:ln>
+        </p:spPr>
+        <p:style>
+          <a:lnRef idx="2">
+            <a:schemeClr val="accent3"/>
+          </a:lnRef>
+          <a:fillRef idx="1">
+            <a:schemeClr val="lt1"/>
+          </a:fillRef>
+          <a:effectRef idx="0">
+            <a:schemeClr val="accent3"/>
+          </a:effectRef>
+          <a:fontRef idx="minor">
+            <a:schemeClr val="dk1"/>
+          </a:fontRef>
+        </p:style>
+        <p:txBody>
+          <a:bodyPr rtlCol="0" anchor="ctr"/>
+          <a:lstStyle/>
+          <a:p>
+            <a:r>
+              <a:rPr lang="ja-JP" altLang="en-US" sz="1100" dirty="0"/>
+              <a:t>②直接データセンターの</a:t>
+            </a:r>
+            <a:r>
+              <a:rPr kumimoji="1" lang="ja-JP" altLang="en-US" sz="1100" dirty="0"/>
+              <a:t>ファイルサーバからダウンロードし、インストールを実行する。</a:t>
+            </a:r>
+          </a:p>
+        </p:txBody>
+      </p:sp>
+      <p:cxnSp>
+        <p:nvCxnSpPr>
+          <p:cNvPr id="94" name="コネクタ: 曲線 93">
+            <a:extLst>
+              <a:ext uri="{FF2B5EF4-FFF2-40B4-BE49-F238E27FC236}">
+                <a16:creationId xmlns:a16="http://schemas.microsoft.com/office/drawing/2014/main" id="{B12F524B-961A-42DE-99CD-DB87ACBB93B9}"/>
+              </a:ext>
+            </a:extLst>
+          </p:cNvPr>
+          <p:cNvCxnSpPr>
+            <a:cxnSpLocks/>
+          </p:cNvCxnSpPr>
+          <p:nvPr/>
+        </p:nvCxnSpPr>
+        <p:spPr>
+          <a:xfrm rot="10800000">
+            <a:off x="3114683" y="3454488"/>
+            <a:ext cx="6864859" cy="2504361"/>
+          </a:xfrm>
+          <a:prstGeom prst="curvedConnector3">
+            <a:avLst>
+              <a:gd name="adj1" fmla="val 46531"/>
+            </a:avLst>
+          </a:prstGeom>
+          <a:ln w="34925">
+            <a:solidFill>
+              <a:srgbClr val="FF0000"/>
+            </a:solidFill>
+            <a:prstDash val="dash"/>
+            <a:tailEnd type="arrow"/>
+          </a:ln>
+        </p:spPr>
+        <p:style>
+          <a:lnRef idx="1">
+            <a:schemeClr val="accent1"/>
+          </a:lnRef>
+          <a:fillRef idx="0">
+            <a:schemeClr val="accent1"/>
+          </a:fillRef>
+          <a:effectRef idx="0">
+            <a:schemeClr val="accent1"/>
+          </a:effectRef>
+          <a:fontRef idx="minor">
+            <a:schemeClr val="tx1"/>
+          </a:fontRef>
+        </p:style>
+      </p:cxnSp>
+      <p:sp>
+        <p:nvSpPr>
+          <p:cNvPr id="73" name="吹き出し: 四角形 72">
+            <a:extLst>
+              <a:ext uri="{FF2B5EF4-FFF2-40B4-BE49-F238E27FC236}">
+                <a16:creationId xmlns:a16="http://schemas.microsoft.com/office/drawing/2014/main" id="{0EA12CAC-67B8-40CD-B082-387F5DF14838}"/>
+              </a:ext>
+            </a:extLst>
+          </p:cNvPr>
+          <p:cNvSpPr/>
+          <p:nvPr/>
+        </p:nvSpPr>
+        <p:spPr>
+          <a:xfrm>
+            <a:off x="7844346" y="4875483"/>
+            <a:ext cx="1681741" cy="678746"/>
+          </a:xfrm>
+          <a:prstGeom prst="wedgeRectCallout">
+            <a:avLst>
+              <a:gd name="adj1" fmla="val -53035"/>
+              <a:gd name="adj2" fmla="val -87916"/>
+            </a:avLst>
+          </a:prstGeom>
+          <a:ln>
+            <a:solidFill>
+              <a:srgbClr val="FF0000"/>
+            </a:solidFill>
+          </a:ln>
+        </p:spPr>
+        <p:style>
+          <a:lnRef idx="2">
+            <a:schemeClr val="accent3"/>
+          </a:lnRef>
+          <a:fillRef idx="1">
+            <a:schemeClr val="lt1"/>
+          </a:fillRef>
+          <a:effectRef idx="0">
+            <a:schemeClr val="accent3"/>
+          </a:effectRef>
+          <a:fontRef idx="minor">
+            <a:schemeClr val="dk1"/>
+          </a:fontRef>
+        </p:style>
+        <p:txBody>
+          <a:bodyPr rtlCol="0" anchor="ctr"/>
+          <a:lstStyle/>
+          <a:p>
+            <a:r>
+              <a:rPr kumimoji="1" lang="ja-JP" altLang="en-US" sz="1100" dirty="0"/>
+              <a:t>②拠点ファイルサーバにファイルをコピーする</a:t>
+            </a:r>
           </a:p>
         </p:txBody>
       </p:sp>
     </p:spTree>
     <p:extLst>
       <p:ext uri="{BB962C8B-B14F-4D97-AF65-F5344CB8AC3E}">
-        <p14:creationId xmlns:p14="http://schemas.microsoft.com/office/powerpoint/2010/main" val="1306752662"/>
+        <p14:creationId xmlns:p14="http://schemas.microsoft.com/office/powerpoint/2010/main" val="3416571759"/>
       </p:ext>
     </p:extLst>
   </p:cSld>
@@ -13184,10 +16498,1223 @@
       </p:grpSpPr>
       <p:sp>
         <p:nvSpPr>
-          <p:cNvPr id="2" name="タイトル 1">
-            <a:extLst>
-              <a:ext uri="{FF2B5EF4-FFF2-40B4-BE49-F238E27FC236}">
-                <a16:creationId xmlns:a16="http://schemas.microsoft.com/office/drawing/2014/main" id="{44C8FF3C-21FB-4C71-9C5D-28283AF8DB83}"/>
+          <p:cNvPr id="50" name="正方形/長方形 49">
+            <a:extLst>
+              <a:ext uri="{FF2B5EF4-FFF2-40B4-BE49-F238E27FC236}">
+                <a16:creationId xmlns:a16="http://schemas.microsoft.com/office/drawing/2014/main" id="{8AFC073E-4FAB-41C4-8662-76FF0705E9E9}"/>
+              </a:ext>
+            </a:extLst>
+          </p:cNvPr>
+          <p:cNvSpPr/>
+          <p:nvPr/>
+        </p:nvSpPr>
+        <p:spPr>
+          <a:xfrm>
+            <a:off x="4494999" y="5394073"/>
+            <a:ext cx="3286125" cy="1359152"/>
+          </a:xfrm>
+          <a:prstGeom prst="rect">
+            <a:avLst/>
+          </a:prstGeom>
+          <a:ln/>
+        </p:spPr>
+        <p:style>
+          <a:lnRef idx="2">
+            <a:schemeClr val="dk1"/>
+          </a:lnRef>
+          <a:fillRef idx="1">
+            <a:schemeClr val="lt1"/>
+          </a:fillRef>
+          <a:effectRef idx="0">
+            <a:schemeClr val="dk1"/>
+          </a:effectRef>
+          <a:fontRef idx="minor">
+            <a:schemeClr val="dk1"/>
+          </a:fontRef>
+        </p:style>
+        <p:txBody>
+          <a:bodyPr rtlCol="0" anchor="ctr"/>
+          <a:lstStyle/>
+          <a:p>
+            <a:pPr algn="ctr"/>
+            <a:endParaRPr kumimoji="1" lang="ja-JP" altLang="en-US"/>
+          </a:p>
+        </p:txBody>
+      </p:sp>
+      <p:sp>
+        <p:nvSpPr>
+          <p:cNvPr id="51" name="正方形/長方形 50">
+            <a:extLst>
+              <a:ext uri="{FF2B5EF4-FFF2-40B4-BE49-F238E27FC236}">
+                <a16:creationId xmlns:a16="http://schemas.microsoft.com/office/drawing/2014/main" id="{61A9E89F-9C9B-47AF-976B-3992464CC5A5}"/>
+              </a:ext>
+            </a:extLst>
+          </p:cNvPr>
+          <p:cNvSpPr/>
+          <p:nvPr/>
+        </p:nvSpPr>
+        <p:spPr>
+          <a:xfrm>
+            <a:off x="4494999" y="5240727"/>
+            <a:ext cx="3286125" cy="310509"/>
+          </a:xfrm>
+          <a:prstGeom prst="rect">
+            <a:avLst/>
+          </a:prstGeom>
+          <a:ln/>
+        </p:spPr>
+        <p:style>
+          <a:lnRef idx="2">
+            <a:schemeClr val="dk1"/>
+          </a:lnRef>
+          <a:fillRef idx="1">
+            <a:schemeClr val="lt1"/>
+          </a:fillRef>
+          <a:effectRef idx="0">
+            <a:schemeClr val="dk1"/>
+          </a:effectRef>
+          <a:fontRef idx="minor">
+            <a:schemeClr val="dk1"/>
+          </a:fontRef>
+        </p:style>
+        <p:txBody>
+          <a:bodyPr rtlCol="0" anchor="ctr"/>
+          <a:lstStyle/>
+          <a:p>
+            <a:pPr algn="ctr"/>
+            <a:r>
+              <a:rPr lang="ja-JP" altLang="en-US" sz="1400" dirty="0"/>
+              <a:t>本社</a:t>
+            </a:r>
+            <a:endParaRPr kumimoji="1" lang="ja-JP" altLang="en-US" sz="1400" dirty="0"/>
+          </a:p>
+        </p:txBody>
+      </p:sp>
+      <p:sp>
+        <p:nvSpPr>
+          <p:cNvPr id="44" name="正方形/長方形 43">
+            <a:extLst>
+              <a:ext uri="{FF2B5EF4-FFF2-40B4-BE49-F238E27FC236}">
+                <a16:creationId xmlns:a16="http://schemas.microsoft.com/office/drawing/2014/main" id="{8A091EDE-35AC-49A9-BBB3-74BC65F223FF}"/>
+              </a:ext>
+            </a:extLst>
+          </p:cNvPr>
+          <p:cNvSpPr/>
+          <p:nvPr/>
+        </p:nvSpPr>
+        <p:spPr>
+          <a:xfrm>
+            <a:off x="8505825" y="5028299"/>
+            <a:ext cx="3286125" cy="1734774"/>
+          </a:xfrm>
+          <a:prstGeom prst="rect">
+            <a:avLst/>
+          </a:prstGeom>
+          <a:ln/>
+        </p:spPr>
+        <p:style>
+          <a:lnRef idx="2">
+            <a:schemeClr val="dk1"/>
+          </a:lnRef>
+          <a:fillRef idx="1">
+            <a:schemeClr val="lt1"/>
+          </a:fillRef>
+          <a:effectRef idx="0">
+            <a:schemeClr val="dk1"/>
+          </a:effectRef>
+          <a:fontRef idx="minor">
+            <a:schemeClr val="dk1"/>
+          </a:fontRef>
+        </p:style>
+        <p:txBody>
+          <a:bodyPr rtlCol="0" anchor="ctr"/>
+          <a:lstStyle/>
+          <a:p>
+            <a:pPr algn="ctr"/>
+            <a:endParaRPr kumimoji="1" lang="ja-JP" altLang="en-US"/>
+          </a:p>
+        </p:txBody>
+      </p:sp>
+      <p:sp>
+        <p:nvSpPr>
+          <p:cNvPr id="45" name="正方形/長方形 44">
+            <a:extLst>
+              <a:ext uri="{FF2B5EF4-FFF2-40B4-BE49-F238E27FC236}">
+                <a16:creationId xmlns:a16="http://schemas.microsoft.com/office/drawing/2014/main" id="{EC689FC0-EF98-4C2E-AE80-DAB145D58684}"/>
+              </a:ext>
+            </a:extLst>
+          </p:cNvPr>
+          <p:cNvSpPr/>
+          <p:nvPr/>
+        </p:nvSpPr>
+        <p:spPr>
+          <a:xfrm>
+            <a:off x="8505825" y="4941242"/>
+            <a:ext cx="3286125" cy="310509"/>
+          </a:xfrm>
+          <a:prstGeom prst="rect">
+            <a:avLst/>
+          </a:prstGeom>
+          <a:ln/>
+        </p:spPr>
+        <p:style>
+          <a:lnRef idx="2">
+            <a:schemeClr val="dk1"/>
+          </a:lnRef>
+          <a:fillRef idx="1">
+            <a:schemeClr val="lt1"/>
+          </a:fillRef>
+          <a:effectRef idx="0">
+            <a:schemeClr val="dk1"/>
+          </a:effectRef>
+          <a:fontRef idx="minor">
+            <a:schemeClr val="dk1"/>
+          </a:fontRef>
+        </p:style>
+        <p:txBody>
+          <a:bodyPr rtlCol="0" anchor="ctr"/>
+          <a:lstStyle/>
+          <a:p>
+            <a:pPr algn="ctr"/>
+            <a:r>
+              <a:rPr kumimoji="1" lang="ja-JP" altLang="en-US" sz="1400" dirty="0"/>
+              <a:t>データセンター</a:t>
+            </a:r>
+          </a:p>
+        </p:txBody>
+      </p:sp>
+      <p:pic>
+        <p:nvPicPr>
+          <p:cNvPr id="1026" name="Picture 2" descr="ノートPCアイコン | アイコン素材ダウンロードサイト「icooon-mono」 | 商用利用可能なアイコン素材が無料(フリー)ダウンロードできるサイト">
+            <a:extLst>
+              <a:ext uri="{FF2B5EF4-FFF2-40B4-BE49-F238E27FC236}">
+                <a16:creationId xmlns:a16="http://schemas.microsoft.com/office/drawing/2014/main" id="{A78B6511-6CF7-482E-BCC6-187D1124A96D}"/>
+              </a:ext>
+            </a:extLst>
+          </p:cNvPr>
+          <p:cNvPicPr>
+            <a:picLocks noChangeAspect="1" noChangeArrowheads="1"/>
+          </p:cNvPicPr>
+          <p:nvPr/>
+        </p:nvPicPr>
+        <p:blipFill>
+          <a:blip r:embed="rId2">
+            <a:extLst>
+              <a:ext uri="{28A0092B-C50C-407E-A947-70E740481C1C}">
+                <a14:useLocalDpi xmlns:a14="http://schemas.microsoft.com/office/drawing/2010/main" val="0"/>
+              </a:ext>
+            </a:extLst>
+          </a:blip>
+          <a:srcRect/>
+          <a:stretch>
+            <a:fillRect/>
+          </a:stretch>
+        </p:blipFill>
+        <p:spPr bwMode="auto">
+          <a:xfrm>
+            <a:off x="4797883" y="6051096"/>
+            <a:ext cx="572193" cy="572193"/>
+          </a:xfrm>
+          <a:prstGeom prst="rect">
+            <a:avLst/>
+          </a:prstGeom>
+          <a:noFill/>
+          <a:extLst>
+            <a:ext uri="{909E8E84-426E-40DD-AFC4-6F175D3DCCD1}">
+              <a14:hiddenFill xmlns:a14="http://schemas.microsoft.com/office/drawing/2010/main">
+                <a:solidFill>
+                  <a:srgbClr val="FFFFFF"/>
+                </a:solidFill>
+              </a14:hiddenFill>
+            </a:ext>
+          </a:extLst>
+        </p:spPr>
+      </p:pic>
+      <p:pic>
+        <p:nvPicPr>
+          <p:cNvPr id="8" name="Picture 4" descr="サーバー | 商用可の無料(フリー)のアイコン素材をダウンロードできるサイト『icon rainbow』">
+            <a:extLst>
+              <a:ext uri="{FF2B5EF4-FFF2-40B4-BE49-F238E27FC236}">
+                <a16:creationId xmlns:a16="http://schemas.microsoft.com/office/drawing/2014/main" id="{6187B571-BED3-4848-827F-195571035108}"/>
+              </a:ext>
+            </a:extLst>
+          </p:cNvPr>
+          <p:cNvPicPr>
+            <a:picLocks noChangeAspect="1" noChangeArrowheads="1"/>
+          </p:cNvPicPr>
+          <p:nvPr/>
+        </p:nvPicPr>
+        <p:blipFill>
+          <a:blip r:embed="rId3">
+            <a:extLst>
+              <a:ext uri="{28A0092B-C50C-407E-A947-70E740481C1C}">
+                <a14:useLocalDpi xmlns:a14="http://schemas.microsoft.com/office/drawing/2010/main" val="0"/>
+              </a:ext>
+            </a:extLst>
+          </a:blip>
+          <a:srcRect/>
+          <a:stretch>
+            <a:fillRect/>
+          </a:stretch>
+        </p:blipFill>
+        <p:spPr bwMode="auto">
+          <a:xfrm>
+            <a:off x="9979541" y="5641679"/>
+            <a:ext cx="634337" cy="634337"/>
+          </a:xfrm>
+          <a:prstGeom prst="rect">
+            <a:avLst/>
+          </a:prstGeom>
+          <a:noFill/>
+          <a:extLst>
+            <a:ext uri="{909E8E84-426E-40DD-AFC4-6F175D3DCCD1}">
+              <a14:hiddenFill xmlns:a14="http://schemas.microsoft.com/office/drawing/2010/main">
+                <a:solidFill>
+                  <a:srgbClr val="FFFFFF"/>
+                </a:solidFill>
+              </a14:hiddenFill>
+            </a:ext>
+          </a:extLst>
+        </p:spPr>
+      </p:pic>
+      <p:sp>
+        <p:nvSpPr>
+          <p:cNvPr id="4" name="雲 3">
+            <a:extLst>
+              <a:ext uri="{FF2B5EF4-FFF2-40B4-BE49-F238E27FC236}">
+                <a16:creationId xmlns:a16="http://schemas.microsoft.com/office/drawing/2014/main" id="{21A34934-4F79-448A-A235-5E18090FB739}"/>
+              </a:ext>
+            </a:extLst>
+          </p:cNvPr>
+          <p:cNvSpPr/>
+          <p:nvPr/>
+        </p:nvSpPr>
+        <p:spPr>
+          <a:xfrm>
+            <a:off x="4693691" y="3027396"/>
+            <a:ext cx="2878202" cy="792948"/>
+          </a:xfrm>
+          <a:prstGeom prst="cloud">
+            <a:avLst/>
+          </a:prstGeom>
+        </p:spPr>
+        <p:style>
+          <a:lnRef idx="2">
+            <a:schemeClr val="accent2">
+              <a:shade val="50000"/>
+            </a:schemeClr>
+          </a:lnRef>
+          <a:fillRef idx="1">
+            <a:schemeClr val="accent2"/>
+          </a:fillRef>
+          <a:effectRef idx="0">
+            <a:schemeClr val="accent2"/>
+          </a:effectRef>
+          <a:fontRef idx="minor">
+            <a:schemeClr val="lt1"/>
+          </a:fontRef>
+        </p:style>
+        <p:txBody>
+          <a:bodyPr rtlCol="0" anchor="ctr"/>
+          <a:lstStyle/>
+          <a:p>
+            <a:pPr algn="ctr"/>
+            <a:r>
+              <a:rPr kumimoji="1" lang="ja-JP" altLang="en-US" sz="1600" dirty="0"/>
+              <a:t>インターネット</a:t>
+            </a:r>
+          </a:p>
+        </p:txBody>
+      </p:sp>
+      <p:sp>
+        <p:nvSpPr>
+          <p:cNvPr id="10" name="雲 9">
+            <a:extLst>
+              <a:ext uri="{FF2B5EF4-FFF2-40B4-BE49-F238E27FC236}">
+                <a16:creationId xmlns:a16="http://schemas.microsoft.com/office/drawing/2014/main" id="{6E810F80-7FEF-4AD6-94A7-2984E5FEDFAB}"/>
+              </a:ext>
+            </a:extLst>
+          </p:cNvPr>
+          <p:cNvSpPr/>
+          <p:nvPr/>
+        </p:nvSpPr>
+        <p:spPr>
+          <a:xfrm>
+            <a:off x="4865075" y="4051496"/>
+            <a:ext cx="2493619" cy="596115"/>
+          </a:xfrm>
+          <a:prstGeom prst="cloud">
+            <a:avLst/>
+          </a:prstGeom>
+        </p:spPr>
+        <p:style>
+          <a:lnRef idx="2">
+            <a:schemeClr val="accent3">
+              <a:shade val="50000"/>
+            </a:schemeClr>
+          </a:lnRef>
+          <a:fillRef idx="1">
+            <a:schemeClr val="accent3"/>
+          </a:fillRef>
+          <a:effectRef idx="0">
+            <a:schemeClr val="accent3"/>
+          </a:effectRef>
+          <a:fontRef idx="minor">
+            <a:schemeClr val="lt1"/>
+          </a:fontRef>
+        </p:style>
+        <p:txBody>
+          <a:bodyPr rtlCol="0" anchor="ctr"/>
+          <a:lstStyle/>
+          <a:p>
+            <a:pPr algn="ctr"/>
+            <a:r>
+              <a:rPr kumimoji="1" lang="en-US" altLang="ja-JP" sz="1400" dirty="0"/>
+              <a:t>LAN</a:t>
+            </a:r>
+            <a:endParaRPr kumimoji="1" lang="ja-JP" altLang="en-US" sz="1400" dirty="0"/>
+          </a:p>
+        </p:txBody>
+      </p:sp>
+      <p:pic>
+        <p:nvPicPr>
+          <p:cNvPr id="1036" name="Picture 12" descr="ルーター 無料 アイコン の Material Design">
+            <a:extLst>
+              <a:ext uri="{FF2B5EF4-FFF2-40B4-BE49-F238E27FC236}">
+                <a16:creationId xmlns:a16="http://schemas.microsoft.com/office/drawing/2014/main" id="{F30B8C80-3675-4767-89C1-ADE0962932E7}"/>
+              </a:ext>
+            </a:extLst>
+          </p:cNvPr>
+          <p:cNvPicPr>
+            <a:picLocks noChangeAspect="1" noChangeArrowheads="1"/>
+          </p:cNvPicPr>
+          <p:nvPr/>
+        </p:nvPicPr>
+        <p:blipFill>
+          <a:blip r:embed="rId4">
+            <a:extLst>
+              <a:ext uri="{28A0092B-C50C-407E-A947-70E740481C1C}">
+                <a14:useLocalDpi xmlns:a14="http://schemas.microsoft.com/office/drawing/2010/main" val="0"/>
+              </a:ext>
+            </a:extLst>
+          </a:blip>
+          <a:srcRect/>
+          <a:stretch>
+            <a:fillRect/>
+          </a:stretch>
+        </p:blipFill>
+        <p:spPr bwMode="auto">
+          <a:xfrm>
+            <a:off x="5907537" y="4830498"/>
+            <a:ext cx="408696" cy="408696"/>
+          </a:xfrm>
+          <a:prstGeom prst="rect">
+            <a:avLst/>
+          </a:prstGeom>
+          <a:noFill/>
+          <a:extLst>
+            <a:ext uri="{909E8E84-426E-40DD-AFC4-6F175D3DCCD1}">
+              <a14:hiddenFill xmlns:a14="http://schemas.microsoft.com/office/drawing/2010/main">
+                <a:solidFill>
+                  <a:srgbClr val="FFFFFF"/>
+                </a:solidFill>
+              </a14:hiddenFill>
+            </a:ext>
+          </a:extLst>
+        </p:spPr>
+      </p:pic>
+      <p:pic>
+        <p:nvPicPr>
+          <p:cNvPr id="14" name="Picture 12" descr="ルーター 無料 アイコン の Material Design">
+            <a:extLst>
+              <a:ext uri="{FF2B5EF4-FFF2-40B4-BE49-F238E27FC236}">
+                <a16:creationId xmlns:a16="http://schemas.microsoft.com/office/drawing/2014/main" id="{CE286454-6537-4D07-B449-5B30AC192271}"/>
+              </a:ext>
+            </a:extLst>
+          </p:cNvPr>
+          <p:cNvPicPr>
+            <a:picLocks noChangeAspect="1" noChangeArrowheads="1"/>
+          </p:cNvPicPr>
+          <p:nvPr/>
+        </p:nvPicPr>
+        <p:blipFill>
+          <a:blip r:embed="rId4">
+            <a:extLst>
+              <a:ext uri="{28A0092B-C50C-407E-A947-70E740481C1C}">
+                <a14:useLocalDpi xmlns:a14="http://schemas.microsoft.com/office/drawing/2010/main" val="0"/>
+              </a:ext>
+            </a:extLst>
+          </a:blip>
+          <a:srcRect/>
+          <a:stretch>
+            <a:fillRect/>
+          </a:stretch>
+        </p:blipFill>
+        <p:spPr bwMode="auto">
+          <a:xfrm>
+            <a:off x="10028508" y="4493264"/>
+            <a:ext cx="408696" cy="408696"/>
+          </a:xfrm>
+          <a:prstGeom prst="rect">
+            <a:avLst/>
+          </a:prstGeom>
+          <a:noFill/>
+          <a:extLst>
+            <a:ext uri="{909E8E84-426E-40DD-AFC4-6F175D3DCCD1}">
+              <a14:hiddenFill xmlns:a14="http://schemas.microsoft.com/office/drawing/2010/main">
+                <a:solidFill>
+                  <a:srgbClr val="FFFFFF"/>
+                </a:solidFill>
+              </a14:hiddenFill>
+            </a:ext>
+          </a:extLst>
+        </p:spPr>
+      </p:pic>
+      <p:pic>
+        <p:nvPicPr>
+          <p:cNvPr id="15" name="Picture 4" descr="サーバー | 商用可の無料(フリー)のアイコン素材をダウンロードできるサイト『icon rainbow』">
+            <a:extLst>
+              <a:ext uri="{FF2B5EF4-FFF2-40B4-BE49-F238E27FC236}">
+                <a16:creationId xmlns:a16="http://schemas.microsoft.com/office/drawing/2014/main" id="{18EDBA2A-EC16-4BD2-BC55-3DF65FDAA450}"/>
+              </a:ext>
+            </a:extLst>
+          </p:cNvPr>
+          <p:cNvPicPr>
+            <a:picLocks noChangeAspect="1" noChangeArrowheads="1"/>
+          </p:cNvPicPr>
+          <p:nvPr/>
+        </p:nvPicPr>
+        <p:blipFill>
+          <a:blip r:embed="rId3">
+            <a:extLst>
+              <a:ext uri="{28A0092B-C50C-407E-A947-70E740481C1C}">
+                <a14:useLocalDpi xmlns:a14="http://schemas.microsoft.com/office/drawing/2010/main" val="0"/>
+              </a:ext>
+            </a:extLst>
+          </a:blip>
+          <a:srcRect/>
+          <a:stretch>
+            <a:fillRect/>
+          </a:stretch>
+        </p:blipFill>
+        <p:spPr bwMode="auto">
+          <a:xfrm>
+            <a:off x="6817345" y="5714531"/>
+            <a:ext cx="634337" cy="634337"/>
+          </a:xfrm>
+          <a:prstGeom prst="rect">
+            <a:avLst/>
+          </a:prstGeom>
+          <a:noFill/>
+          <a:extLst>
+            <a:ext uri="{909E8E84-426E-40DD-AFC4-6F175D3DCCD1}">
+              <a14:hiddenFill xmlns:a14="http://schemas.microsoft.com/office/drawing/2010/main">
+                <a:solidFill>
+                  <a:srgbClr val="FFFFFF"/>
+                </a:solidFill>
+              </a14:hiddenFill>
+            </a:ext>
+          </a:extLst>
+        </p:spPr>
+      </p:pic>
+      <p:cxnSp>
+        <p:nvCxnSpPr>
+          <p:cNvPr id="12" name="直線コネクタ 11">
+            <a:extLst>
+              <a:ext uri="{FF2B5EF4-FFF2-40B4-BE49-F238E27FC236}">
+                <a16:creationId xmlns:a16="http://schemas.microsoft.com/office/drawing/2014/main" id="{9C290E4D-D9AB-4212-B7FA-683F42FA1B11}"/>
+              </a:ext>
+            </a:extLst>
+          </p:cNvPr>
+          <p:cNvCxnSpPr>
+            <a:cxnSpLocks/>
+            <a:stCxn id="4" idx="2"/>
+          </p:cNvCxnSpPr>
+          <p:nvPr/>
+        </p:nvCxnSpPr>
+        <p:spPr>
+          <a:xfrm flipH="1">
+            <a:off x="3732189" y="3423870"/>
+            <a:ext cx="970430" cy="1476"/>
+          </a:xfrm>
+          <a:prstGeom prst="straightConnector1">
+            <a:avLst/>
+          </a:prstGeom>
+        </p:spPr>
+        <p:style>
+          <a:lnRef idx="1">
+            <a:schemeClr val="accent2"/>
+          </a:lnRef>
+          <a:fillRef idx="0">
+            <a:schemeClr val="accent2"/>
+          </a:fillRef>
+          <a:effectRef idx="0">
+            <a:schemeClr val="accent2"/>
+          </a:effectRef>
+          <a:fontRef idx="minor">
+            <a:schemeClr val="tx1"/>
+          </a:fontRef>
+        </p:style>
+      </p:cxnSp>
+      <p:cxnSp>
+        <p:nvCxnSpPr>
+          <p:cNvPr id="28" name="直線コネクタ 27">
+            <a:extLst>
+              <a:ext uri="{FF2B5EF4-FFF2-40B4-BE49-F238E27FC236}">
+                <a16:creationId xmlns:a16="http://schemas.microsoft.com/office/drawing/2014/main" id="{2F8D84E0-52DC-4B6E-A7A5-EA7CD85B98F0}"/>
+              </a:ext>
+            </a:extLst>
+          </p:cNvPr>
+          <p:cNvCxnSpPr>
+            <a:cxnSpLocks/>
+            <a:stCxn id="4" idx="1"/>
+          </p:cNvCxnSpPr>
+          <p:nvPr/>
+        </p:nvCxnSpPr>
+        <p:spPr>
+          <a:xfrm>
+            <a:off x="6132792" y="3819500"/>
+            <a:ext cx="0" cy="211407"/>
+          </a:xfrm>
+          <a:prstGeom prst="line">
+            <a:avLst/>
+          </a:prstGeom>
+        </p:spPr>
+        <p:style>
+          <a:lnRef idx="1">
+            <a:schemeClr val="accent2"/>
+          </a:lnRef>
+          <a:fillRef idx="0">
+            <a:schemeClr val="accent2"/>
+          </a:fillRef>
+          <a:effectRef idx="0">
+            <a:schemeClr val="accent2"/>
+          </a:effectRef>
+          <a:fontRef idx="minor">
+            <a:schemeClr val="tx1"/>
+          </a:fontRef>
+        </p:style>
+      </p:cxnSp>
+      <p:sp>
+        <p:nvSpPr>
+          <p:cNvPr id="48" name="テキスト ボックス 47">
+            <a:extLst>
+              <a:ext uri="{FF2B5EF4-FFF2-40B4-BE49-F238E27FC236}">
+                <a16:creationId xmlns:a16="http://schemas.microsoft.com/office/drawing/2014/main" id="{F4D7DFE0-30B9-4230-AAD3-F5FA9B7E4611}"/>
+              </a:ext>
+            </a:extLst>
+          </p:cNvPr>
+          <p:cNvSpPr txBox="1"/>
+          <p:nvPr/>
+        </p:nvSpPr>
+        <p:spPr>
+          <a:xfrm>
+            <a:off x="9774027" y="6354163"/>
+            <a:ext cx="1261884" cy="276999"/>
+          </a:xfrm>
+          <a:prstGeom prst="rect">
+            <a:avLst/>
+          </a:prstGeom>
+          <a:noFill/>
+        </p:spPr>
+        <p:txBody>
+          <a:bodyPr wrap="none" rtlCol="0">
+            <a:spAutoFit/>
+          </a:bodyPr>
+          <a:lstStyle/>
+          <a:p>
+            <a:r>
+              <a:rPr lang="ja-JP" altLang="en-US" sz="1200" dirty="0"/>
+              <a:t>資産管理サーバ</a:t>
+            </a:r>
+            <a:endParaRPr kumimoji="1" lang="ja-JP" altLang="en-US" dirty="0"/>
+          </a:p>
+        </p:txBody>
+      </p:sp>
+      <p:sp>
+        <p:nvSpPr>
+          <p:cNvPr id="52" name="テキスト ボックス 51">
+            <a:extLst>
+              <a:ext uri="{FF2B5EF4-FFF2-40B4-BE49-F238E27FC236}">
+                <a16:creationId xmlns:a16="http://schemas.microsoft.com/office/drawing/2014/main" id="{A7D9CE52-9AE7-4C3D-B506-31065C0797FE}"/>
+              </a:ext>
+            </a:extLst>
+          </p:cNvPr>
+          <p:cNvSpPr txBox="1"/>
+          <p:nvPr/>
+        </p:nvSpPr>
+        <p:spPr>
+          <a:xfrm>
+            <a:off x="6662921" y="6425541"/>
+            <a:ext cx="954107" cy="276999"/>
+          </a:xfrm>
+          <a:prstGeom prst="rect">
+            <a:avLst/>
+          </a:prstGeom>
+          <a:noFill/>
+        </p:spPr>
+        <p:txBody>
+          <a:bodyPr wrap="none" rtlCol="0">
+            <a:spAutoFit/>
+          </a:bodyPr>
+          <a:lstStyle/>
+          <a:p>
+            <a:r>
+              <a:rPr kumimoji="1" lang="ja-JP" altLang="en-US" sz="1200" dirty="0"/>
+              <a:t>中間サーバ</a:t>
+            </a:r>
+            <a:endParaRPr kumimoji="1" lang="ja-JP" altLang="en-US" dirty="0"/>
+          </a:p>
+        </p:txBody>
+      </p:sp>
+      <p:sp>
+        <p:nvSpPr>
+          <p:cNvPr id="53" name="正方形/長方形 52">
+            <a:extLst>
+              <a:ext uri="{FF2B5EF4-FFF2-40B4-BE49-F238E27FC236}">
+                <a16:creationId xmlns:a16="http://schemas.microsoft.com/office/drawing/2014/main" id="{05011235-2287-4F47-B80F-94F19E4DC88B}"/>
+              </a:ext>
+            </a:extLst>
+          </p:cNvPr>
+          <p:cNvSpPr/>
+          <p:nvPr/>
+        </p:nvSpPr>
+        <p:spPr>
+          <a:xfrm>
+            <a:off x="1594773" y="2842130"/>
+            <a:ext cx="1657350" cy="1173739"/>
+          </a:xfrm>
+          <a:prstGeom prst="rect">
+            <a:avLst/>
+          </a:prstGeom>
+          <a:ln/>
+        </p:spPr>
+        <p:style>
+          <a:lnRef idx="2">
+            <a:schemeClr val="accent2"/>
+          </a:lnRef>
+          <a:fillRef idx="1">
+            <a:schemeClr val="lt1"/>
+          </a:fillRef>
+          <a:effectRef idx="0">
+            <a:schemeClr val="accent2"/>
+          </a:effectRef>
+          <a:fontRef idx="minor">
+            <a:schemeClr val="dk1"/>
+          </a:fontRef>
+        </p:style>
+        <p:txBody>
+          <a:bodyPr rtlCol="0" anchor="ctr"/>
+          <a:lstStyle/>
+          <a:p>
+            <a:pPr algn="ctr"/>
+            <a:endParaRPr kumimoji="1" lang="ja-JP" altLang="en-US"/>
+          </a:p>
+        </p:txBody>
+      </p:sp>
+      <p:sp>
+        <p:nvSpPr>
+          <p:cNvPr id="54" name="正方形/長方形 53">
+            <a:extLst>
+              <a:ext uri="{FF2B5EF4-FFF2-40B4-BE49-F238E27FC236}">
+                <a16:creationId xmlns:a16="http://schemas.microsoft.com/office/drawing/2014/main" id="{444A0A0F-C0D8-44DE-8EF9-70B58BF55FF7}"/>
+              </a:ext>
+            </a:extLst>
+          </p:cNvPr>
+          <p:cNvSpPr/>
+          <p:nvPr/>
+        </p:nvSpPr>
+        <p:spPr>
+          <a:xfrm>
+            <a:off x="1594773" y="2755074"/>
+            <a:ext cx="1657350" cy="310509"/>
+          </a:xfrm>
+          <a:prstGeom prst="rect">
+            <a:avLst/>
+          </a:prstGeom>
+          <a:ln/>
+        </p:spPr>
+        <p:style>
+          <a:lnRef idx="2">
+            <a:schemeClr val="accent2"/>
+          </a:lnRef>
+          <a:fillRef idx="1">
+            <a:schemeClr val="lt1"/>
+          </a:fillRef>
+          <a:effectRef idx="0">
+            <a:schemeClr val="accent2"/>
+          </a:effectRef>
+          <a:fontRef idx="minor">
+            <a:schemeClr val="dk1"/>
+          </a:fontRef>
+        </p:style>
+        <p:txBody>
+          <a:bodyPr rtlCol="0" anchor="ctr"/>
+          <a:lstStyle/>
+          <a:p>
+            <a:pPr algn="ctr"/>
+            <a:r>
+              <a:rPr lang="ja-JP" altLang="en-US" sz="1400" dirty="0"/>
+              <a:t>自宅</a:t>
+            </a:r>
+            <a:endParaRPr kumimoji="1" lang="ja-JP" altLang="en-US" sz="1400" dirty="0"/>
+          </a:p>
+        </p:txBody>
+      </p:sp>
+      <p:pic>
+        <p:nvPicPr>
+          <p:cNvPr id="55" name="Picture 2" descr="ノートPCアイコン | アイコン素材ダウンロードサイト「icooon-mono」 | 商用利用可能なアイコン素材が無料(フリー)ダウンロードできるサイト">
+            <a:extLst>
+              <a:ext uri="{FF2B5EF4-FFF2-40B4-BE49-F238E27FC236}">
+                <a16:creationId xmlns:a16="http://schemas.microsoft.com/office/drawing/2014/main" id="{81E33EF9-9490-4D04-872F-18857FAC0536}"/>
+              </a:ext>
+            </a:extLst>
+          </p:cNvPr>
+          <p:cNvPicPr>
+            <a:picLocks noChangeAspect="1" noChangeArrowheads="1"/>
+          </p:cNvPicPr>
+          <p:nvPr/>
+        </p:nvPicPr>
+        <p:blipFill>
+          <a:blip r:embed="rId2">
+            <a:extLst>
+              <a:ext uri="{28A0092B-C50C-407E-A947-70E740481C1C}">
+                <a14:useLocalDpi xmlns:a14="http://schemas.microsoft.com/office/drawing/2010/main" val="0"/>
+              </a:ext>
+            </a:extLst>
+          </a:blip>
+          <a:srcRect/>
+          <a:stretch>
+            <a:fillRect/>
+          </a:stretch>
+        </p:blipFill>
+        <p:spPr bwMode="auto">
+          <a:xfrm>
+            <a:off x="2137350" y="3250257"/>
+            <a:ext cx="572193" cy="572193"/>
+          </a:xfrm>
+          <a:prstGeom prst="rect">
+            <a:avLst/>
+          </a:prstGeom>
+          <a:noFill/>
+          <a:extLst>
+            <a:ext uri="{909E8E84-426E-40DD-AFC4-6F175D3DCCD1}">
+              <a14:hiddenFill xmlns:a14="http://schemas.microsoft.com/office/drawing/2010/main">
+                <a:solidFill>
+                  <a:srgbClr val="FFFFFF"/>
+                </a:solidFill>
+              </a14:hiddenFill>
+            </a:ext>
+          </a:extLst>
+        </p:spPr>
+      </p:pic>
+      <p:sp>
+        <p:nvSpPr>
+          <p:cNvPr id="56" name="正方形/長方形 55">
+            <a:extLst>
+              <a:ext uri="{FF2B5EF4-FFF2-40B4-BE49-F238E27FC236}">
+                <a16:creationId xmlns:a16="http://schemas.microsoft.com/office/drawing/2014/main" id="{51156607-7003-48E1-AD58-961555642DDA}"/>
+              </a:ext>
+            </a:extLst>
+          </p:cNvPr>
+          <p:cNvSpPr/>
+          <p:nvPr/>
+        </p:nvSpPr>
+        <p:spPr>
+          <a:xfrm>
+            <a:off x="1335088" y="5394073"/>
+            <a:ext cx="2351088" cy="1356815"/>
+          </a:xfrm>
+          <a:prstGeom prst="rect">
+            <a:avLst/>
+          </a:prstGeom>
+          <a:ln/>
+        </p:spPr>
+        <p:style>
+          <a:lnRef idx="2">
+            <a:schemeClr val="dk1"/>
+          </a:lnRef>
+          <a:fillRef idx="1">
+            <a:schemeClr val="lt1"/>
+          </a:fillRef>
+          <a:effectRef idx="0">
+            <a:schemeClr val="dk1"/>
+          </a:effectRef>
+          <a:fontRef idx="minor">
+            <a:schemeClr val="dk1"/>
+          </a:fontRef>
+        </p:style>
+        <p:txBody>
+          <a:bodyPr rtlCol="0" anchor="ctr"/>
+          <a:lstStyle/>
+          <a:p>
+            <a:pPr algn="ctr"/>
+            <a:endParaRPr kumimoji="1" lang="ja-JP" altLang="en-US"/>
+          </a:p>
+        </p:txBody>
+      </p:sp>
+      <p:sp>
+        <p:nvSpPr>
+          <p:cNvPr id="57" name="正方形/長方形 56">
+            <a:extLst>
+              <a:ext uri="{FF2B5EF4-FFF2-40B4-BE49-F238E27FC236}">
+                <a16:creationId xmlns:a16="http://schemas.microsoft.com/office/drawing/2014/main" id="{C157EBB3-20EA-44B6-86DF-B64614C877AA}"/>
+              </a:ext>
+            </a:extLst>
+          </p:cNvPr>
+          <p:cNvSpPr/>
+          <p:nvPr/>
+        </p:nvSpPr>
+        <p:spPr>
+          <a:xfrm>
+            <a:off x="1335088" y="5240727"/>
+            <a:ext cx="2351088" cy="310509"/>
+          </a:xfrm>
+          <a:prstGeom prst="rect">
+            <a:avLst/>
+          </a:prstGeom>
+          <a:ln/>
+        </p:spPr>
+        <p:style>
+          <a:lnRef idx="2">
+            <a:schemeClr val="dk1"/>
+          </a:lnRef>
+          <a:fillRef idx="1">
+            <a:schemeClr val="lt1"/>
+          </a:fillRef>
+          <a:effectRef idx="0">
+            <a:schemeClr val="dk1"/>
+          </a:effectRef>
+          <a:fontRef idx="minor">
+            <a:schemeClr val="dk1"/>
+          </a:fontRef>
+        </p:style>
+        <p:txBody>
+          <a:bodyPr rtlCol="0" anchor="ctr"/>
+          <a:lstStyle/>
+          <a:p>
+            <a:pPr algn="ctr"/>
+            <a:r>
+              <a:rPr kumimoji="1" lang="ja-JP" altLang="en-US" sz="1400" dirty="0"/>
+              <a:t>支社</a:t>
+            </a:r>
+          </a:p>
+        </p:txBody>
+      </p:sp>
+      <p:pic>
+        <p:nvPicPr>
+          <p:cNvPr id="58" name="Picture 2" descr="ノートPCアイコン | アイコン素材ダウンロードサイト「icooon-mono」 | 商用利用可能なアイコン素材が無料(フリー)ダウンロードできるサイト">
+            <a:extLst>
+              <a:ext uri="{FF2B5EF4-FFF2-40B4-BE49-F238E27FC236}">
+                <a16:creationId xmlns:a16="http://schemas.microsoft.com/office/drawing/2014/main" id="{72323AF3-4E24-4E0C-AE67-0A1D1F84FA59}"/>
+              </a:ext>
+            </a:extLst>
+          </p:cNvPr>
+          <p:cNvPicPr>
+            <a:picLocks noChangeAspect="1" noChangeArrowheads="1"/>
+          </p:cNvPicPr>
+          <p:nvPr/>
+        </p:nvPicPr>
+        <p:blipFill>
+          <a:blip r:embed="rId2">
+            <a:extLst>
+              <a:ext uri="{28A0092B-C50C-407E-A947-70E740481C1C}">
+                <a14:useLocalDpi xmlns:a14="http://schemas.microsoft.com/office/drawing/2010/main" val="0"/>
+              </a:ext>
+            </a:extLst>
+          </a:blip>
+          <a:srcRect/>
+          <a:stretch>
+            <a:fillRect/>
+          </a:stretch>
+        </p:blipFill>
+        <p:spPr bwMode="auto">
+          <a:xfrm>
+            <a:off x="1663253" y="5793964"/>
+            <a:ext cx="572193" cy="572193"/>
+          </a:xfrm>
+          <a:prstGeom prst="rect">
+            <a:avLst/>
+          </a:prstGeom>
+          <a:noFill/>
+          <a:extLst>
+            <a:ext uri="{909E8E84-426E-40DD-AFC4-6F175D3DCCD1}">
+              <a14:hiddenFill xmlns:a14="http://schemas.microsoft.com/office/drawing/2010/main">
+                <a:solidFill>
+                  <a:srgbClr val="FFFFFF"/>
+                </a:solidFill>
+              </a14:hiddenFill>
+            </a:ext>
+          </a:extLst>
+        </p:spPr>
+      </p:pic>
+      <p:pic>
+        <p:nvPicPr>
+          <p:cNvPr id="59" name="Picture 2" descr="ノートPCアイコン | アイコン素材ダウンロードサイト「icooon-mono」 | 商用利用可能なアイコン素材が無料(フリー)ダウンロードできるサイト">
+            <a:extLst>
+              <a:ext uri="{FF2B5EF4-FFF2-40B4-BE49-F238E27FC236}">
+                <a16:creationId xmlns:a16="http://schemas.microsoft.com/office/drawing/2014/main" id="{C54318D2-0A4A-4FCD-A0B1-E9AF1A1C83BF}"/>
+              </a:ext>
+            </a:extLst>
+          </p:cNvPr>
+          <p:cNvPicPr>
+            <a:picLocks noChangeAspect="1" noChangeArrowheads="1"/>
+          </p:cNvPicPr>
+          <p:nvPr/>
+        </p:nvPicPr>
+        <p:blipFill>
+          <a:blip r:embed="rId2">
+            <a:extLst>
+              <a:ext uri="{28A0092B-C50C-407E-A947-70E740481C1C}">
+                <a14:useLocalDpi xmlns:a14="http://schemas.microsoft.com/office/drawing/2010/main" val="0"/>
+              </a:ext>
+            </a:extLst>
+          </a:blip>
+          <a:srcRect/>
+          <a:stretch>
+            <a:fillRect/>
+          </a:stretch>
+        </p:blipFill>
+        <p:spPr bwMode="auto">
+          <a:xfrm>
+            <a:off x="2681795" y="5793964"/>
+            <a:ext cx="572193" cy="572193"/>
+          </a:xfrm>
+          <a:prstGeom prst="rect">
+            <a:avLst/>
+          </a:prstGeom>
+          <a:noFill/>
+          <a:extLst>
+            <a:ext uri="{909E8E84-426E-40DD-AFC4-6F175D3DCCD1}">
+              <a14:hiddenFill xmlns:a14="http://schemas.microsoft.com/office/drawing/2010/main">
+                <a:solidFill>
+                  <a:srgbClr val="FFFFFF"/>
+                </a:solidFill>
+              </a14:hiddenFill>
+            </a:ext>
+          </a:extLst>
+        </p:spPr>
+      </p:pic>
+      <p:pic>
+        <p:nvPicPr>
+          <p:cNvPr id="60" name="Picture 12" descr="ルーター 無料 アイコン の Material Design">
+            <a:extLst>
+              <a:ext uri="{FF2B5EF4-FFF2-40B4-BE49-F238E27FC236}">
+                <a16:creationId xmlns:a16="http://schemas.microsoft.com/office/drawing/2014/main" id="{2C051EE3-4E1F-44AE-BD18-8C3DCA15DD1A}"/>
+              </a:ext>
+            </a:extLst>
+          </p:cNvPr>
+          <p:cNvPicPr>
+            <a:picLocks noChangeAspect="1" noChangeArrowheads="1"/>
+          </p:cNvPicPr>
+          <p:nvPr/>
+        </p:nvPicPr>
+        <p:blipFill>
+          <a:blip r:embed="rId4">
+            <a:extLst>
+              <a:ext uri="{28A0092B-C50C-407E-A947-70E740481C1C}">
+                <a14:useLocalDpi xmlns:a14="http://schemas.microsoft.com/office/drawing/2010/main" val="0"/>
+              </a:ext>
+            </a:extLst>
+          </a:blip>
+          <a:srcRect/>
+          <a:stretch>
+            <a:fillRect/>
+          </a:stretch>
+        </p:blipFill>
+        <p:spPr bwMode="auto">
+          <a:xfrm>
+            <a:off x="2378209" y="4830498"/>
+            <a:ext cx="408696" cy="408696"/>
+          </a:xfrm>
+          <a:prstGeom prst="rect">
+            <a:avLst/>
+          </a:prstGeom>
+          <a:noFill/>
+          <a:extLst>
+            <a:ext uri="{909E8E84-426E-40DD-AFC4-6F175D3DCCD1}">
+              <a14:hiddenFill xmlns:a14="http://schemas.microsoft.com/office/drawing/2010/main">
+                <a:solidFill>
+                  <a:srgbClr val="FFFFFF"/>
+                </a:solidFill>
+              </a14:hiddenFill>
+            </a:ext>
+          </a:extLst>
+        </p:spPr>
+      </p:pic>
+      <p:pic>
+        <p:nvPicPr>
+          <p:cNvPr id="1048" name="Picture 24" descr="無線のwifiルーターの無料アイコン素材 2 | 商用可の無料(フリー)のアイコン素材をダウンロードできるサイト『icon rainbow』">
+            <a:extLst>
+              <a:ext uri="{FF2B5EF4-FFF2-40B4-BE49-F238E27FC236}">
+                <a16:creationId xmlns:a16="http://schemas.microsoft.com/office/drawing/2014/main" id="{8620ED8B-3B36-4CC8-91C2-CD0F956CB769}"/>
+              </a:ext>
+            </a:extLst>
+          </p:cNvPr>
+          <p:cNvPicPr>
+            <a:picLocks noChangeAspect="1" noChangeArrowheads="1"/>
+          </p:cNvPicPr>
+          <p:nvPr/>
+        </p:nvPicPr>
+        <p:blipFill>
+          <a:blip r:embed="rId5">
+            <a:extLst>
+              <a:ext uri="{28A0092B-C50C-407E-A947-70E740481C1C}">
+                <a14:useLocalDpi xmlns:a14="http://schemas.microsoft.com/office/drawing/2010/main" val="0"/>
+              </a:ext>
+            </a:extLst>
+          </a:blip>
+          <a:srcRect/>
+          <a:stretch>
+            <a:fillRect/>
+          </a:stretch>
+        </p:blipFill>
+        <p:spPr bwMode="auto">
+          <a:xfrm>
+            <a:off x="3257420" y="3078573"/>
+            <a:ext cx="623887" cy="623887"/>
+          </a:xfrm>
+          <a:prstGeom prst="rect">
+            <a:avLst/>
+          </a:prstGeom>
+          <a:noFill/>
+          <a:extLst>
+            <a:ext uri="{909E8E84-426E-40DD-AFC4-6F175D3DCCD1}">
+              <a14:hiddenFill xmlns:a14="http://schemas.microsoft.com/office/drawing/2010/main">
+                <a:solidFill>
+                  <a:srgbClr val="FFFFFF"/>
+                </a:solidFill>
+              </a14:hiddenFill>
+            </a:ext>
+          </a:extLst>
+        </p:spPr>
+      </p:pic>
+      <p:cxnSp>
+        <p:nvCxnSpPr>
+          <p:cNvPr id="107" name="直線コネクタ 60">
+            <a:extLst>
+              <a:ext uri="{FF2B5EF4-FFF2-40B4-BE49-F238E27FC236}">
+                <a16:creationId xmlns:a16="http://schemas.microsoft.com/office/drawing/2014/main" id="{C4C0C8B9-5F28-4BEC-BE32-919AEFC3E277}"/>
+              </a:ext>
+            </a:extLst>
+          </p:cNvPr>
+          <p:cNvCxnSpPr>
+            <a:cxnSpLocks/>
+            <a:stCxn id="60" idx="0"/>
+            <a:endCxn id="10" idx="2"/>
+          </p:cNvCxnSpPr>
+          <p:nvPr/>
+        </p:nvCxnSpPr>
+        <p:spPr>
+          <a:xfrm rot="5400000" flipH="1" flipV="1">
+            <a:off x="3487211" y="3444900"/>
+            <a:ext cx="480944" cy="2290253"/>
+          </a:xfrm>
+          <a:prstGeom prst="bentConnector2">
+            <a:avLst/>
+          </a:prstGeom>
+        </p:spPr>
+        <p:style>
+          <a:lnRef idx="1">
+            <a:schemeClr val="dk1"/>
+          </a:lnRef>
+          <a:fillRef idx="0">
+            <a:schemeClr val="dk1"/>
+          </a:fillRef>
+          <a:effectRef idx="0">
+            <a:schemeClr val="dk1"/>
+          </a:effectRef>
+          <a:fontRef idx="minor">
+            <a:schemeClr val="tx1"/>
+          </a:fontRef>
+        </p:style>
+      </p:cxnSp>
+      <p:cxnSp>
+        <p:nvCxnSpPr>
+          <p:cNvPr id="110" name="直線コネクタ 60">
+            <a:extLst>
+              <a:ext uri="{FF2B5EF4-FFF2-40B4-BE49-F238E27FC236}">
+                <a16:creationId xmlns:a16="http://schemas.microsoft.com/office/drawing/2014/main" id="{228AC960-471B-4EE4-ACE7-607A83CD2062}"/>
+              </a:ext>
+            </a:extLst>
+          </p:cNvPr>
+          <p:cNvCxnSpPr>
+            <a:cxnSpLocks/>
+            <a:stCxn id="10" idx="0"/>
+            <a:endCxn id="14" idx="0"/>
+          </p:cNvCxnSpPr>
+          <p:nvPr/>
+        </p:nvCxnSpPr>
+        <p:spPr>
+          <a:xfrm>
+            <a:off x="7356616" y="4349554"/>
+            <a:ext cx="2876240" cy="143710"/>
+          </a:xfrm>
+          <a:prstGeom prst="bentConnector2">
+            <a:avLst/>
+          </a:prstGeom>
+        </p:spPr>
+        <p:style>
+          <a:lnRef idx="1">
+            <a:schemeClr val="dk1"/>
+          </a:lnRef>
+          <a:fillRef idx="0">
+            <a:schemeClr val="dk1"/>
+          </a:fillRef>
+          <a:effectRef idx="0">
+            <a:schemeClr val="dk1"/>
+          </a:effectRef>
+          <a:fontRef idx="minor">
+            <a:schemeClr val="tx1"/>
+          </a:fontRef>
+        </p:style>
+      </p:cxnSp>
+      <p:cxnSp>
+        <p:nvCxnSpPr>
+          <p:cNvPr id="113" name="直線コネクタ 60">
+            <a:extLst>
+              <a:ext uri="{FF2B5EF4-FFF2-40B4-BE49-F238E27FC236}">
+                <a16:creationId xmlns:a16="http://schemas.microsoft.com/office/drawing/2014/main" id="{06444809-C0FF-4E61-B4F0-0A282D7E824F}"/>
+              </a:ext>
+            </a:extLst>
+          </p:cNvPr>
+          <p:cNvCxnSpPr>
+            <a:cxnSpLocks/>
+            <a:stCxn id="10" idx="1"/>
+            <a:endCxn id="1036" idx="0"/>
+          </p:cNvCxnSpPr>
+          <p:nvPr/>
+        </p:nvCxnSpPr>
+        <p:spPr>
+          <a:xfrm>
+            <a:off x="6111885" y="4646976"/>
+            <a:ext cx="0" cy="183522"/>
+          </a:xfrm>
+          <a:prstGeom prst="straightConnector1">
+            <a:avLst/>
+          </a:prstGeom>
+        </p:spPr>
+        <p:style>
+          <a:lnRef idx="1">
+            <a:schemeClr val="dk1"/>
+          </a:lnRef>
+          <a:fillRef idx="0">
+            <a:schemeClr val="dk1"/>
+          </a:fillRef>
+          <a:effectRef idx="0">
+            <a:schemeClr val="dk1"/>
+          </a:effectRef>
+          <a:fontRef idx="minor">
+            <a:schemeClr val="tx1"/>
+          </a:fontRef>
+        </p:style>
+      </p:cxnSp>
+      <p:sp>
+        <p:nvSpPr>
+          <p:cNvPr id="5" name="タイトル 4">
+            <a:extLst>
+              <a:ext uri="{FF2B5EF4-FFF2-40B4-BE49-F238E27FC236}">
+                <a16:creationId xmlns:a16="http://schemas.microsoft.com/office/drawing/2014/main" id="{75F12AA4-E1DD-4DC9-BCE3-7AA4FBB16D2D}"/>
               </a:ext>
             </a:extLst>
           </p:cNvPr>
@@ -13204,118 +17731,896 @@
           <a:lstStyle/>
           <a:p>
             <a:r>
-              <a:rPr kumimoji="1" lang="en-US" altLang="ja-JP" dirty="0"/>
+              <a:rPr lang="en-US" altLang="ja-JP" dirty="0"/>
               <a:t>Microsoft 365 Apps</a:t>
             </a:r>
             <a:br>
-              <a:rPr kumimoji="1" lang="en-US" altLang="ja-JP" dirty="0"/>
+              <a:rPr lang="en-US" altLang="ja-JP" dirty="0"/>
             </a:br>
             <a:r>
-              <a:rPr kumimoji="1" lang="en-US" altLang="ja-JP" dirty="0"/>
-              <a:t>	</a:t>
-            </a:r>
-            <a:r>
-              <a:rPr kumimoji="1" lang="ja-JP" altLang="en-US" dirty="0"/>
-              <a:t>運用フェーズ（認証）</a:t>
+              <a:rPr lang="ja-JP" altLang="en-US" dirty="0"/>
+              <a:t>　資産管理システム展開例</a:t>
+            </a:r>
+          </a:p>
+        </p:txBody>
+      </p:sp>
+      <p:pic>
+        <p:nvPicPr>
+          <p:cNvPr id="11" name="Picture 2" descr="マイクロソフト企業ロゴ使用ガイドライン - 法律やライセンスに関する情報 - Mscorp - Microsoft">
+            <a:extLst>
+              <a:ext uri="{FF2B5EF4-FFF2-40B4-BE49-F238E27FC236}">
+                <a16:creationId xmlns:a16="http://schemas.microsoft.com/office/drawing/2014/main" id="{4DBCD545-061A-4A65-806C-B05AA6B1E430}"/>
+              </a:ext>
+            </a:extLst>
+          </p:cNvPr>
+          <p:cNvPicPr>
+            <a:picLocks noChangeAspect="1" noChangeArrowheads="1"/>
+          </p:cNvPicPr>
+          <p:nvPr/>
+        </p:nvPicPr>
+        <p:blipFill>
+          <a:blip r:embed="rId6">
+            <a:extLst>
+              <a:ext uri="{28A0092B-C50C-407E-A947-70E740481C1C}">
+                <a14:useLocalDpi xmlns:a14="http://schemas.microsoft.com/office/drawing/2010/main" val="0"/>
+              </a:ext>
+            </a:extLst>
+          </a:blip>
+          <a:srcRect/>
+          <a:stretch>
+            <a:fillRect/>
+          </a:stretch>
+        </p:blipFill>
+        <p:spPr bwMode="auto">
+          <a:xfrm>
+            <a:off x="5120029" y="1770340"/>
+            <a:ext cx="1951942" cy="1093761"/>
+          </a:xfrm>
+          <a:prstGeom prst="rect">
+            <a:avLst/>
+          </a:prstGeom>
+          <a:noFill/>
+          <a:extLst>
+            <a:ext uri="{909E8E84-426E-40DD-AFC4-6F175D3DCCD1}">
+              <a14:hiddenFill xmlns:a14="http://schemas.microsoft.com/office/drawing/2010/main">
+                <a:solidFill>
+                  <a:srgbClr val="FFFFFF"/>
+                </a:solidFill>
+              </a14:hiddenFill>
+            </a:ext>
+          </a:extLst>
+        </p:spPr>
+      </p:pic>
+      <p:cxnSp>
+        <p:nvCxnSpPr>
+          <p:cNvPr id="16" name="コネクタ: 曲線 15">
+            <a:extLst>
+              <a:ext uri="{FF2B5EF4-FFF2-40B4-BE49-F238E27FC236}">
+                <a16:creationId xmlns:a16="http://schemas.microsoft.com/office/drawing/2014/main" id="{8FAE5CBC-C8C2-486F-A731-49571413CED2}"/>
+              </a:ext>
+            </a:extLst>
+          </p:cNvPr>
+          <p:cNvCxnSpPr>
+            <a:cxnSpLocks/>
+            <a:stCxn id="8" idx="0"/>
+            <a:endCxn id="11" idx="2"/>
+          </p:cNvCxnSpPr>
+          <p:nvPr/>
+        </p:nvCxnSpPr>
+        <p:spPr>
+          <a:xfrm rot="16200000" flipV="1">
+            <a:off x="6807566" y="2152535"/>
+            <a:ext cx="2777578" cy="4200710"/>
+          </a:xfrm>
+          <a:prstGeom prst="curvedConnector3">
+            <a:avLst/>
+          </a:prstGeom>
+          <a:ln w="34925">
+            <a:solidFill>
+              <a:srgbClr val="FF0000"/>
+            </a:solidFill>
+            <a:prstDash val="dash"/>
+            <a:tailEnd type="arrow"/>
+          </a:ln>
+        </p:spPr>
+        <p:style>
+          <a:lnRef idx="1">
+            <a:schemeClr val="accent1"/>
+          </a:lnRef>
+          <a:fillRef idx="0">
+            <a:schemeClr val="accent1"/>
+          </a:fillRef>
+          <a:effectRef idx="0">
+            <a:schemeClr val="accent1"/>
+          </a:effectRef>
+          <a:fontRef idx="minor">
+            <a:schemeClr val="tx1"/>
+          </a:fontRef>
+        </p:style>
+      </p:cxnSp>
+      <p:sp>
+        <p:nvSpPr>
+          <p:cNvPr id="19" name="吹き出し: 四角形 18">
+            <a:extLst>
+              <a:ext uri="{FF2B5EF4-FFF2-40B4-BE49-F238E27FC236}">
+                <a16:creationId xmlns:a16="http://schemas.microsoft.com/office/drawing/2014/main" id="{F1C9399A-6A5F-4531-951B-CDF4F39C9E3A}"/>
+              </a:ext>
+            </a:extLst>
+          </p:cNvPr>
+          <p:cNvSpPr/>
+          <p:nvPr/>
+        </p:nvSpPr>
+        <p:spPr>
+          <a:xfrm>
+            <a:off x="7844346" y="3187430"/>
+            <a:ext cx="1681741" cy="678746"/>
+          </a:xfrm>
+          <a:prstGeom prst="wedgeRectCallout">
+            <a:avLst>
+              <a:gd name="adj1" fmla="val -60953"/>
+              <a:gd name="adj2" fmla="val 92582"/>
+            </a:avLst>
+          </a:prstGeom>
+          <a:ln>
+            <a:solidFill>
+              <a:srgbClr val="FF0000"/>
+            </a:solidFill>
+          </a:ln>
+        </p:spPr>
+        <p:style>
+          <a:lnRef idx="2">
+            <a:schemeClr val="accent3"/>
+          </a:lnRef>
+          <a:fillRef idx="1">
+            <a:schemeClr val="lt1"/>
+          </a:fillRef>
+          <a:effectRef idx="0">
+            <a:schemeClr val="accent3"/>
+          </a:effectRef>
+          <a:fontRef idx="minor">
+            <a:schemeClr val="dk1"/>
+          </a:fontRef>
+        </p:style>
+        <p:txBody>
+          <a:bodyPr rtlCol="0" anchor="ctr"/>
+          <a:lstStyle/>
+          <a:p>
+            <a:r>
+              <a:rPr kumimoji="1" lang="ja-JP" altLang="en-US" sz="1100" dirty="0"/>
+              <a:t>①</a:t>
+            </a:r>
+            <a:r>
+              <a:rPr kumimoji="1" lang="en-US" altLang="ja-JP" sz="1100" dirty="0"/>
+              <a:t>Microsoft</a:t>
+            </a:r>
+            <a:r>
+              <a:rPr kumimoji="1" lang="ja-JP" altLang="en-US" sz="1100" dirty="0"/>
+              <a:t>から</a:t>
+            </a:r>
+            <a:r>
+              <a:rPr lang="en-US" altLang="ja-JP" sz="1100" dirty="0"/>
+              <a:t>ODT</a:t>
+            </a:r>
+            <a:r>
+              <a:rPr lang="ja-JP" altLang="en-US" sz="1100" dirty="0"/>
+              <a:t>で</a:t>
+            </a:r>
+            <a:r>
+              <a:rPr lang="en-US" altLang="ja-JP" sz="1100" dirty="0"/>
+              <a:t>M365 Apps</a:t>
+            </a:r>
+            <a:r>
+              <a:rPr lang="ja-JP" altLang="en-US" sz="1100" dirty="0"/>
+              <a:t>をダウンロードする</a:t>
+            </a:r>
+            <a:endParaRPr kumimoji="1" lang="ja-JP" altLang="en-US" sz="1100" dirty="0"/>
+          </a:p>
+        </p:txBody>
+      </p:sp>
+      <p:cxnSp>
+        <p:nvCxnSpPr>
+          <p:cNvPr id="70" name="コネクタ: 曲線 69">
+            <a:extLst>
+              <a:ext uri="{FF2B5EF4-FFF2-40B4-BE49-F238E27FC236}">
+                <a16:creationId xmlns:a16="http://schemas.microsoft.com/office/drawing/2014/main" id="{9FDA8BFF-A1C0-409E-BC48-28C50A84EADF}"/>
+              </a:ext>
+            </a:extLst>
+          </p:cNvPr>
+          <p:cNvCxnSpPr>
+            <a:cxnSpLocks/>
+            <a:stCxn id="8" idx="0"/>
+            <a:endCxn id="15" idx="0"/>
+          </p:cNvCxnSpPr>
+          <p:nvPr/>
+        </p:nvCxnSpPr>
+        <p:spPr>
+          <a:xfrm rot="16200000" flipH="1" flipV="1">
+            <a:off x="8679186" y="4097007"/>
+            <a:ext cx="72852" cy="3162196"/>
+          </a:xfrm>
+          <a:prstGeom prst="curvedConnector3">
+            <a:avLst>
+              <a:gd name="adj1" fmla="val -1702979"/>
+            </a:avLst>
+          </a:prstGeom>
+          <a:ln w="34925">
+            <a:solidFill>
+              <a:srgbClr val="FF0000"/>
+            </a:solidFill>
+            <a:prstDash val="dash"/>
+            <a:tailEnd type="arrow"/>
+          </a:ln>
+        </p:spPr>
+        <p:style>
+          <a:lnRef idx="1">
+            <a:schemeClr val="accent1"/>
+          </a:lnRef>
+          <a:fillRef idx="0">
+            <a:schemeClr val="accent1"/>
+          </a:fillRef>
+          <a:effectRef idx="0">
+            <a:schemeClr val="accent1"/>
+          </a:effectRef>
+          <a:fontRef idx="minor">
+            <a:schemeClr val="tx1"/>
+          </a:fontRef>
+        </p:style>
+      </p:cxnSp>
+      <p:cxnSp>
+        <p:nvCxnSpPr>
+          <p:cNvPr id="74" name="コネクタ: 曲線 73">
+            <a:extLst>
+              <a:ext uri="{FF2B5EF4-FFF2-40B4-BE49-F238E27FC236}">
+                <a16:creationId xmlns:a16="http://schemas.microsoft.com/office/drawing/2014/main" id="{0025CF9A-E00D-45FA-905D-FFF6F936E51B}"/>
+              </a:ext>
+            </a:extLst>
+          </p:cNvPr>
+          <p:cNvCxnSpPr>
+            <a:cxnSpLocks/>
+            <a:stCxn id="15" idx="1"/>
+            <a:endCxn id="1026" idx="3"/>
+          </p:cNvCxnSpPr>
+          <p:nvPr/>
+        </p:nvCxnSpPr>
+        <p:spPr>
+          <a:xfrm rot="10800000" flipV="1">
+            <a:off x="5370077" y="6031699"/>
+            <a:ext cx="1447269" cy="305493"/>
+          </a:xfrm>
+          <a:prstGeom prst="curvedConnector3">
+            <a:avLst>
+              <a:gd name="adj1" fmla="val 50000"/>
+            </a:avLst>
+          </a:prstGeom>
+          <a:ln w="34925">
+            <a:solidFill>
+              <a:srgbClr val="FF0000"/>
+            </a:solidFill>
+            <a:prstDash val="dash"/>
+            <a:tailEnd type="arrow"/>
+          </a:ln>
+        </p:spPr>
+        <p:style>
+          <a:lnRef idx="1">
+            <a:schemeClr val="accent1"/>
+          </a:lnRef>
+          <a:fillRef idx="0">
+            <a:schemeClr val="accent1"/>
+          </a:fillRef>
+          <a:effectRef idx="0">
+            <a:schemeClr val="accent1"/>
+          </a:effectRef>
+          <a:fontRef idx="minor">
+            <a:schemeClr val="tx1"/>
+          </a:fontRef>
+        </p:style>
+      </p:cxnSp>
+      <p:pic>
+        <p:nvPicPr>
+          <p:cNvPr id="1030" name="Picture 6" descr="Office for Mac アプリアイコンのデザインが変わった！ - wanichanの日記">
+            <a:extLst>
+              <a:ext uri="{FF2B5EF4-FFF2-40B4-BE49-F238E27FC236}">
+                <a16:creationId xmlns:a16="http://schemas.microsoft.com/office/drawing/2014/main" id="{C1F7C6C2-E78D-43D4-84C2-28E1CFF00253}"/>
+              </a:ext>
+            </a:extLst>
+          </p:cNvPr>
+          <p:cNvPicPr>
+            <a:picLocks noChangeAspect="1" noChangeArrowheads="1"/>
+          </p:cNvPicPr>
+          <p:nvPr/>
+        </p:nvPicPr>
+        <p:blipFill>
+          <a:blip r:embed="rId7">
+            <a:extLst>
+              <a:ext uri="{28A0092B-C50C-407E-A947-70E740481C1C}">
+                <a14:useLocalDpi xmlns:a14="http://schemas.microsoft.com/office/drawing/2010/main" val="0"/>
+              </a:ext>
+            </a:extLst>
+          </a:blip>
+          <a:srcRect/>
+          <a:stretch>
+            <a:fillRect/>
+          </a:stretch>
+        </p:blipFill>
+        <p:spPr bwMode="auto">
+          <a:xfrm>
+            <a:off x="5877615" y="5922055"/>
+            <a:ext cx="430057" cy="419568"/>
+          </a:xfrm>
+          <a:prstGeom prst="rect">
+            <a:avLst/>
+          </a:prstGeom>
+          <a:noFill/>
+          <a:extLst>
+            <a:ext uri="{909E8E84-426E-40DD-AFC4-6F175D3DCCD1}">
+              <a14:hiddenFill xmlns:a14="http://schemas.microsoft.com/office/drawing/2010/main">
+                <a:solidFill>
+                  <a:srgbClr val="FFFFFF"/>
+                </a:solidFill>
+              </a14:hiddenFill>
+            </a:ext>
+          </a:extLst>
+        </p:spPr>
+      </p:pic>
+      <p:sp>
+        <p:nvSpPr>
+          <p:cNvPr id="80" name="吹き出し: 四角形 79">
+            <a:extLst>
+              <a:ext uri="{FF2B5EF4-FFF2-40B4-BE49-F238E27FC236}">
+                <a16:creationId xmlns:a16="http://schemas.microsoft.com/office/drawing/2014/main" id="{18D3B324-0DB1-4EC1-96A3-E9B81E47C986}"/>
+              </a:ext>
+            </a:extLst>
+          </p:cNvPr>
+          <p:cNvSpPr/>
+          <p:nvPr/>
+        </p:nvSpPr>
+        <p:spPr>
+          <a:xfrm>
+            <a:off x="4017598" y="5194369"/>
+            <a:ext cx="1681741" cy="678746"/>
+          </a:xfrm>
+          <a:prstGeom prst="wedgeRectCallout">
+            <a:avLst>
+              <a:gd name="adj1" fmla="val 61516"/>
+              <a:gd name="adj2" fmla="val 89966"/>
+            </a:avLst>
+          </a:prstGeom>
+          <a:ln>
+            <a:solidFill>
+              <a:srgbClr val="FF0000"/>
+            </a:solidFill>
+          </a:ln>
+        </p:spPr>
+        <p:style>
+          <a:lnRef idx="2">
+            <a:schemeClr val="accent3"/>
+          </a:lnRef>
+          <a:fillRef idx="1">
+            <a:schemeClr val="lt1"/>
+          </a:fillRef>
+          <a:effectRef idx="0">
+            <a:schemeClr val="accent3"/>
+          </a:effectRef>
+          <a:fontRef idx="minor">
+            <a:schemeClr val="dk1"/>
+          </a:fontRef>
+        </p:style>
+        <p:txBody>
+          <a:bodyPr rtlCol="0" anchor="ctr"/>
+          <a:lstStyle/>
+          <a:p>
+            <a:r>
+              <a:rPr kumimoji="1" lang="ja-JP" altLang="en-US" sz="1100" dirty="0"/>
+              <a:t>③中間サーバからダウンロードし、インストールを実行する。</a:t>
+            </a:r>
+          </a:p>
+        </p:txBody>
+      </p:sp>
+      <p:cxnSp>
+        <p:nvCxnSpPr>
+          <p:cNvPr id="81" name="コネクタ: 曲線 80">
+            <a:extLst>
+              <a:ext uri="{FF2B5EF4-FFF2-40B4-BE49-F238E27FC236}">
+                <a16:creationId xmlns:a16="http://schemas.microsoft.com/office/drawing/2014/main" id="{03A8E9DA-B9D1-408A-B68B-3404FD99D463}"/>
+              </a:ext>
+            </a:extLst>
+          </p:cNvPr>
+          <p:cNvCxnSpPr>
+            <a:cxnSpLocks/>
+            <a:stCxn id="8" idx="0"/>
+            <a:endCxn id="59" idx="0"/>
+          </p:cNvCxnSpPr>
+          <p:nvPr/>
+        </p:nvCxnSpPr>
+        <p:spPr>
+          <a:xfrm rot="16200000" flipH="1" flipV="1">
+            <a:off x="6556158" y="2053412"/>
+            <a:ext cx="152285" cy="7328818"/>
+          </a:xfrm>
+          <a:prstGeom prst="curvedConnector3">
+            <a:avLst>
+              <a:gd name="adj1" fmla="val -925456"/>
+            </a:avLst>
+          </a:prstGeom>
+          <a:ln w="34925">
+            <a:solidFill>
+              <a:srgbClr val="FF0000"/>
+            </a:solidFill>
+            <a:prstDash val="dash"/>
+            <a:tailEnd type="arrow"/>
+          </a:ln>
+        </p:spPr>
+        <p:style>
+          <a:lnRef idx="1">
+            <a:schemeClr val="accent1"/>
+          </a:lnRef>
+          <a:fillRef idx="0">
+            <a:schemeClr val="accent1"/>
+          </a:fillRef>
+          <a:effectRef idx="0">
+            <a:schemeClr val="accent1"/>
+          </a:effectRef>
+          <a:fontRef idx="minor">
+            <a:schemeClr val="tx1"/>
+          </a:fontRef>
+        </p:style>
+      </p:cxnSp>
+      <p:sp>
+        <p:nvSpPr>
+          <p:cNvPr id="85" name="吹き出し: 四角形 84">
+            <a:extLst>
+              <a:ext uri="{FF2B5EF4-FFF2-40B4-BE49-F238E27FC236}">
+                <a16:creationId xmlns:a16="http://schemas.microsoft.com/office/drawing/2014/main" id="{9102D0FC-5659-4408-B651-6DC66392EC06}"/>
+              </a:ext>
+            </a:extLst>
+          </p:cNvPr>
+          <p:cNvSpPr/>
+          <p:nvPr/>
+        </p:nvSpPr>
+        <p:spPr>
+          <a:xfrm>
+            <a:off x="1087316" y="4129969"/>
+            <a:ext cx="1921621" cy="747698"/>
+          </a:xfrm>
+          <a:prstGeom prst="wedgeRectCallout">
+            <a:avLst>
+              <a:gd name="adj1" fmla="val 61516"/>
+              <a:gd name="adj2" fmla="val 89966"/>
+            </a:avLst>
+          </a:prstGeom>
+          <a:ln>
+            <a:solidFill>
+              <a:srgbClr val="FF0000"/>
+            </a:solidFill>
+          </a:ln>
+        </p:spPr>
+        <p:style>
+          <a:lnRef idx="2">
+            <a:schemeClr val="accent3"/>
+          </a:lnRef>
+          <a:fillRef idx="1">
+            <a:schemeClr val="lt1"/>
+          </a:fillRef>
+          <a:effectRef idx="0">
+            <a:schemeClr val="accent3"/>
+          </a:effectRef>
+          <a:fontRef idx="minor">
+            <a:schemeClr val="dk1"/>
+          </a:fontRef>
+        </p:style>
+        <p:txBody>
+          <a:bodyPr rtlCol="0" anchor="ctr"/>
+          <a:lstStyle/>
+          <a:p>
+            <a:r>
+              <a:rPr lang="ja-JP" altLang="en-US" sz="1100" dirty="0"/>
+              <a:t>②直接データセンターの</a:t>
+            </a:r>
+            <a:r>
+              <a:rPr kumimoji="1" lang="ja-JP" altLang="en-US" sz="1100" dirty="0"/>
+              <a:t>試算管理サーバからダウンロードし、インストールを実行する。</a:t>
+            </a:r>
+          </a:p>
+        </p:txBody>
+      </p:sp>
+      <p:cxnSp>
+        <p:nvCxnSpPr>
+          <p:cNvPr id="41" name="コネクタ: 曲線 40">
+            <a:extLst>
+              <a:ext uri="{FF2B5EF4-FFF2-40B4-BE49-F238E27FC236}">
+                <a16:creationId xmlns:a16="http://schemas.microsoft.com/office/drawing/2014/main" id="{ED38F154-11F5-4DEB-9F83-0D36083DCE29}"/>
+              </a:ext>
+            </a:extLst>
+          </p:cNvPr>
+          <p:cNvCxnSpPr>
+            <a:cxnSpLocks/>
+            <a:endCxn id="58" idx="3"/>
+          </p:cNvCxnSpPr>
+          <p:nvPr/>
+        </p:nvCxnSpPr>
+        <p:spPr>
+          <a:xfrm rot="10800000" flipV="1">
+            <a:off x="2235447" y="5970523"/>
+            <a:ext cx="446349" cy="109538"/>
+          </a:xfrm>
+          <a:prstGeom prst="curvedConnector3">
+            <a:avLst>
+              <a:gd name="adj1" fmla="val 50000"/>
+            </a:avLst>
+          </a:prstGeom>
+          <a:ln w="34925">
+            <a:solidFill>
+              <a:srgbClr val="FF0000"/>
+            </a:solidFill>
+            <a:prstDash val="dash"/>
+            <a:tailEnd type="arrow"/>
+          </a:ln>
+        </p:spPr>
+        <p:style>
+          <a:lnRef idx="1">
+            <a:schemeClr val="accent1"/>
+          </a:lnRef>
+          <a:fillRef idx="0">
+            <a:schemeClr val="accent1"/>
+          </a:fillRef>
+          <a:effectRef idx="0">
+            <a:schemeClr val="accent1"/>
+          </a:effectRef>
+          <a:fontRef idx="minor">
+            <a:schemeClr val="tx1"/>
+          </a:fontRef>
+        </p:style>
+      </p:cxnSp>
+      <p:pic>
+        <p:nvPicPr>
+          <p:cNvPr id="46" name="Picture 6" descr="Office for Mac アプリアイコンのデザインが変わった！ - wanichanの日記">
+            <a:extLst>
+              <a:ext uri="{FF2B5EF4-FFF2-40B4-BE49-F238E27FC236}">
+                <a16:creationId xmlns:a16="http://schemas.microsoft.com/office/drawing/2014/main" id="{B7C13448-FE30-4EC6-86B3-EF10648E27E6}"/>
+              </a:ext>
+            </a:extLst>
+          </p:cNvPr>
+          <p:cNvPicPr>
+            <a:picLocks noChangeAspect="1" noChangeArrowheads="1"/>
+          </p:cNvPicPr>
+          <p:nvPr/>
+        </p:nvPicPr>
+        <p:blipFill>
+          <a:blip r:embed="rId7">
+            <a:extLst>
+              <a:ext uri="{28A0092B-C50C-407E-A947-70E740481C1C}">
+                <a14:useLocalDpi xmlns:a14="http://schemas.microsoft.com/office/drawing/2010/main" val="0"/>
+              </a:ext>
+            </a:extLst>
+          </a:blip>
+          <a:srcRect/>
+          <a:stretch>
+            <a:fillRect/>
+          </a:stretch>
+        </p:blipFill>
+        <p:spPr bwMode="auto">
+          <a:xfrm>
+            <a:off x="2522976" y="5815508"/>
+            <a:ext cx="430057" cy="419568"/>
+          </a:xfrm>
+          <a:prstGeom prst="rect">
+            <a:avLst/>
+          </a:prstGeom>
+          <a:noFill/>
+          <a:extLst>
+            <a:ext uri="{909E8E84-426E-40DD-AFC4-6F175D3DCCD1}">
+              <a14:hiddenFill xmlns:a14="http://schemas.microsoft.com/office/drawing/2010/main">
+                <a:solidFill>
+                  <a:srgbClr val="FFFFFF"/>
+                </a:solidFill>
+              </a14:hiddenFill>
+            </a:ext>
+          </a:extLst>
+        </p:spPr>
+      </p:pic>
+      <p:sp>
+        <p:nvSpPr>
+          <p:cNvPr id="47" name="吹き出し: 四角形 46">
+            <a:extLst>
+              <a:ext uri="{FF2B5EF4-FFF2-40B4-BE49-F238E27FC236}">
+                <a16:creationId xmlns:a16="http://schemas.microsoft.com/office/drawing/2014/main" id="{EC6DE274-F37D-4642-8269-0881B404B2BC}"/>
+              </a:ext>
+            </a:extLst>
+          </p:cNvPr>
+          <p:cNvSpPr/>
+          <p:nvPr/>
+        </p:nvSpPr>
+        <p:spPr>
+          <a:xfrm>
+            <a:off x="266038" y="5239194"/>
+            <a:ext cx="1681741" cy="678746"/>
+          </a:xfrm>
+          <a:prstGeom prst="wedgeRectCallout">
+            <a:avLst>
+              <a:gd name="adj1" fmla="val 72277"/>
+              <a:gd name="adj2" fmla="val 56286"/>
+            </a:avLst>
+          </a:prstGeom>
+          <a:ln>
+            <a:solidFill>
+              <a:srgbClr val="FF0000"/>
+            </a:solidFill>
+          </a:ln>
+        </p:spPr>
+        <p:style>
+          <a:lnRef idx="2">
+            <a:schemeClr val="accent3"/>
+          </a:lnRef>
+          <a:fillRef idx="1">
+            <a:schemeClr val="lt1"/>
+          </a:fillRef>
+          <a:effectRef idx="0">
+            <a:schemeClr val="accent3"/>
+          </a:effectRef>
+          <a:fontRef idx="minor">
+            <a:schemeClr val="dk1"/>
+          </a:fontRef>
+        </p:style>
+        <p:txBody>
+          <a:bodyPr rtlCol="0" anchor="ctr"/>
+          <a:lstStyle/>
+          <a:p>
+            <a:r>
+              <a:rPr kumimoji="1" lang="ja-JP" altLang="en-US" sz="1100" dirty="0"/>
+              <a:t>④ダウンロード</a:t>
+            </a:r>
+            <a:r>
+              <a:rPr lang="ja-JP" altLang="en-US" sz="1100" dirty="0"/>
+              <a:t>キャッシュを取得</a:t>
+            </a:r>
+            <a:r>
+              <a:rPr kumimoji="1" lang="ja-JP" altLang="en-US" sz="1100" dirty="0"/>
+              <a:t>し、インストールを実行する。</a:t>
             </a:r>
           </a:p>
         </p:txBody>
       </p:sp>
       <p:sp>
         <p:nvSpPr>
-          <p:cNvPr id="3" name="コンテンツ プレースホルダー 2">
-            <a:extLst>
-              <a:ext uri="{FF2B5EF4-FFF2-40B4-BE49-F238E27FC236}">
-                <a16:creationId xmlns:a16="http://schemas.microsoft.com/office/drawing/2014/main" id="{1E4BBBC6-44DA-4177-B282-96ABFD3D28A3}"/>
-              </a:ext>
-            </a:extLst>
-          </p:cNvPr>
-          <p:cNvSpPr>
-            <a:spLocks noGrp="1"/>
-          </p:cNvSpPr>
-          <p:nvPr>
-            <p:ph idx="1"/>
-          </p:nvPr>
+          <p:cNvPr id="63" name="テキスト ボックス 62">
+            <a:extLst>
+              <a:ext uri="{FF2B5EF4-FFF2-40B4-BE49-F238E27FC236}">
+                <a16:creationId xmlns:a16="http://schemas.microsoft.com/office/drawing/2014/main" id="{7F23C9F9-5391-4AD2-AA3C-C575D4094E2A}"/>
+              </a:ext>
+            </a:extLst>
+          </p:cNvPr>
+          <p:cNvSpPr txBox="1"/>
+          <p:nvPr/>
         </p:nvSpPr>
-        <p:spPr/>
+        <p:spPr>
+          <a:xfrm>
+            <a:off x="7356616" y="1709950"/>
+            <a:ext cx="4672201" cy="1384995"/>
+          </a:xfrm>
+          <a:prstGeom prst="rect">
+            <a:avLst/>
+          </a:prstGeom>
+          <a:noFill/>
+        </p:spPr>
         <p:txBody>
-          <a:bodyPr>
-            <a:normAutofit/>
+          <a:bodyPr wrap="square" rtlCol="0">
+            <a:spAutoFit/>
           </a:bodyPr>
           <a:lstStyle/>
           <a:p>
-            <a:pPr marL="0" indent="0">
-              <a:lnSpc>
-                <a:spcPct val="100000"/>
-              </a:lnSpc>
-              <a:buNone/>
-            </a:pPr>
-            <a:r>
-              <a:rPr lang="en-US" altLang="ja-JP" sz="2000" dirty="0"/>
+            <a:r>
+              <a:rPr kumimoji="1" lang="ja-JP" altLang="en-US" sz="1200" dirty="0"/>
+              <a:t>ファイル配布機能や</a:t>
+            </a:r>
+            <a:r>
+              <a:rPr lang="ja-JP" altLang="en-US" sz="1200" dirty="0"/>
+              <a:t>中間サーバ等の一般的な資産管理システムを想定している。通常であれば、帯域制限やキャッシュ保持機能が実装されているので、それらを活用して展開するのが推奨。</a:t>
+            </a:r>
+            <a:endParaRPr lang="en-US" altLang="ja-JP" sz="1200" dirty="0"/>
+          </a:p>
+          <a:p>
+            <a:endParaRPr lang="en-US" altLang="ja-JP" sz="1200" dirty="0"/>
+          </a:p>
+          <a:p>
+            <a:r>
+              <a:rPr lang="ja-JP" altLang="en-US" sz="1200" dirty="0"/>
+              <a:t>資産管理システムで</a:t>
+            </a:r>
+            <a:r>
+              <a:rPr lang="en-US" altLang="ja-JP" sz="1200" dirty="0"/>
               <a:t>M365 Apps</a:t>
             </a:r>
             <a:r>
-              <a:rPr lang="ja-JP" altLang="en-US" sz="2000" dirty="0"/>
-              <a:t>でライセンス認証を行うには、</a:t>
-            </a:r>
-            <a:r>
-              <a:rPr lang="en-US" altLang="ja-JP" sz="2000" dirty="0"/>
-              <a:t>Azure AD</a:t>
-            </a:r>
-            <a:r>
-              <a:rPr lang="ja-JP" altLang="en-US" sz="2000" dirty="0"/>
-              <a:t>上に利用するユーザーで認証を行う必要がある。一般的にはオンプレ上の</a:t>
-            </a:r>
-            <a:r>
-              <a:rPr lang="en-US" altLang="ja-JP" sz="2000" dirty="0"/>
-              <a:t>AD</a:t>
-            </a:r>
-            <a:r>
-              <a:rPr lang="ja-JP" altLang="en-US" sz="2000" dirty="0"/>
-              <a:t>ユーザを</a:t>
-            </a:r>
-            <a:r>
-              <a:rPr lang="en-US" altLang="ja-JP" sz="2000" dirty="0"/>
-              <a:t>Azure AD</a:t>
-            </a:r>
-            <a:r>
-              <a:rPr lang="ja-JP" altLang="en-US" sz="2000" dirty="0"/>
-              <a:t>に同期し、</a:t>
-            </a:r>
-            <a:r>
-              <a:rPr lang="en-US" altLang="ja-JP" sz="2000" dirty="0"/>
+              <a:rPr lang="ja-JP" altLang="en-US" sz="1200" dirty="0"/>
+              <a:t>の管理機能が無い場合、</a:t>
+            </a:r>
+            <a:r>
+              <a:rPr lang="en-US" altLang="ja-JP" sz="1200" dirty="0"/>
+              <a:t>ODT</a:t>
+            </a:r>
+            <a:r>
+              <a:rPr lang="ja-JP" altLang="en-US" sz="1200" dirty="0"/>
+              <a:t>で</a:t>
+            </a:r>
+            <a:r>
+              <a:rPr lang="en-US" altLang="ja-JP" sz="1200" dirty="0"/>
               <a:t>M365 Apps</a:t>
             </a:r>
             <a:r>
-              <a:rPr lang="ja-JP" altLang="en-US" sz="2000" dirty="0"/>
-              <a:t>のライセンスを割り当てる。</a:t>
-            </a:r>
-            <a:endParaRPr lang="en-US" altLang="ja-JP" sz="2000" dirty="0"/>
-          </a:p>
-          <a:p>
-            <a:pPr marL="0" indent="0">
-              <a:lnSpc>
-                <a:spcPct val="100000"/>
-              </a:lnSpc>
-              <a:buNone/>
-            </a:pPr>
-            <a:endParaRPr lang="en-US" altLang="ja-JP" sz="2000" dirty="0"/>
-          </a:p>
-          <a:p>
-            <a:pPr marL="0" indent="0">
-              <a:lnSpc>
-                <a:spcPct val="100000"/>
-              </a:lnSpc>
-              <a:buNone/>
-            </a:pPr>
-            <a:endParaRPr lang="en-US" altLang="ja-JP" sz="2000" dirty="0"/>
+              <a:rPr lang="ja-JP" altLang="en-US" sz="1200" dirty="0"/>
+              <a:t>をダウンロードし、資産管理サーバに配置する必要がある。</a:t>
+            </a:r>
+            <a:endParaRPr lang="en-US" altLang="ja-JP" sz="1200" dirty="0"/>
+          </a:p>
+        </p:txBody>
+      </p:sp>
+      <p:sp>
+        <p:nvSpPr>
+          <p:cNvPr id="64" name="吹き出し: 四角形 63">
+            <a:extLst>
+              <a:ext uri="{FF2B5EF4-FFF2-40B4-BE49-F238E27FC236}">
+                <a16:creationId xmlns:a16="http://schemas.microsoft.com/office/drawing/2014/main" id="{27CB30AA-4C39-4495-A3C8-385ED34A23C3}"/>
+              </a:ext>
+            </a:extLst>
+          </p:cNvPr>
+          <p:cNvSpPr/>
+          <p:nvPr/>
+        </p:nvSpPr>
+        <p:spPr>
+          <a:xfrm>
+            <a:off x="1087316" y="4122262"/>
+            <a:ext cx="1921621" cy="747698"/>
+          </a:xfrm>
+          <a:prstGeom prst="wedgeRectCallout">
+            <a:avLst>
+              <a:gd name="adj1" fmla="val 58542"/>
+              <a:gd name="adj2" fmla="val -99847"/>
+            </a:avLst>
+          </a:prstGeom>
+          <a:ln>
+            <a:solidFill>
+              <a:srgbClr val="FF0000"/>
+            </a:solidFill>
+          </a:ln>
+        </p:spPr>
+        <p:style>
+          <a:lnRef idx="2">
+            <a:schemeClr val="accent3"/>
+          </a:lnRef>
+          <a:fillRef idx="1">
+            <a:schemeClr val="lt1"/>
+          </a:fillRef>
+          <a:effectRef idx="0">
+            <a:schemeClr val="accent3"/>
+          </a:effectRef>
+          <a:fontRef idx="minor">
+            <a:schemeClr val="dk1"/>
+          </a:fontRef>
+        </p:style>
+        <p:txBody>
+          <a:bodyPr rtlCol="0" anchor="ctr"/>
+          <a:lstStyle/>
+          <a:p>
+            <a:r>
+              <a:rPr lang="ja-JP" altLang="en-US" sz="1100" dirty="0"/>
+              <a:t>②直接データセンターの</a:t>
+            </a:r>
+            <a:endParaRPr kumimoji="1" lang="en-US" altLang="ja-JP" sz="1100" dirty="0"/>
+          </a:p>
+          <a:p>
+            <a:r>
+              <a:rPr kumimoji="1" lang="ja-JP" altLang="en-US" sz="1100" dirty="0"/>
+              <a:t>資産管理サーバからダウンロードし、インストールを実行する。</a:t>
+            </a:r>
+          </a:p>
+        </p:txBody>
+      </p:sp>
+      <p:cxnSp>
+        <p:nvCxnSpPr>
+          <p:cNvPr id="65" name="コネクタ: 曲線 64">
+            <a:extLst>
+              <a:ext uri="{FF2B5EF4-FFF2-40B4-BE49-F238E27FC236}">
+                <a16:creationId xmlns:a16="http://schemas.microsoft.com/office/drawing/2014/main" id="{59CA5874-9D11-4914-A3EB-77982584BDCF}"/>
+              </a:ext>
+            </a:extLst>
+          </p:cNvPr>
+          <p:cNvCxnSpPr>
+            <a:cxnSpLocks/>
+            <a:stCxn id="8" idx="1"/>
+          </p:cNvCxnSpPr>
+          <p:nvPr/>
+        </p:nvCxnSpPr>
+        <p:spPr>
+          <a:xfrm rot="10800000">
+            <a:off x="3114683" y="3454488"/>
+            <a:ext cx="6864859" cy="2504361"/>
+          </a:xfrm>
+          <a:prstGeom prst="curvedConnector3">
+            <a:avLst>
+              <a:gd name="adj1" fmla="val 46531"/>
+            </a:avLst>
+          </a:prstGeom>
+          <a:ln w="34925">
+            <a:solidFill>
+              <a:srgbClr val="FF0000"/>
+            </a:solidFill>
+            <a:prstDash val="dash"/>
+            <a:tailEnd type="arrow"/>
+          </a:ln>
+        </p:spPr>
+        <p:style>
+          <a:lnRef idx="1">
+            <a:schemeClr val="accent1"/>
+          </a:lnRef>
+          <a:fillRef idx="0">
+            <a:schemeClr val="accent1"/>
+          </a:fillRef>
+          <a:effectRef idx="0">
+            <a:schemeClr val="accent1"/>
+          </a:effectRef>
+          <a:fontRef idx="minor">
+            <a:schemeClr val="tx1"/>
+          </a:fontRef>
+        </p:style>
+      </p:cxnSp>
+      <p:sp>
+        <p:nvSpPr>
+          <p:cNvPr id="66" name="吹き出し: 四角形 65">
+            <a:extLst>
+              <a:ext uri="{FF2B5EF4-FFF2-40B4-BE49-F238E27FC236}">
+                <a16:creationId xmlns:a16="http://schemas.microsoft.com/office/drawing/2014/main" id="{9F52D971-D35A-4898-B54B-CA7F09D6CCA0}"/>
+              </a:ext>
+            </a:extLst>
+          </p:cNvPr>
+          <p:cNvSpPr/>
+          <p:nvPr/>
+        </p:nvSpPr>
+        <p:spPr>
+          <a:xfrm>
+            <a:off x="7844346" y="4875483"/>
+            <a:ext cx="1681741" cy="678746"/>
+          </a:xfrm>
+          <a:prstGeom prst="wedgeRectCallout">
+            <a:avLst>
+              <a:gd name="adj1" fmla="val -53035"/>
+              <a:gd name="adj2" fmla="val -87916"/>
+            </a:avLst>
+          </a:prstGeom>
+          <a:ln>
+            <a:solidFill>
+              <a:srgbClr val="FF0000"/>
+            </a:solidFill>
+          </a:ln>
+        </p:spPr>
+        <p:style>
+          <a:lnRef idx="2">
+            <a:schemeClr val="accent3"/>
+          </a:lnRef>
+          <a:fillRef idx="1">
+            <a:schemeClr val="lt1"/>
+          </a:fillRef>
+          <a:effectRef idx="0">
+            <a:schemeClr val="accent3"/>
+          </a:effectRef>
+          <a:fontRef idx="minor">
+            <a:schemeClr val="dk1"/>
+          </a:fontRef>
+        </p:style>
+        <p:txBody>
+          <a:bodyPr rtlCol="0" anchor="ctr"/>
+          <a:lstStyle/>
+          <a:p>
+            <a:r>
+              <a:rPr kumimoji="1" lang="ja-JP" altLang="en-US" sz="1100" dirty="0"/>
+              <a:t>②拠点ファイルサーバにファイルをコピーする</a:t>
+            </a:r>
           </a:p>
         </p:txBody>
       </p:sp>
     </p:spTree>
     <p:extLst>
       <p:ext uri="{BB962C8B-B14F-4D97-AF65-F5344CB8AC3E}">
-        <p14:creationId xmlns:p14="http://schemas.microsoft.com/office/powerpoint/2010/main" val="3191717596"/>
+        <p14:creationId xmlns:p14="http://schemas.microsoft.com/office/powerpoint/2010/main" val="1105181834"/>
       </p:ext>
     </p:extLst>
   </p:cSld>
@@ -13344,10 +18649,1227 @@
       </p:grpSpPr>
       <p:sp>
         <p:nvSpPr>
-          <p:cNvPr id="2" name="タイトル 1">
-            <a:extLst>
-              <a:ext uri="{FF2B5EF4-FFF2-40B4-BE49-F238E27FC236}">
-                <a16:creationId xmlns:a16="http://schemas.microsoft.com/office/drawing/2014/main" id="{AAD9DDF9-3AA0-41F0-AE2D-A934782690F0}"/>
+          <p:cNvPr id="50" name="正方形/長方形 49">
+            <a:extLst>
+              <a:ext uri="{FF2B5EF4-FFF2-40B4-BE49-F238E27FC236}">
+                <a16:creationId xmlns:a16="http://schemas.microsoft.com/office/drawing/2014/main" id="{8AFC073E-4FAB-41C4-8662-76FF0705E9E9}"/>
+              </a:ext>
+            </a:extLst>
+          </p:cNvPr>
+          <p:cNvSpPr/>
+          <p:nvPr/>
+        </p:nvSpPr>
+        <p:spPr>
+          <a:xfrm>
+            <a:off x="4494999" y="5394073"/>
+            <a:ext cx="3286125" cy="1359152"/>
+          </a:xfrm>
+          <a:prstGeom prst="rect">
+            <a:avLst/>
+          </a:prstGeom>
+          <a:ln/>
+        </p:spPr>
+        <p:style>
+          <a:lnRef idx="2">
+            <a:schemeClr val="dk1"/>
+          </a:lnRef>
+          <a:fillRef idx="1">
+            <a:schemeClr val="lt1"/>
+          </a:fillRef>
+          <a:effectRef idx="0">
+            <a:schemeClr val="dk1"/>
+          </a:effectRef>
+          <a:fontRef idx="minor">
+            <a:schemeClr val="dk1"/>
+          </a:fontRef>
+        </p:style>
+        <p:txBody>
+          <a:bodyPr rtlCol="0" anchor="ctr"/>
+          <a:lstStyle/>
+          <a:p>
+            <a:pPr algn="ctr"/>
+            <a:endParaRPr kumimoji="1" lang="ja-JP" altLang="en-US"/>
+          </a:p>
+        </p:txBody>
+      </p:sp>
+      <p:sp>
+        <p:nvSpPr>
+          <p:cNvPr id="51" name="正方形/長方形 50">
+            <a:extLst>
+              <a:ext uri="{FF2B5EF4-FFF2-40B4-BE49-F238E27FC236}">
+                <a16:creationId xmlns:a16="http://schemas.microsoft.com/office/drawing/2014/main" id="{61A9E89F-9C9B-47AF-976B-3992464CC5A5}"/>
+              </a:ext>
+            </a:extLst>
+          </p:cNvPr>
+          <p:cNvSpPr/>
+          <p:nvPr/>
+        </p:nvSpPr>
+        <p:spPr>
+          <a:xfrm>
+            <a:off x="4494999" y="5240727"/>
+            <a:ext cx="3286125" cy="310509"/>
+          </a:xfrm>
+          <a:prstGeom prst="rect">
+            <a:avLst/>
+          </a:prstGeom>
+          <a:ln/>
+        </p:spPr>
+        <p:style>
+          <a:lnRef idx="2">
+            <a:schemeClr val="dk1"/>
+          </a:lnRef>
+          <a:fillRef idx="1">
+            <a:schemeClr val="lt1"/>
+          </a:fillRef>
+          <a:effectRef idx="0">
+            <a:schemeClr val="dk1"/>
+          </a:effectRef>
+          <a:fontRef idx="minor">
+            <a:schemeClr val="dk1"/>
+          </a:fontRef>
+        </p:style>
+        <p:txBody>
+          <a:bodyPr rtlCol="0" anchor="ctr"/>
+          <a:lstStyle/>
+          <a:p>
+            <a:pPr algn="ctr"/>
+            <a:r>
+              <a:rPr lang="ja-JP" altLang="en-US" sz="1400" dirty="0"/>
+              <a:t>本社</a:t>
+            </a:r>
+            <a:endParaRPr kumimoji="1" lang="ja-JP" altLang="en-US" sz="1400" dirty="0"/>
+          </a:p>
+        </p:txBody>
+      </p:sp>
+      <p:sp>
+        <p:nvSpPr>
+          <p:cNvPr id="44" name="正方形/長方形 43">
+            <a:extLst>
+              <a:ext uri="{FF2B5EF4-FFF2-40B4-BE49-F238E27FC236}">
+                <a16:creationId xmlns:a16="http://schemas.microsoft.com/office/drawing/2014/main" id="{8A091EDE-35AC-49A9-BBB3-74BC65F223FF}"/>
+              </a:ext>
+            </a:extLst>
+          </p:cNvPr>
+          <p:cNvSpPr/>
+          <p:nvPr/>
+        </p:nvSpPr>
+        <p:spPr>
+          <a:xfrm>
+            <a:off x="8505825" y="5028299"/>
+            <a:ext cx="3286125" cy="1734774"/>
+          </a:xfrm>
+          <a:prstGeom prst="rect">
+            <a:avLst/>
+          </a:prstGeom>
+          <a:ln/>
+        </p:spPr>
+        <p:style>
+          <a:lnRef idx="2">
+            <a:schemeClr val="dk1"/>
+          </a:lnRef>
+          <a:fillRef idx="1">
+            <a:schemeClr val="lt1"/>
+          </a:fillRef>
+          <a:effectRef idx="0">
+            <a:schemeClr val="dk1"/>
+          </a:effectRef>
+          <a:fontRef idx="minor">
+            <a:schemeClr val="dk1"/>
+          </a:fontRef>
+        </p:style>
+        <p:txBody>
+          <a:bodyPr rtlCol="0" anchor="ctr"/>
+          <a:lstStyle/>
+          <a:p>
+            <a:pPr algn="ctr"/>
+            <a:endParaRPr kumimoji="1" lang="ja-JP" altLang="en-US"/>
+          </a:p>
+        </p:txBody>
+      </p:sp>
+      <p:sp>
+        <p:nvSpPr>
+          <p:cNvPr id="45" name="正方形/長方形 44">
+            <a:extLst>
+              <a:ext uri="{FF2B5EF4-FFF2-40B4-BE49-F238E27FC236}">
+                <a16:creationId xmlns:a16="http://schemas.microsoft.com/office/drawing/2014/main" id="{EC689FC0-EF98-4C2E-AE80-DAB145D58684}"/>
+              </a:ext>
+            </a:extLst>
+          </p:cNvPr>
+          <p:cNvSpPr/>
+          <p:nvPr/>
+        </p:nvSpPr>
+        <p:spPr>
+          <a:xfrm>
+            <a:off x="8505825" y="4941242"/>
+            <a:ext cx="3286125" cy="310509"/>
+          </a:xfrm>
+          <a:prstGeom prst="rect">
+            <a:avLst/>
+          </a:prstGeom>
+          <a:ln/>
+        </p:spPr>
+        <p:style>
+          <a:lnRef idx="2">
+            <a:schemeClr val="dk1"/>
+          </a:lnRef>
+          <a:fillRef idx="1">
+            <a:schemeClr val="lt1"/>
+          </a:fillRef>
+          <a:effectRef idx="0">
+            <a:schemeClr val="dk1"/>
+          </a:effectRef>
+          <a:fontRef idx="minor">
+            <a:schemeClr val="dk1"/>
+          </a:fontRef>
+        </p:style>
+        <p:txBody>
+          <a:bodyPr rtlCol="0" anchor="ctr"/>
+          <a:lstStyle/>
+          <a:p>
+            <a:pPr algn="ctr"/>
+            <a:r>
+              <a:rPr kumimoji="1" lang="ja-JP" altLang="en-US" sz="1400" dirty="0"/>
+              <a:t>データセンター</a:t>
+            </a:r>
+          </a:p>
+        </p:txBody>
+      </p:sp>
+      <p:pic>
+        <p:nvPicPr>
+          <p:cNvPr id="1026" name="Picture 2" descr="ノートPCアイコン | アイコン素材ダウンロードサイト「icooon-mono」 | 商用利用可能なアイコン素材が無料(フリー)ダウンロードできるサイト">
+            <a:extLst>
+              <a:ext uri="{FF2B5EF4-FFF2-40B4-BE49-F238E27FC236}">
+                <a16:creationId xmlns:a16="http://schemas.microsoft.com/office/drawing/2014/main" id="{A78B6511-6CF7-482E-BCC6-187D1124A96D}"/>
+              </a:ext>
+            </a:extLst>
+          </p:cNvPr>
+          <p:cNvPicPr>
+            <a:picLocks noChangeAspect="1" noChangeArrowheads="1"/>
+          </p:cNvPicPr>
+          <p:nvPr/>
+        </p:nvPicPr>
+        <p:blipFill>
+          <a:blip r:embed="rId2">
+            <a:extLst>
+              <a:ext uri="{28A0092B-C50C-407E-A947-70E740481C1C}">
+                <a14:useLocalDpi xmlns:a14="http://schemas.microsoft.com/office/drawing/2010/main" val="0"/>
+              </a:ext>
+            </a:extLst>
+          </a:blip>
+          <a:srcRect/>
+          <a:stretch>
+            <a:fillRect/>
+          </a:stretch>
+        </p:blipFill>
+        <p:spPr bwMode="auto">
+          <a:xfrm>
+            <a:off x="4797883" y="6051096"/>
+            <a:ext cx="572193" cy="572193"/>
+          </a:xfrm>
+          <a:prstGeom prst="rect">
+            <a:avLst/>
+          </a:prstGeom>
+          <a:noFill/>
+          <a:extLst>
+            <a:ext uri="{909E8E84-426E-40DD-AFC4-6F175D3DCCD1}">
+              <a14:hiddenFill xmlns:a14="http://schemas.microsoft.com/office/drawing/2010/main">
+                <a:solidFill>
+                  <a:srgbClr val="FFFFFF"/>
+                </a:solidFill>
+              </a14:hiddenFill>
+            </a:ext>
+          </a:extLst>
+        </p:spPr>
+      </p:pic>
+      <p:pic>
+        <p:nvPicPr>
+          <p:cNvPr id="8" name="Picture 4" descr="サーバー | 商用可の無料(フリー)のアイコン素材をダウンロードできるサイト『icon rainbow』">
+            <a:extLst>
+              <a:ext uri="{FF2B5EF4-FFF2-40B4-BE49-F238E27FC236}">
+                <a16:creationId xmlns:a16="http://schemas.microsoft.com/office/drawing/2014/main" id="{6187B571-BED3-4848-827F-195571035108}"/>
+              </a:ext>
+            </a:extLst>
+          </p:cNvPr>
+          <p:cNvPicPr>
+            <a:picLocks noChangeAspect="1" noChangeArrowheads="1"/>
+          </p:cNvPicPr>
+          <p:nvPr/>
+        </p:nvPicPr>
+        <p:blipFill>
+          <a:blip r:embed="rId3">
+            <a:extLst>
+              <a:ext uri="{28A0092B-C50C-407E-A947-70E740481C1C}">
+                <a14:useLocalDpi xmlns:a14="http://schemas.microsoft.com/office/drawing/2010/main" val="0"/>
+              </a:ext>
+            </a:extLst>
+          </a:blip>
+          <a:srcRect/>
+          <a:stretch>
+            <a:fillRect/>
+          </a:stretch>
+        </p:blipFill>
+        <p:spPr bwMode="auto">
+          <a:xfrm>
+            <a:off x="9979541" y="5641679"/>
+            <a:ext cx="634337" cy="634337"/>
+          </a:xfrm>
+          <a:prstGeom prst="rect">
+            <a:avLst/>
+          </a:prstGeom>
+          <a:noFill/>
+          <a:extLst>
+            <a:ext uri="{909E8E84-426E-40DD-AFC4-6F175D3DCCD1}">
+              <a14:hiddenFill xmlns:a14="http://schemas.microsoft.com/office/drawing/2010/main">
+                <a:solidFill>
+                  <a:srgbClr val="FFFFFF"/>
+                </a:solidFill>
+              </a14:hiddenFill>
+            </a:ext>
+          </a:extLst>
+        </p:spPr>
+      </p:pic>
+      <p:sp>
+        <p:nvSpPr>
+          <p:cNvPr id="4" name="雲 3">
+            <a:extLst>
+              <a:ext uri="{FF2B5EF4-FFF2-40B4-BE49-F238E27FC236}">
+                <a16:creationId xmlns:a16="http://schemas.microsoft.com/office/drawing/2014/main" id="{21A34934-4F79-448A-A235-5E18090FB739}"/>
+              </a:ext>
+            </a:extLst>
+          </p:cNvPr>
+          <p:cNvSpPr/>
+          <p:nvPr/>
+        </p:nvSpPr>
+        <p:spPr>
+          <a:xfrm>
+            <a:off x="4693691" y="3027396"/>
+            <a:ext cx="2878202" cy="792948"/>
+          </a:xfrm>
+          <a:prstGeom prst="cloud">
+            <a:avLst/>
+          </a:prstGeom>
+        </p:spPr>
+        <p:style>
+          <a:lnRef idx="2">
+            <a:schemeClr val="accent2">
+              <a:shade val="50000"/>
+            </a:schemeClr>
+          </a:lnRef>
+          <a:fillRef idx="1">
+            <a:schemeClr val="accent2"/>
+          </a:fillRef>
+          <a:effectRef idx="0">
+            <a:schemeClr val="accent2"/>
+          </a:effectRef>
+          <a:fontRef idx="minor">
+            <a:schemeClr val="lt1"/>
+          </a:fontRef>
+        </p:style>
+        <p:txBody>
+          <a:bodyPr rtlCol="0" anchor="ctr"/>
+          <a:lstStyle/>
+          <a:p>
+            <a:pPr algn="ctr"/>
+            <a:r>
+              <a:rPr kumimoji="1" lang="ja-JP" altLang="en-US" sz="1600" dirty="0"/>
+              <a:t>インターネット</a:t>
+            </a:r>
+          </a:p>
+        </p:txBody>
+      </p:sp>
+      <p:sp>
+        <p:nvSpPr>
+          <p:cNvPr id="10" name="雲 9">
+            <a:extLst>
+              <a:ext uri="{FF2B5EF4-FFF2-40B4-BE49-F238E27FC236}">
+                <a16:creationId xmlns:a16="http://schemas.microsoft.com/office/drawing/2014/main" id="{6E810F80-7FEF-4AD6-94A7-2984E5FEDFAB}"/>
+              </a:ext>
+            </a:extLst>
+          </p:cNvPr>
+          <p:cNvSpPr/>
+          <p:nvPr/>
+        </p:nvSpPr>
+        <p:spPr>
+          <a:xfrm>
+            <a:off x="4865075" y="4051496"/>
+            <a:ext cx="2493619" cy="596115"/>
+          </a:xfrm>
+          <a:prstGeom prst="cloud">
+            <a:avLst/>
+          </a:prstGeom>
+        </p:spPr>
+        <p:style>
+          <a:lnRef idx="2">
+            <a:schemeClr val="accent3">
+              <a:shade val="50000"/>
+            </a:schemeClr>
+          </a:lnRef>
+          <a:fillRef idx="1">
+            <a:schemeClr val="accent3"/>
+          </a:fillRef>
+          <a:effectRef idx="0">
+            <a:schemeClr val="accent3"/>
+          </a:effectRef>
+          <a:fontRef idx="minor">
+            <a:schemeClr val="lt1"/>
+          </a:fontRef>
+        </p:style>
+        <p:txBody>
+          <a:bodyPr rtlCol="0" anchor="ctr"/>
+          <a:lstStyle/>
+          <a:p>
+            <a:pPr algn="ctr"/>
+            <a:r>
+              <a:rPr kumimoji="1" lang="en-US" altLang="ja-JP" sz="1400" dirty="0"/>
+              <a:t>LAN</a:t>
+            </a:r>
+            <a:endParaRPr kumimoji="1" lang="ja-JP" altLang="en-US" sz="1400" dirty="0"/>
+          </a:p>
+        </p:txBody>
+      </p:sp>
+      <p:pic>
+        <p:nvPicPr>
+          <p:cNvPr id="1036" name="Picture 12" descr="ルーター 無料 アイコン の Material Design">
+            <a:extLst>
+              <a:ext uri="{FF2B5EF4-FFF2-40B4-BE49-F238E27FC236}">
+                <a16:creationId xmlns:a16="http://schemas.microsoft.com/office/drawing/2014/main" id="{F30B8C80-3675-4767-89C1-ADE0962932E7}"/>
+              </a:ext>
+            </a:extLst>
+          </p:cNvPr>
+          <p:cNvPicPr>
+            <a:picLocks noChangeAspect="1" noChangeArrowheads="1"/>
+          </p:cNvPicPr>
+          <p:nvPr/>
+        </p:nvPicPr>
+        <p:blipFill>
+          <a:blip r:embed="rId4">
+            <a:extLst>
+              <a:ext uri="{28A0092B-C50C-407E-A947-70E740481C1C}">
+                <a14:useLocalDpi xmlns:a14="http://schemas.microsoft.com/office/drawing/2010/main" val="0"/>
+              </a:ext>
+            </a:extLst>
+          </a:blip>
+          <a:srcRect/>
+          <a:stretch>
+            <a:fillRect/>
+          </a:stretch>
+        </p:blipFill>
+        <p:spPr bwMode="auto">
+          <a:xfrm>
+            <a:off x="5907537" y="4830498"/>
+            <a:ext cx="408696" cy="408696"/>
+          </a:xfrm>
+          <a:prstGeom prst="rect">
+            <a:avLst/>
+          </a:prstGeom>
+          <a:noFill/>
+          <a:extLst>
+            <a:ext uri="{909E8E84-426E-40DD-AFC4-6F175D3DCCD1}">
+              <a14:hiddenFill xmlns:a14="http://schemas.microsoft.com/office/drawing/2010/main">
+                <a:solidFill>
+                  <a:srgbClr val="FFFFFF"/>
+                </a:solidFill>
+              </a14:hiddenFill>
+            </a:ext>
+          </a:extLst>
+        </p:spPr>
+      </p:pic>
+      <p:pic>
+        <p:nvPicPr>
+          <p:cNvPr id="14" name="Picture 12" descr="ルーター 無料 アイコン の Material Design">
+            <a:extLst>
+              <a:ext uri="{FF2B5EF4-FFF2-40B4-BE49-F238E27FC236}">
+                <a16:creationId xmlns:a16="http://schemas.microsoft.com/office/drawing/2014/main" id="{CE286454-6537-4D07-B449-5B30AC192271}"/>
+              </a:ext>
+            </a:extLst>
+          </p:cNvPr>
+          <p:cNvPicPr>
+            <a:picLocks noChangeAspect="1" noChangeArrowheads="1"/>
+          </p:cNvPicPr>
+          <p:nvPr/>
+        </p:nvPicPr>
+        <p:blipFill>
+          <a:blip r:embed="rId4">
+            <a:extLst>
+              <a:ext uri="{28A0092B-C50C-407E-A947-70E740481C1C}">
+                <a14:useLocalDpi xmlns:a14="http://schemas.microsoft.com/office/drawing/2010/main" val="0"/>
+              </a:ext>
+            </a:extLst>
+          </a:blip>
+          <a:srcRect/>
+          <a:stretch>
+            <a:fillRect/>
+          </a:stretch>
+        </p:blipFill>
+        <p:spPr bwMode="auto">
+          <a:xfrm>
+            <a:off x="10028508" y="4493264"/>
+            <a:ext cx="408696" cy="408696"/>
+          </a:xfrm>
+          <a:prstGeom prst="rect">
+            <a:avLst/>
+          </a:prstGeom>
+          <a:noFill/>
+          <a:extLst>
+            <a:ext uri="{909E8E84-426E-40DD-AFC4-6F175D3DCCD1}">
+              <a14:hiddenFill xmlns:a14="http://schemas.microsoft.com/office/drawing/2010/main">
+                <a:solidFill>
+                  <a:srgbClr val="FFFFFF"/>
+                </a:solidFill>
+              </a14:hiddenFill>
+            </a:ext>
+          </a:extLst>
+        </p:spPr>
+      </p:pic>
+      <p:pic>
+        <p:nvPicPr>
+          <p:cNvPr id="15" name="Picture 4" descr="サーバー | 商用可の無料(フリー)のアイコン素材をダウンロードできるサイト『icon rainbow』">
+            <a:extLst>
+              <a:ext uri="{FF2B5EF4-FFF2-40B4-BE49-F238E27FC236}">
+                <a16:creationId xmlns:a16="http://schemas.microsoft.com/office/drawing/2014/main" id="{18EDBA2A-EC16-4BD2-BC55-3DF65FDAA450}"/>
+              </a:ext>
+            </a:extLst>
+          </p:cNvPr>
+          <p:cNvPicPr>
+            <a:picLocks noChangeAspect="1" noChangeArrowheads="1"/>
+          </p:cNvPicPr>
+          <p:nvPr/>
+        </p:nvPicPr>
+        <p:blipFill>
+          <a:blip r:embed="rId3">
+            <a:extLst>
+              <a:ext uri="{28A0092B-C50C-407E-A947-70E740481C1C}">
+                <a14:useLocalDpi xmlns:a14="http://schemas.microsoft.com/office/drawing/2010/main" val="0"/>
+              </a:ext>
+            </a:extLst>
+          </a:blip>
+          <a:srcRect/>
+          <a:stretch>
+            <a:fillRect/>
+          </a:stretch>
+        </p:blipFill>
+        <p:spPr bwMode="auto">
+          <a:xfrm>
+            <a:off x="6817345" y="5714531"/>
+            <a:ext cx="634337" cy="634337"/>
+          </a:xfrm>
+          <a:prstGeom prst="rect">
+            <a:avLst/>
+          </a:prstGeom>
+          <a:noFill/>
+          <a:extLst>
+            <a:ext uri="{909E8E84-426E-40DD-AFC4-6F175D3DCCD1}">
+              <a14:hiddenFill xmlns:a14="http://schemas.microsoft.com/office/drawing/2010/main">
+                <a:solidFill>
+                  <a:srgbClr val="FFFFFF"/>
+                </a:solidFill>
+              </a14:hiddenFill>
+            </a:ext>
+          </a:extLst>
+        </p:spPr>
+      </p:pic>
+      <p:cxnSp>
+        <p:nvCxnSpPr>
+          <p:cNvPr id="12" name="直線コネクタ 11">
+            <a:extLst>
+              <a:ext uri="{FF2B5EF4-FFF2-40B4-BE49-F238E27FC236}">
+                <a16:creationId xmlns:a16="http://schemas.microsoft.com/office/drawing/2014/main" id="{9C290E4D-D9AB-4212-B7FA-683F42FA1B11}"/>
+              </a:ext>
+            </a:extLst>
+          </p:cNvPr>
+          <p:cNvCxnSpPr>
+            <a:cxnSpLocks/>
+            <a:stCxn id="4" idx="2"/>
+          </p:cNvCxnSpPr>
+          <p:nvPr/>
+        </p:nvCxnSpPr>
+        <p:spPr>
+          <a:xfrm flipH="1">
+            <a:off x="3732189" y="3423870"/>
+            <a:ext cx="970430" cy="1476"/>
+          </a:xfrm>
+          <a:prstGeom prst="straightConnector1">
+            <a:avLst/>
+          </a:prstGeom>
+        </p:spPr>
+        <p:style>
+          <a:lnRef idx="1">
+            <a:schemeClr val="accent2"/>
+          </a:lnRef>
+          <a:fillRef idx="0">
+            <a:schemeClr val="accent2"/>
+          </a:fillRef>
+          <a:effectRef idx="0">
+            <a:schemeClr val="accent2"/>
+          </a:effectRef>
+          <a:fontRef idx="minor">
+            <a:schemeClr val="tx1"/>
+          </a:fontRef>
+        </p:style>
+      </p:cxnSp>
+      <p:cxnSp>
+        <p:nvCxnSpPr>
+          <p:cNvPr id="28" name="直線コネクタ 27">
+            <a:extLst>
+              <a:ext uri="{FF2B5EF4-FFF2-40B4-BE49-F238E27FC236}">
+                <a16:creationId xmlns:a16="http://schemas.microsoft.com/office/drawing/2014/main" id="{2F8D84E0-52DC-4B6E-A7A5-EA7CD85B98F0}"/>
+              </a:ext>
+            </a:extLst>
+          </p:cNvPr>
+          <p:cNvCxnSpPr>
+            <a:cxnSpLocks/>
+            <a:stCxn id="4" idx="1"/>
+          </p:cNvCxnSpPr>
+          <p:nvPr/>
+        </p:nvCxnSpPr>
+        <p:spPr>
+          <a:xfrm>
+            <a:off x="6132792" y="3819500"/>
+            <a:ext cx="0" cy="211407"/>
+          </a:xfrm>
+          <a:prstGeom prst="line">
+            <a:avLst/>
+          </a:prstGeom>
+        </p:spPr>
+        <p:style>
+          <a:lnRef idx="1">
+            <a:schemeClr val="accent2"/>
+          </a:lnRef>
+          <a:fillRef idx="0">
+            <a:schemeClr val="accent2"/>
+          </a:fillRef>
+          <a:effectRef idx="0">
+            <a:schemeClr val="accent2"/>
+          </a:effectRef>
+          <a:fontRef idx="minor">
+            <a:schemeClr val="tx1"/>
+          </a:fontRef>
+        </p:style>
+      </p:cxnSp>
+      <p:sp>
+        <p:nvSpPr>
+          <p:cNvPr id="48" name="テキスト ボックス 47">
+            <a:extLst>
+              <a:ext uri="{FF2B5EF4-FFF2-40B4-BE49-F238E27FC236}">
+                <a16:creationId xmlns:a16="http://schemas.microsoft.com/office/drawing/2014/main" id="{F4D7DFE0-30B9-4230-AAD3-F5FA9B7E4611}"/>
+              </a:ext>
+            </a:extLst>
+          </p:cNvPr>
+          <p:cNvSpPr txBox="1"/>
+          <p:nvPr/>
+        </p:nvSpPr>
+        <p:spPr>
+          <a:xfrm>
+            <a:off x="9774027" y="6354163"/>
+            <a:ext cx="1127232" cy="276999"/>
+          </a:xfrm>
+          <a:prstGeom prst="rect">
+            <a:avLst/>
+          </a:prstGeom>
+          <a:noFill/>
+        </p:spPr>
+        <p:txBody>
+          <a:bodyPr wrap="none" rtlCol="0">
+            <a:spAutoFit/>
+          </a:bodyPr>
+          <a:lstStyle/>
+          <a:p>
+            <a:r>
+              <a:rPr lang="en-US" altLang="ja-JP" sz="1200" dirty="0"/>
+              <a:t>MECM</a:t>
+            </a:r>
+            <a:r>
+              <a:rPr lang="ja-JP" altLang="en-US" sz="1200" dirty="0"/>
+              <a:t>サーバ</a:t>
+            </a:r>
+            <a:endParaRPr kumimoji="1" lang="ja-JP" altLang="en-US" dirty="0"/>
+          </a:p>
+        </p:txBody>
+      </p:sp>
+      <p:sp>
+        <p:nvSpPr>
+          <p:cNvPr id="52" name="テキスト ボックス 51">
+            <a:extLst>
+              <a:ext uri="{FF2B5EF4-FFF2-40B4-BE49-F238E27FC236}">
+                <a16:creationId xmlns:a16="http://schemas.microsoft.com/office/drawing/2014/main" id="{A7D9CE52-9AE7-4C3D-B506-31065C0797FE}"/>
+              </a:ext>
+            </a:extLst>
+          </p:cNvPr>
+          <p:cNvSpPr txBox="1"/>
+          <p:nvPr/>
+        </p:nvSpPr>
+        <p:spPr>
+          <a:xfrm>
+            <a:off x="6662921" y="6425541"/>
+            <a:ext cx="1107996" cy="276999"/>
+          </a:xfrm>
+          <a:prstGeom prst="rect">
+            <a:avLst/>
+          </a:prstGeom>
+          <a:noFill/>
+        </p:spPr>
+        <p:txBody>
+          <a:bodyPr wrap="none" rtlCol="0">
+            <a:spAutoFit/>
+          </a:bodyPr>
+          <a:lstStyle/>
+          <a:p>
+            <a:r>
+              <a:rPr kumimoji="1" lang="ja-JP" altLang="en-US" sz="1200" dirty="0"/>
+              <a:t>配布ポイント</a:t>
+            </a:r>
+            <a:endParaRPr kumimoji="1" lang="ja-JP" altLang="en-US" dirty="0"/>
+          </a:p>
+        </p:txBody>
+      </p:sp>
+      <p:sp>
+        <p:nvSpPr>
+          <p:cNvPr id="53" name="正方形/長方形 52">
+            <a:extLst>
+              <a:ext uri="{FF2B5EF4-FFF2-40B4-BE49-F238E27FC236}">
+                <a16:creationId xmlns:a16="http://schemas.microsoft.com/office/drawing/2014/main" id="{05011235-2287-4F47-B80F-94F19E4DC88B}"/>
+              </a:ext>
+            </a:extLst>
+          </p:cNvPr>
+          <p:cNvSpPr/>
+          <p:nvPr/>
+        </p:nvSpPr>
+        <p:spPr>
+          <a:xfrm>
+            <a:off x="1594773" y="2842130"/>
+            <a:ext cx="1657350" cy="1173739"/>
+          </a:xfrm>
+          <a:prstGeom prst="rect">
+            <a:avLst/>
+          </a:prstGeom>
+          <a:ln/>
+        </p:spPr>
+        <p:style>
+          <a:lnRef idx="2">
+            <a:schemeClr val="accent2"/>
+          </a:lnRef>
+          <a:fillRef idx="1">
+            <a:schemeClr val="lt1"/>
+          </a:fillRef>
+          <a:effectRef idx="0">
+            <a:schemeClr val="accent2"/>
+          </a:effectRef>
+          <a:fontRef idx="minor">
+            <a:schemeClr val="dk1"/>
+          </a:fontRef>
+        </p:style>
+        <p:txBody>
+          <a:bodyPr rtlCol="0" anchor="ctr"/>
+          <a:lstStyle/>
+          <a:p>
+            <a:pPr algn="ctr"/>
+            <a:endParaRPr kumimoji="1" lang="ja-JP" altLang="en-US"/>
+          </a:p>
+        </p:txBody>
+      </p:sp>
+      <p:sp>
+        <p:nvSpPr>
+          <p:cNvPr id="54" name="正方形/長方形 53">
+            <a:extLst>
+              <a:ext uri="{FF2B5EF4-FFF2-40B4-BE49-F238E27FC236}">
+                <a16:creationId xmlns:a16="http://schemas.microsoft.com/office/drawing/2014/main" id="{444A0A0F-C0D8-44DE-8EF9-70B58BF55FF7}"/>
+              </a:ext>
+            </a:extLst>
+          </p:cNvPr>
+          <p:cNvSpPr/>
+          <p:nvPr/>
+        </p:nvSpPr>
+        <p:spPr>
+          <a:xfrm>
+            <a:off x="1594773" y="2755074"/>
+            <a:ext cx="1657350" cy="310509"/>
+          </a:xfrm>
+          <a:prstGeom prst="rect">
+            <a:avLst/>
+          </a:prstGeom>
+          <a:ln/>
+        </p:spPr>
+        <p:style>
+          <a:lnRef idx="2">
+            <a:schemeClr val="accent2"/>
+          </a:lnRef>
+          <a:fillRef idx="1">
+            <a:schemeClr val="lt1"/>
+          </a:fillRef>
+          <a:effectRef idx="0">
+            <a:schemeClr val="accent2"/>
+          </a:effectRef>
+          <a:fontRef idx="minor">
+            <a:schemeClr val="dk1"/>
+          </a:fontRef>
+        </p:style>
+        <p:txBody>
+          <a:bodyPr rtlCol="0" anchor="ctr"/>
+          <a:lstStyle/>
+          <a:p>
+            <a:pPr algn="ctr"/>
+            <a:r>
+              <a:rPr lang="ja-JP" altLang="en-US" sz="1400" dirty="0"/>
+              <a:t>自宅</a:t>
+            </a:r>
+            <a:endParaRPr kumimoji="1" lang="ja-JP" altLang="en-US" sz="1400" dirty="0"/>
+          </a:p>
+        </p:txBody>
+      </p:sp>
+      <p:pic>
+        <p:nvPicPr>
+          <p:cNvPr id="55" name="Picture 2" descr="ノートPCアイコン | アイコン素材ダウンロードサイト「icooon-mono」 | 商用利用可能なアイコン素材が無料(フリー)ダウンロードできるサイト">
+            <a:extLst>
+              <a:ext uri="{FF2B5EF4-FFF2-40B4-BE49-F238E27FC236}">
+                <a16:creationId xmlns:a16="http://schemas.microsoft.com/office/drawing/2014/main" id="{81E33EF9-9490-4D04-872F-18857FAC0536}"/>
+              </a:ext>
+            </a:extLst>
+          </p:cNvPr>
+          <p:cNvPicPr>
+            <a:picLocks noChangeAspect="1" noChangeArrowheads="1"/>
+          </p:cNvPicPr>
+          <p:nvPr/>
+        </p:nvPicPr>
+        <p:blipFill>
+          <a:blip r:embed="rId2">
+            <a:extLst>
+              <a:ext uri="{28A0092B-C50C-407E-A947-70E740481C1C}">
+                <a14:useLocalDpi xmlns:a14="http://schemas.microsoft.com/office/drawing/2010/main" val="0"/>
+              </a:ext>
+            </a:extLst>
+          </a:blip>
+          <a:srcRect/>
+          <a:stretch>
+            <a:fillRect/>
+          </a:stretch>
+        </p:blipFill>
+        <p:spPr bwMode="auto">
+          <a:xfrm>
+            <a:off x="2137350" y="3250257"/>
+            <a:ext cx="572193" cy="572193"/>
+          </a:xfrm>
+          <a:prstGeom prst="rect">
+            <a:avLst/>
+          </a:prstGeom>
+          <a:noFill/>
+          <a:extLst>
+            <a:ext uri="{909E8E84-426E-40DD-AFC4-6F175D3DCCD1}">
+              <a14:hiddenFill xmlns:a14="http://schemas.microsoft.com/office/drawing/2010/main">
+                <a:solidFill>
+                  <a:srgbClr val="FFFFFF"/>
+                </a:solidFill>
+              </a14:hiddenFill>
+            </a:ext>
+          </a:extLst>
+        </p:spPr>
+      </p:pic>
+      <p:sp>
+        <p:nvSpPr>
+          <p:cNvPr id="56" name="正方形/長方形 55">
+            <a:extLst>
+              <a:ext uri="{FF2B5EF4-FFF2-40B4-BE49-F238E27FC236}">
+                <a16:creationId xmlns:a16="http://schemas.microsoft.com/office/drawing/2014/main" id="{51156607-7003-48E1-AD58-961555642DDA}"/>
+              </a:ext>
+            </a:extLst>
+          </p:cNvPr>
+          <p:cNvSpPr/>
+          <p:nvPr/>
+        </p:nvSpPr>
+        <p:spPr>
+          <a:xfrm>
+            <a:off x="1335088" y="5394073"/>
+            <a:ext cx="2351088" cy="1356815"/>
+          </a:xfrm>
+          <a:prstGeom prst="rect">
+            <a:avLst/>
+          </a:prstGeom>
+          <a:ln/>
+        </p:spPr>
+        <p:style>
+          <a:lnRef idx="2">
+            <a:schemeClr val="dk1"/>
+          </a:lnRef>
+          <a:fillRef idx="1">
+            <a:schemeClr val="lt1"/>
+          </a:fillRef>
+          <a:effectRef idx="0">
+            <a:schemeClr val="dk1"/>
+          </a:effectRef>
+          <a:fontRef idx="minor">
+            <a:schemeClr val="dk1"/>
+          </a:fontRef>
+        </p:style>
+        <p:txBody>
+          <a:bodyPr rtlCol="0" anchor="ctr"/>
+          <a:lstStyle/>
+          <a:p>
+            <a:pPr algn="ctr"/>
+            <a:endParaRPr kumimoji="1" lang="ja-JP" altLang="en-US"/>
+          </a:p>
+        </p:txBody>
+      </p:sp>
+      <p:sp>
+        <p:nvSpPr>
+          <p:cNvPr id="57" name="正方形/長方形 56">
+            <a:extLst>
+              <a:ext uri="{FF2B5EF4-FFF2-40B4-BE49-F238E27FC236}">
+                <a16:creationId xmlns:a16="http://schemas.microsoft.com/office/drawing/2014/main" id="{C157EBB3-20EA-44B6-86DF-B64614C877AA}"/>
+              </a:ext>
+            </a:extLst>
+          </p:cNvPr>
+          <p:cNvSpPr/>
+          <p:nvPr/>
+        </p:nvSpPr>
+        <p:spPr>
+          <a:xfrm>
+            <a:off x="1335088" y="5240727"/>
+            <a:ext cx="2351088" cy="310509"/>
+          </a:xfrm>
+          <a:prstGeom prst="rect">
+            <a:avLst/>
+          </a:prstGeom>
+          <a:ln/>
+        </p:spPr>
+        <p:style>
+          <a:lnRef idx="2">
+            <a:schemeClr val="dk1"/>
+          </a:lnRef>
+          <a:fillRef idx="1">
+            <a:schemeClr val="lt1"/>
+          </a:fillRef>
+          <a:effectRef idx="0">
+            <a:schemeClr val="dk1"/>
+          </a:effectRef>
+          <a:fontRef idx="minor">
+            <a:schemeClr val="dk1"/>
+          </a:fontRef>
+        </p:style>
+        <p:txBody>
+          <a:bodyPr rtlCol="0" anchor="ctr"/>
+          <a:lstStyle/>
+          <a:p>
+            <a:pPr algn="ctr"/>
+            <a:r>
+              <a:rPr kumimoji="1" lang="ja-JP" altLang="en-US" sz="1400" dirty="0"/>
+              <a:t>支社</a:t>
+            </a:r>
+          </a:p>
+        </p:txBody>
+      </p:sp>
+      <p:pic>
+        <p:nvPicPr>
+          <p:cNvPr id="58" name="Picture 2" descr="ノートPCアイコン | アイコン素材ダウンロードサイト「icooon-mono」 | 商用利用可能なアイコン素材が無料(フリー)ダウンロードできるサイト">
+            <a:extLst>
+              <a:ext uri="{FF2B5EF4-FFF2-40B4-BE49-F238E27FC236}">
+                <a16:creationId xmlns:a16="http://schemas.microsoft.com/office/drawing/2014/main" id="{72323AF3-4E24-4E0C-AE67-0A1D1F84FA59}"/>
+              </a:ext>
+            </a:extLst>
+          </p:cNvPr>
+          <p:cNvPicPr>
+            <a:picLocks noChangeAspect="1" noChangeArrowheads="1"/>
+          </p:cNvPicPr>
+          <p:nvPr/>
+        </p:nvPicPr>
+        <p:blipFill>
+          <a:blip r:embed="rId2">
+            <a:extLst>
+              <a:ext uri="{28A0092B-C50C-407E-A947-70E740481C1C}">
+                <a14:useLocalDpi xmlns:a14="http://schemas.microsoft.com/office/drawing/2010/main" val="0"/>
+              </a:ext>
+            </a:extLst>
+          </a:blip>
+          <a:srcRect/>
+          <a:stretch>
+            <a:fillRect/>
+          </a:stretch>
+        </p:blipFill>
+        <p:spPr bwMode="auto">
+          <a:xfrm>
+            <a:off x="1663253" y="5793964"/>
+            <a:ext cx="572193" cy="572193"/>
+          </a:xfrm>
+          <a:prstGeom prst="rect">
+            <a:avLst/>
+          </a:prstGeom>
+          <a:noFill/>
+          <a:extLst>
+            <a:ext uri="{909E8E84-426E-40DD-AFC4-6F175D3DCCD1}">
+              <a14:hiddenFill xmlns:a14="http://schemas.microsoft.com/office/drawing/2010/main">
+                <a:solidFill>
+                  <a:srgbClr val="FFFFFF"/>
+                </a:solidFill>
+              </a14:hiddenFill>
+            </a:ext>
+          </a:extLst>
+        </p:spPr>
+      </p:pic>
+      <p:pic>
+        <p:nvPicPr>
+          <p:cNvPr id="59" name="Picture 2" descr="ノートPCアイコン | アイコン素材ダウンロードサイト「icooon-mono」 | 商用利用可能なアイコン素材が無料(フリー)ダウンロードできるサイト">
+            <a:extLst>
+              <a:ext uri="{FF2B5EF4-FFF2-40B4-BE49-F238E27FC236}">
+                <a16:creationId xmlns:a16="http://schemas.microsoft.com/office/drawing/2014/main" id="{C54318D2-0A4A-4FCD-A0B1-E9AF1A1C83BF}"/>
+              </a:ext>
+            </a:extLst>
+          </p:cNvPr>
+          <p:cNvPicPr>
+            <a:picLocks noChangeAspect="1" noChangeArrowheads="1"/>
+          </p:cNvPicPr>
+          <p:nvPr/>
+        </p:nvPicPr>
+        <p:blipFill>
+          <a:blip r:embed="rId2">
+            <a:extLst>
+              <a:ext uri="{28A0092B-C50C-407E-A947-70E740481C1C}">
+                <a14:useLocalDpi xmlns:a14="http://schemas.microsoft.com/office/drawing/2010/main" val="0"/>
+              </a:ext>
+            </a:extLst>
+          </a:blip>
+          <a:srcRect/>
+          <a:stretch>
+            <a:fillRect/>
+          </a:stretch>
+        </p:blipFill>
+        <p:spPr bwMode="auto">
+          <a:xfrm>
+            <a:off x="2681795" y="5793964"/>
+            <a:ext cx="572193" cy="572193"/>
+          </a:xfrm>
+          <a:prstGeom prst="rect">
+            <a:avLst/>
+          </a:prstGeom>
+          <a:noFill/>
+          <a:extLst>
+            <a:ext uri="{909E8E84-426E-40DD-AFC4-6F175D3DCCD1}">
+              <a14:hiddenFill xmlns:a14="http://schemas.microsoft.com/office/drawing/2010/main">
+                <a:solidFill>
+                  <a:srgbClr val="FFFFFF"/>
+                </a:solidFill>
+              </a14:hiddenFill>
+            </a:ext>
+          </a:extLst>
+        </p:spPr>
+      </p:pic>
+      <p:pic>
+        <p:nvPicPr>
+          <p:cNvPr id="60" name="Picture 12" descr="ルーター 無料 アイコン の Material Design">
+            <a:extLst>
+              <a:ext uri="{FF2B5EF4-FFF2-40B4-BE49-F238E27FC236}">
+                <a16:creationId xmlns:a16="http://schemas.microsoft.com/office/drawing/2014/main" id="{2C051EE3-4E1F-44AE-BD18-8C3DCA15DD1A}"/>
+              </a:ext>
+            </a:extLst>
+          </p:cNvPr>
+          <p:cNvPicPr>
+            <a:picLocks noChangeAspect="1" noChangeArrowheads="1"/>
+          </p:cNvPicPr>
+          <p:nvPr/>
+        </p:nvPicPr>
+        <p:blipFill>
+          <a:blip r:embed="rId4">
+            <a:extLst>
+              <a:ext uri="{28A0092B-C50C-407E-A947-70E740481C1C}">
+                <a14:useLocalDpi xmlns:a14="http://schemas.microsoft.com/office/drawing/2010/main" val="0"/>
+              </a:ext>
+            </a:extLst>
+          </a:blip>
+          <a:srcRect/>
+          <a:stretch>
+            <a:fillRect/>
+          </a:stretch>
+        </p:blipFill>
+        <p:spPr bwMode="auto">
+          <a:xfrm>
+            <a:off x="2378209" y="4830498"/>
+            <a:ext cx="408696" cy="408696"/>
+          </a:xfrm>
+          <a:prstGeom prst="rect">
+            <a:avLst/>
+          </a:prstGeom>
+          <a:noFill/>
+          <a:extLst>
+            <a:ext uri="{909E8E84-426E-40DD-AFC4-6F175D3DCCD1}">
+              <a14:hiddenFill xmlns:a14="http://schemas.microsoft.com/office/drawing/2010/main">
+                <a:solidFill>
+                  <a:srgbClr val="FFFFFF"/>
+                </a:solidFill>
+              </a14:hiddenFill>
+            </a:ext>
+          </a:extLst>
+        </p:spPr>
+      </p:pic>
+      <p:pic>
+        <p:nvPicPr>
+          <p:cNvPr id="1048" name="Picture 24" descr="無線のwifiルーターの無料アイコン素材 2 | 商用可の無料(フリー)のアイコン素材をダウンロードできるサイト『icon rainbow』">
+            <a:extLst>
+              <a:ext uri="{FF2B5EF4-FFF2-40B4-BE49-F238E27FC236}">
+                <a16:creationId xmlns:a16="http://schemas.microsoft.com/office/drawing/2014/main" id="{8620ED8B-3B36-4CC8-91C2-CD0F956CB769}"/>
+              </a:ext>
+            </a:extLst>
+          </p:cNvPr>
+          <p:cNvPicPr>
+            <a:picLocks noChangeAspect="1" noChangeArrowheads="1"/>
+          </p:cNvPicPr>
+          <p:nvPr/>
+        </p:nvPicPr>
+        <p:blipFill>
+          <a:blip r:embed="rId5">
+            <a:extLst>
+              <a:ext uri="{28A0092B-C50C-407E-A947-70E740481C1C}">
+                <a14:useLocalDpi xmlns:a14="http://schemas.microsoft.com/office/drawing/2010/main" val="0"/>
+              </a:ext>
+            </a:extLst>
+          </a:blip>
+          <a:srcRect/>
+          <a:stretch>
+            <a:fillRect/>
+          </a:stretch>
+        </p:blipFill>
+        <p:spPr bwMode="auto">
+          <a:xfrm>
+            <a:off x="3257420" y="3078573"/>
+            <a:ext cx="623887" cy="623887"/>
+          </a:xfrm>
+          <a:prstGeom prst="rect">
+            <a:avLst/>
+          </a:prstGeom>
+          <a:noFill/>
+          <a:extLst>
+            <a:ext uri="{909E8E84-426E-40DD-AFC4-6F175D3DCCD1}">
+              <a14:hiddenFill xmlns:a14="http://schemas.microsoft.com/office/drawing/2010/main">
+                <a:solidFill>
+                  <a:srgbClr val="FFFFFF"/>
+                </a:solidFill>
+              </a14:hiddenFill>
+            </a:ext>
+          </a:extLst>
+        </p:spPr>
+      </p:pic>
+      <p:cxnSp>
+        <p:nvCxnSpPr>
+          <p:cNvPr id="107" name="直線コネクタ 60">
+            <a:extLst>
+              <a:ext uri="{FF2B5EF4-FFF2-40B4-BE49-F238E27FC236}">
+                <a16:creationId xmlns:a16="http://schemas.microsoft.com/office/drawing/2014/main" id="{C4C0C8B9-5F28-4BEC-BE32-919AEFC3E277}"/>
+              </a:ext>
+            </a:extLst>
+          </p:cNvPr>
+          <p:cNvCxnSpPr>
+            <a:cxnSpLocks/>
+            <a:stCxn id="60" idx="0"/>
+            <a:endCxn id="10" idx="2"/>
+          </p:cNvCxnSpPr>
+          <p:nvPr/>
+        </p:nvCxnSpPr>
+        <p:spPr>
+          <a:xfrm rot="5400000" flipH="1" flipV="1">
+            <a:off x="3487211" y="3444900"/>
+            <a:ext cx="480944" cy="2290253"/>
+          </a:xfrm>
+          <a:prstGeom prst="bentConnector2">
+            <a:avLst/>
+          </a:prstGeom>
+        </p:spPr>
+        <p:style>
+          <a:lnRef idx="1">
+            <a:schemeClr val="dk1"/>
+          </a:lnRef>
+          <a:fillRef idx="0">
+            <a:schemeClr val="dk1"/>
+          </a:fillRef>
+          <a:effectRef idx="0">
+            <a:schemeClr val="dk1"/>
+          </a:effectRef>
+          <a:fontRef idx="minor">
+            <a:schemeClr val="tx1"/>
+          </a:fontRef>
+        </p:style>
+      </p:cxnSp>
+      <p:cxnSp>
+        <p:nvCxnSpPr>
+          <p:cNvPr id="110" name="直線コネクタ 60">
+            <a:extLst>
+              <a:ext uri="{FF2B5EF4-FFF2-40B4-BE49-F238E27FC236}">
+                <a16:creationId xmlns:a16="http://schemas.microsoft.com/office/drawing/2014/main" id="{228AC960-471B-4EE4-ACE7-607A83CD2062}"/>
+              </a:ext>
+            </a:extLst>
+          </p:cNvPr>
+          <p:cNvCxnSpPr>
+            <a:cxnSpLocks/>
+            <a:stCxn id="10" idx="0"/>
+            <a:endCxn id="14" idx="0"/>
+          </p:cNvCxnSpPr>
+          <p:nvPr/>
+        </p:nvCxnSpPr>
+        <p:spPr>
+          <a:xfrm>
+            <a:off x="7356616" y="4349554"/>
+            <a:ext cx="2876240" cy="143710"/>
+          </a:xfrm>
+          <a:prstGeom prst="bentConnector2">
+            <a:avLst/>
+          </a:prstGeom>
+        </p:spPr>
+        <p:style>
+          <a:lnRef idx="1">
+            <a:schemeClr val="dk1"/>
+          </a:lnRef>
+          <a:fillRef idx="0">
+            <a:schemeClr val="dk1"/>
+          </a:fillRef>
+          <a:effectRef idx="0">
+            <a:schemeClr val="dk1"/>
+          </a:effectRef>
+          <a:fontRef idx="minor">
+            <a:schemeClr val="tx1"/>
+          </a:fontRef>
+        </p:style>
+      </p:cxnSp>
+      <p:cxnSp>
+        <p:nvCxnSpPr>
+          <p:cNvPr id="113" name="直線コネクタ 60">
+            <a:extLst>
+              <a:ext uri="{FF2B5EF4-FFF2-40B4-BE49-F238E27FC236}">
+                <a16:creationId xmlns:a16="http://schemas.microsoft.com/office/drawing/2014/main" id="{06444809-C0FF-4E61-B4F0-0A282D7E824F}"/>
+              </a:ext>
+            </a:extLst>
+          </p:cNvPr>
+          <p:cNvCxnSpPr>
+            <a:cxnSpLocks/>
+            <a:stCxn id="10" idx="1"/>
+            <a:endCxn id="1036" idx="0"/>
+          </p:cNvCxnSpPr>
+          <p:nvPr/>
+        </p:nvCxnSpPr>
+        <p:spPr>
+          <a:xfrm>
+            <a:off x="6111885" y="4646976"/>
+            <a:ext cx="0" cy="183522"/>
+          </a:xfrm>
+          <a:prstGeom prst="straightConnector1">
+            <a:avLst/>
+          </a:prstGeom>
+        </p:spPr>
+        <p:style>
+          <a:lnRef idx="1">
+            <a:schemeClr val="dk1"/>
+          </a:lnRef>
+          <a:fillRef idx="0">
+            <a:schemeClr val="dk1"/>
+          </a:fillRef>
+          <a:effectRef idx="0">
+            <a:schemeClr val="dk1"/>
+          </a:effectRef>
+          <a:fontRef idx="minor">
+            <a:schemeClr val="tx1"/>
+          </a:fontRef>
+        </p:style>
+      </p:cxnSp>
+      <p:sp>
+        <p:nvSpPr>
+          <p:cNvPr id="5" name="タイトル 4">
+            <a:extLst>
+              <a:ext uri="{FF2B5EF4-FFF2-40B4-BE49-F238E27FC236}">
+                <a16:creationId xmlns:a16="http://schemas.microsoft.com/office/drawing/2014/main" id="{75F12AA4-E1DD-4DC9-BCE3-7AA4FBB16D2D}"/>
               </a:ext>
             </a:extLst>
           </p:cNvPr>
@@ -13364,91 +19886,1078 @@
           <a:lstStyle/>
           <a:p>
             <a:r>
-              <a:rPr kumimoji="1" lang="en-US" altLang="ja-JP" dirty="0"/>
-              <a:t>Power Platform</a:t>
-            </a:r>
-            <a:endParaRPr kumimoji="1" lang="ja-JP" altLang="en-US" dirty="0"/>
+              <a:rPr lang="en-US" altLang="ja-JP" dirty="0"/>
+              <a:t>Microsoft 365 Apps</a:t>
+            </a:r>
+            <a:br>
+              <a:rPr lang="en-US" altLang="ja-JP" dirty="0"/>
+            </a:br>
+            <a:r>
+              <a:rPr lang="ja-JP" altLang="en-US" dirty="0"/>
+              <a:t>　</a:t>
+            </a:r>
+            <a:r>
+              <a:rPr lang="en-US" altLang="ja-JP" dirty="0"/>
+              <a:t>MECM</a:t>
+            </a:r>
+            <a:r>
+              <a:rPr lang="ja-JP" altLang="en-US" dirty="0"/>
+              <a:t>展開例</a:t>
+            </a:r>
+          </a:p>
+        </p:txBody>
+      </p:sp>
+      <p:pic>
+        <p:nvPicPr>
+          <p:cNvPr id="11" name="Picture 2" descr="マイクロソフト企業ロゴ使用ガイドライン - 法律やライセンスに関する情報 - Mscorp - Microsoft">
+            <a:extLst>
+              <a:ext uri="{FF2B5EF4-FFF2-40B4-BE49-F238E27FC236}">
+                <a16:creationId xmlns:a16="http://schemas.microsoft.com/office/drawing/2014/main" id="{4DBCD545-061A-4A65-806C-B05AA6B1E430}"/>
+              </a:ext>
+            </a:extLst>
+          </p:cNvPr>
+          <p:cNvPicPr>
+            <a:picLocks noChangeAspect="1" noChangeArrowheads="1"/>
+          </p:cNvPicPr>
+          <p:nvPr/>
+        </p:nvPicPr>
+        <p:blipFill>
+          <a:blip r:embed="rId6">
+            <a:extLst>
+              <a:ext uri="{28A0092B-C50C-407E-A947-70E740481C1C}">
+                <a14:useLocalDpi xmlns:a14="http://schemas.microsoft.com/office/drawing/2010/main" val="0"/>
+              </a:ext>
+            </a:extLst>
+          </a:blip>
+          <a:srcRect/>
+          <a:stretch>
+            <a:fillRect/>
+          </a:stretch>
+        </p:blipFill>
+        <p:spPr bwMode="auto">
+          <a:xfrm>
+            <a:off x="5120029" y="1770340"/>
+            <a:ext cx="1951942" cy="1093761"/>
+          </a:xfrm>
+          <a:prstGeom prst="rect">
+            <a:avLst/>
+          </a:prstGeom>
+          <a:noFill/>
+          <a:extLst>
+            <a:ext uri="{909E8E84-426E-40DD-AFC4-6F175D3DCCD1}">
+              <a14:hiddenFill xmlns:a14="http://schemas.microsoft.com/office/drawing/2010/main">
+                <a:solidFill>
+                  <a:srgbClr val="FFFFFF"/>
+                </a:solidFill>
+              </a14:hiddenFill>
+            </a:ext>
+          </a:extLst>
+        </p:spPr>
+      </p:pic>
+      <p:cxnSp>
+        <p:nvCxnSpPr>
+          <p:cNvPr id="16" name="コネクタ: 曲線 15">
+            <a:extLst>
+              <a:ext uri="{FF2B5EF4-FFF2-40B4-BE49-F238E27FC236}">
+                <a16:creationId xmlns:a16="http://schemas.microsoft.com/office/drawing/2014/main" id="{8FAE5CBC-C8C2-486F-A731-49571413CED2}"/>
+              </a:ext>
+            </a:extLst>
+          </p:cNvPr>
+          <p:cNvCxnSpPr>
+            <a:cxnSpLocks/>
+            <a:stCxn id="8" idx="0"/>
+            <a:endCxn id="11" idx="2"/>
+          </p:cNvCxnSpPr>
+          <p:nvPr/>
+        </p:nvCxnSpPr>
+        <p:spPr>
+          <a:xfrm rot="16200000" flipV="1">
+            <a:off x="6807566" y="2152535"/>
+            <a:ext cx="2777578" cy="4200710"/>
+          </a:xfrm>
+          <a:prstGeom prst="curvedConnector3">
+            <a:avLst/>
+          </a:prstGeom>
+          <a:ln w="34925">
+            <a:solidFill>
+              <a:srgbClr val="FF0000"/>
+            </a:solidFill>
+            <a:prstDash val="dash"/>
+            <a:tailEnd type="arrow"/>
+          </a:ln>
+        </p:spPr>
+        <p:style>
+          <a:lnRef idx="1">
+            <a:schemeClr val="accent1"/>
+          </a:lnRef>
+          <a:fillRef idx="0">
+            <a:schemeClr val="accent1"/>
+          </a:fillRef>
+          <a:effectRef idx="0">
+            <a:schemeClr val="accent1"/>
+          </a:effectRef>
+          <a:fontRef idx="minor">
+            <a:schemeClr val="tx1"/>
+          </a:fontRef>
+        </p:style>
+      </p:cxnSp>
+      <p:sp>
+        <p:nvSpPr>
+          <p:cNvPr id="19" name="吹き出し: 四角形 18">
+            <a:extLst>
+              <a:ext uri="{FF2B5EF4-FFF2-40B4-BE49-F238E27FC236}">
+                <a16:creationId xmlns:a16="http://schemas.microsoft.com/office/drawing/2014/main" id="{F1C9399A-6A5F-4531-951B-CDF4F39C9E3A}"/>
+              </a:ext>
+            </a:extLst>
+          </p:cNvPr>
+          <p:cNvSpPr/>
+          <p:nvPr/>
+        </p:nvSpPr>
+        <p:spPr>
+          <a:xfrm>
+            <a:off x="7844346" y="3187430"/>
+            <a:ext cx="1681741" cy="678746"/>
+          </a:xfrm>
+          <a:prstGeom prst="wedgeRectCallout">
+            <a:avLst>
+              <a:gd name="adj1" fmla="val -60953"/>
+              <a:gd name="adj2" fmla="val 92582"/>
+            </a:avLst>
+          </a:prstGeom>
+          <a:ln>
+            <a:solidFill>
+              <a:srgbClr val="FF0000"/>
+            </a:solidFill>
+          </a:ln>
+        </p:spPr>
+        <p:style>
+          <a:lnRef idx="2">
+            <a:schemeClr val="accent3"/>
+          </a:lnRef>
+          <a:fillRef idx="1">
+            <a:schemeClr val="lt1"/>
+          </a:fillRef>
+          <a:effectRef idx="0">
+            <a:schemeClr val="accent3"/>
+          </a:effectRef>
+          <a:fontRef idx="minor">
+            <a:schemeClr val="dk1"/>
+          </a:fontRef>
+        </p:style>
+        <p:txBody>
+          <a:bodyPr rtlCol="0" anchor="ctr"/>
+          <a:lstStyle/>
+          <a:p>
+            <a:r>
+              <a:rPr kumimoji="1" lang="ja-JP" altLang="en-US" sz="1100" dirty="0"/>
+              <a:t>①</a:t>
+            </a:r>
+            <a:r>
+              <a:rPr kumimoji="1" lang="en-US" altLang="ja-JP" sz="1100" dirty="0"/>
+              <a:t>Microsoft</a:t>
+            </a:r>
+            <a:r>
+              <a:rPr kumimoji="1" lang="ja-JP" altLang="en-US" sz="1100" dirty="0"/>
+              <a:t>から</a:t>
+            </a:r>
+            <a:r>
+              <a:rPr lang="en-US" altLang="ja-JP" sz="1100" dirty="0"/>
+              <a:t>ODT</a:t>
+            </a:r>
+            <a:r>
+              <a:rPr lang="ja-JP" altLang="en-US" sz="1100" dirty="0"/>
+              <a:t>で</a:t>
+            </a:r>
+            <a:r>
+              <a:rPr lang="en-US" altLang="ja-JP" sz="1100" dirty="0"/>
+              <a:t>M365 Apps</a:t>
+            </a:r>
+            <a:r>
+              <a:rPr lang="ja-JP" altLang="en-US" sz="1100" dirty="0"/>
+              <a:t>をダウンロードする</a:t>
+            </a:r>
+            <a:endParaRPr kumimoji="1" lang="ja-JP" altLang="en-US" sz="1100" dirty="0"/>
+          </a:p>
+        </p:txBody>
+      </p:sp>
+      <p:cxnSp>
+        <p:nvCxnSpPr>
+          <p:cNvPr id="70" name="コネクタ: 曲線 69">
+            <a:extLst>
+              <a:ext uri="{FF2B5EF4-FFF2-40B4-BE49-F238E27FC236}">
+                <a16:creationId xmlns:a16="http://schemas.microsoft.com/office/drawing/2014/main" id="{9FDA8BFF-A1C0-409E-BC48-28C50A84EADF}"/>
+              </a:ext>
+            </a:extLst>
+          </p:cNvPr>
+          <p:cNvCxnSpPr>
+            <a:cxnSpLocks/>
+            <a:stCxn id="8" idx="0"/>
+            <a:endCxn id="15" idx="0"/>
+          </p:cNvCxnSpPr>
+          <p:nvPr/>
+        </p:nvCxnSpPr>
+        <p:spPr>
+          <a:xfrm rot="16200000" flipH="1" flipV="1">
+            <a:off x="8679186" y="4097007"/>
+            <a:ext cx="72852" cy="3162196"/>
+          </a:xfrm>
+          <a:prstGeom prst="curvedConnector3">
+            <a:avLst>
+              <a:gd name="adj1" fmla="val -1702979"/>
+            </a:avLst>
+          </a:prstGeom>
+          <a:ln w="34925">
+            <a:solidFill>
+              <a:srgbClr val="FF0000"/>
+            </a:solidFill>
+            <a:prstDash val="dash"/>
+            <a:tailEnd type="arrow"/>
+          </a:ln>
+        </p:spPr>
+        <p:style>
+          <a:lnRef idx="1">
+            <a:schemeClr val="accent1"/>
+          </a:lnRef>
+          <a:fillRef idx="0">
+            <a:schemeClr val="accent1"/>
+          </a:fillRef>
+          <a:effectRef idx="0">
+            <a:schemeClr val="accent1"/>
+          </a:effectRef>
+          <a:fontRef idx="minor">
+            <a:schemeClr val="tx1"/>
+          </a:fontRef>
+        </p:style>
+      </p:cxnSp>
+      <p:cxnSp>
+        <p:nvCxnSpPr>
+          <p:cNvPr id="74" name="コネクタ: 曲線 73">
+            <a:extLst>
+              <a:ext uri="{FF2B5EF4-FFF2-40B4-BE49-F238E27FC236}">
+                <a16:creationId xmlns:a16="http://schemas.microsoft.com/office/drawing/2014/main" id="{0025CF9A-E00D-45FA-905D-FFF6F936E51B}"/>
+              </a:ext>
+            </a:extLst>
+          </p:cNvPr>
+          <p:cNvCxnSpPr>
+            <a:cxnSpLocks/>
+            <a:stCxn id="15" idx="1"/>
+            <a:endCxn id="1026" idx="3"/>
+          </p:cNvCxnSpPr>
+          <p:nvPr/>
+        </p:nvCxnSpPr>
+        <p:spPr>
+          <a:xfrm rot="10800000" flipV="1">
+            <a:off x="5370077" y="6031699"/>
+            <a:ext cx="1447269" cy="305493"/>
+          </a:xfrm>
+          <a:prstGeom prst="curvedConnector3">
+            <a:avLst>
+              <a:gd name="adj1" fmla="val 50000"/>
+            </a:avLst>
+          </a:prstGeom>
+          <a:ln w="34925">
+            <a:solidFill>
+              <a:srgbClr val="FF0000"/>
+            </a:solidFill>
+            <a:prstDash val="dash"/>
+            <a:tailEnd type="arrow"/>
+          </a:ln>
+        </p:spPr>
+        <p:style>
+          <a:lnRef idx="1">
+            <a:schemeClr val="accent1"/>
+          </a:lnRef>
+          <a:fillRef idx="0">
+            <a:schemeClr val="accent1"/>
+          </a:fillRef>
+          <a:effectRef idx="0">
+            <a:schemeClr val="accent1"/>
+          </a:effectRef>
+          <a:fontRef idx="minor">
+            <a:schemeClr val="tx1"/>
+          </a:fontRef>
+        </p:style>
+      </p:cxnSp>
+      <p:pic>
+        <p:nvPicPr>
+          <p:cNvPr id="1030" name="Picture 6" descr="Office for Mac アプリアイコンのデザインが変わった！ - wanichanの日記">
+            <a:extLst>
+              <a:ext uri="{FF2B5EF4-FFF2-40B4-BE49-F238E27FC236}">
+                <a16:creationId xmlns:a16="http://schemas.microsoft.com/office/drawing/2014/main" id="{C1F7C6C2-E78D-43D4-84C2-28E1CFF00253}"/>
+              </a:ext>
+            </a:extLst>
+          </p:cNvPr>
+          <p:cNvPicPr>
+            <a:picLocks noChangeAspect="1" noChangeArrowheads="1"/>
+          </p:cNvPicPr>
+          <p:nvPr/>
+        </p:nvPicPr>
+        <p:blipFill>
+          <a:blip r:embed="rId7">
+            <a:extLst>
+              <a:ext uri="{28A0092B-C50C-407E-A947-70E740481C1C}">
+                <a14:useLocalDpi xmlns:a14="http://schemas.microsoft.com/office/drawing/2010/main" val="0"/>
+              </a:ext>
+            </a:extLst>
+          </a:blip>
+          <a:srcRect/>
+          <a:stretch>
+            <a:fillRect/>
+          </a:stretch>
+        </p:blipFill>
+        <p:spPr bwMode="auto">
+          <a:xfrm>
+            <a:off x="5877615" y="5922055"/>
+            <a:ext cx="430057" cy="419568"/>
+          </a:xfrm>
+          <a:prstGeom prst="rect">
+            <a:avLst/>
+          </a:prstGeom>
+          <a:noFill/>
+          <a:extLst>
+            <a:ext uri="{909E8E84-426E-40DD-AFC4-6F175D3DCCD1}">
+              <a14:hiddenFill xmlns:a14="http://schemas.microsoft.com/office/drawing/2010/main">
+                <a:solidFill>
+                  <a:srgbClr val="FFFFFF"/>
+                </a:solidFill>
+              </a14:hiddenFill>
+            </a:ext>
+          </a:extLst>
+        </p:spPr>
+      </p:pic>
+      <p:sp>
+        <p:nvSpPr>
+          <p:cNvPr id="80" name="吹き出し: 四角形 79">
+            <a:extLst>
+              <a:ext uri="{FF2B5EF4-FFF2-40B4-BE49-F238E27FC236}">
+                <a16:creationId xmlns:a16="http://schemas.microsoft.com/office/drawing/2014/main" id="{18D3B324-0DB1-4EC1-96A3-E9B81E47C986}"/>
+              </a:ext>
+            </a:extLst>
+          </p:cNvPr>
+          <p:cNvSpPr/>
+          <p:nvPr/>
+        </p:nvSpPr>
+        <p:spPr>
+          <a:xfrm>
+            <a:off x="4017598" y="5194369"/>
+            <a:ext cx="1681741" cy="678746"/>
+          </a:xfrm>
+          <a:prstGeom prst="wedgeRectCallout">
+            <a:avLst>
+              <a:gd name="adj1" fmla="val 61516"/>
+              <a:gd name="adj2" fmla="val 89966"/>
+            </a:avLst>
+          </a:prstGeom>
+          <a:ln>
+            <a:solidFill>
+              <a:srgbClr val="FF0000"/>
+            </a:solidFill>
+          </a:ln>
+        </p:spPr>
+        <p:style>
+          <a:lnRef idx="2">
+            <a:schemeClr val="accent3"/>
+          </a:lnRef>
+          <a:fillRef idx="1">
+            <a:schemeClr val="lt1"/>
+          </a:fillRef>
+          <a:effectRef idx="0">
+            <a:schemeClr val="accent3"/>
+          </a:effectRef>
+          <a:fontRef idx="minor">
+            <a:schemeClr val="dk1"/>
+          </a:fontRef>
+        </p:style>
+        <p:txBody>
+          <a:bodyPr rtlCol="0" anchor="ctr"/>
+          <a:lstStyle/>
+          <a:p>
+            <a:r>
+              <a:rPr kumimoji="1" lang="ja-JP" altLang="en-US" sz="1100" dirty="0"/>
+              <a:t>③配布ポイントからダウンロードし、インストールを実行する。</a:t>
+            </a:r>
+          </a:p>
+        </p:txBody>
+      </p:sp>
+      <p:cxnSp>
+        <p:nvCxnSpPr>
+          <p:cNvPr id="81" name="コネクタ: 曲線 80">
+            <a:extLst>
+              <a:ext uri="{FF2B5EF4-FFF2-40B4-BE49-F238E27FC236}">
+                <a16:creationId xmlns:a16="http://schemas.microsoft.com/office/drawing/2014/main" id="{03A8E9DA-B9D1-408A-B68B-3404FD99D463}"/>
+              </a:ext>
+            </a:extLst>
+          </p:cNvPr>
+          <p:cNvCxnSpPr>
+            <a:cxnSpLocks/>
+            <a:stCxn id="8" idx="0"/>
+            <a:endCxn id="59" idx="0"/>
+          </p:cNvCxnSpPr>
+          <p:nvPr/>
+        </p:nvCxnSpPr>
+        <p:spPr>
+          <a:xfrm rot="16200000" flipH="1" flipV="1">
+            <a:off x="6556158" y="2053412"/>
+            <a:ext cx="152285" cy="7328818"/>
+          </a:xfrm>
+          <a:prstGeom prst="curvedConnector3">
+            <a:avLst>
+              <a:gd name="adj1" fmla="val -925456"/>
+            </a:avLst>
+          </a:prstGeom>
+          <a:ln w="34925">
+            <a:solidFill>
+              <a:srgbClr val="FF0000"/>
+            </a:solidFill>
+            <a:prstDash val="dash"/>
+            <a:tailEnd type="arrow"/>
+          </a:ln>
+        </p:spPr>
+        <p:style>
+          <a:lnRef idx="1">
+            <a:schemeClr val="accent1"/>
+          </a:lnRef>
+          <a:fillRef idx="0">
+            <a:schemeClr val="accent1"/>
+          </a:fillRef>
+          <a:effectRef idx="0">
+            <a:schemeClr val="accent1"/>
+          </a:effectRef>
+          <a:fontRef idx="minor">
+            <a:schemeClr val="tx1"/>
+          </a:fontRef>
+        </p:style>
+      </p:cxnSp>
+      <p:sp>
+        <p:nvSpPr>
+          <p:cNvPr id="85" name="吹き出し: 四角形 84">
+            <a:extLst>
+              <a:ext uri="{FF2B5EF4-FFF2-40B4-BE49-F238E27FC236}">
+                <a16:creationId xmlns:a16="http://schemas.microsoft.com/office/drawing/2014/main" id="{9102D0FC-5659-4408-B651-6DC66392EC06}"/>
+              </a:ext>
+            </a:extLst>
+          </p:cNvPr>
+          <p:cNvSpPr/>
+          <p:nvPr/>
+        </p:nvSpPr>
+        <p:spPr>
+          <a:xfrm>
+            <a:off x="1087316" y="4129969"/>
+            <a:ext cx="1921621" cy="747698"/>
+          </a:xfrm>
+          <a:prstGeom prst="wedgeRectCallout">
+            <a:avLst>
+              <a:gd name="adj1" fmla="val 61516"/>
+              <a:gd name="adj2" fmla="val 89966"/>
+            </a:avLst>
+          </a:prstGeom>
+          <a:ln>
+            <a:solidFill>
+              <a:srgbClr val="FF0000"/>
+            </a:solidFill>
+          </a:ln>
+        </p:spPr>
+        <p:style>
+          <a:lnRef idx="2">
+            <a:schemeClr val="accent3"/>
+          </a:lnRef>
+          <a:fillRef idx="1">
+            <a:schemeClr val="lt1"/>
+          </a:fillRef>
+          <a:effectRef idx="0">
+            <a:schemeClr val="accent3"/>
+          </a:effectRef>
+          <a:fontRef idx="minor">
+            <a:schemeClr val="dk1"/>
+          </a:fontRef>
+        </p:style>
+        <p:txBody>
+          <a:bodyPr rtlCol="0" anchor="ctr"/>
+          <a:lstStyle/>
+          <a:p>
+            <a:r>
+              <a:rPr lang="ja-JP" altLang="en-US" sz="1100" dirty="0"/>
+              <a:t>②直接データセンターの</a:t>
+            </a:r>
+            <a:r>
+              <a:rPr kumimoji="1" lang="en-US" altLang="ja-JP" sz="1100" dirty="0"/>
+              <a:t>MECM</a:t>
+            </a:r>
+            <a:r>
+              <a:rPr kumimoji="1" lang="ja-JP" altLang="en-US" sz="1100" dirty="0"/>
+              <a:t>サーバからダウンロードし、インストールを実行する。</a:t>
+            </a:r>
+          </a:p>
+        </p:txBody>
+      </p:sp>
+      <p:cxnSp>
+        <p:nvCxnSpPr>
+          <p:cNvPr id="41" name="コネクタ: 曲線 40">
+            <a:extLst>
+              <a:ext uri="{FF2B5EF4-FFF2-40B4-BE49-F238E27FC236}">
+                <a16:creationId xmlns:a16="http://schemas.microsoft.com/office/drawing/2014/main" id="{ED38F154-11F5-4DEB-9F83-0D36083DCE29}"/>
+              </a:ext>
+            </a:extLst>
+          </p:cNvPr>
+          <p:cNvCxnSpPr>
+            <a:cxnSpLocks/>
+            <a:endCxn id="58" idx="3"/>
+          </p:cNvCxnSpPr>
+          <p:nvPr/>
+        </p:nvCxnSpPr>
+        <p:spPr>
+          <a:xfrm rot="10800000" flipV="1">
+            <a:off x="2235447" y="5970523"/>
+            <a:ext cx="446349" cy="109538"/>
+          </a:xfrm>
+          <a:prstGeom prst="curvedConnector3">
+            <a:avLst>
+              <a:gd name="adj1" fmla="val 50000"/>
+            </a:avLst>
+          </a:prstGeom>
+          <a:ln w="34925">
+            <a:solidFill>
+              <a:srgbClr val="FF0000"/>
+            </a:solidFill>
+            <a:prstDash val="dash"/>
+            <a:tailEnd type="arrow"/>
+          </a:ln>
+        </p:spPr>
+        <p:style>
+          <a:lnRef idx="1">
+            <a:schemeClr val="accent1"/>
+          </a:lnRef>
+          <a:fillRef idx="0">
+            <a:schemeClr val="accent1"/>
+          </a:fillRef>
+          <a:effectRef idx="0">
+            <a:schemeClr val="accent1"/>
+          </a:effectRef>
+          <a:fontRef idx="minor">
+            <a:schemeClr val="tx1"/>
+          </a:fontRef>
+        </p:style>
+      </p:cxnSp>
+      <p:pic>
+        <p:nvPicPr>
+          <p:cNvPr id="46" name="Picture 6" descr="Office for Mac アプリアイコンのデザインが変わった！ - wanichanの日記">
+            <a:extLst>
+              <a:ext uri="{FF2B5EF4-FFF2-40B4-BE49-F238E27FC236}">
+                <a16:creationId xmlns:a16="http://schemas.microsoft.com/office/drawing/2014/main" id="{B7C13448-FE30-4EC6-86B3-EF10648E27E6}"/>
+              </a:ext>
+            </a:extLst>
+          </p:cNvPr>
+          <p:cNvPicPr>
+            <a:picLocks noChangeAspect="1" noChangeArrowheads="1"/>
+          </p:cNvPicPr>
+          <p:nvPr/>
+        </p:nvPicPr>
+        <p:blipFill>
+          <a:blip r:embed="rId7">
+            <a:extLst>
+              <a:ext uri="{28A0092B-C50C-407E-A947-70E740481C1C}">
+                <a14:useLocalDpi xmlns:a14="http://schemas.microsoft.com/office/drawing/2010/main" val="0"/>
+              </a:ext>
+            </a:extLst>
+          </a:blip>
+          <a:srcRect/>
+          <a:stretch>
+            <a:fillRect/>
+          </a:stretch>
+        </p:blipFill>
+        <p:spPr bwMode="auto">
+          <a:xfrm>
+            <a:off x="2522976" y="5815508"/>
+            <a:ext cx="430057" cy="419568"/>
+          </a:xfrm>
+          <a:prstGeom prst="rect">
+            <a:avLst/>
+          </a:prstGeom>
+          <a:noFill/>
+          <a:extLst>
+            <a:ext uri="{909E8E84-426E-40DD-AFC4-6F175D3DCCD1}">
+              <a14:hiddenFill xmlns:a14="http://schemas.microsoft.com/office/drawing/2010/main">
+                <a:solidFill>
+                  <a:srgbClr val="FFFFFF"/>
+                </a:solidFill>
+              </a14:hiddenFill>
+            </a:ext>
+          </a:extLst>
+        </p:spPr>
+      </p:pic>
+      <p:sp>
+        <p:nvSpPr>
+          <p:cNvPr id="47" name="吹き出し: 四角形 46">
+            <a:extLst>
+              <a:ext uri="{FF2B5EF4-FFF2-40B4-BE49-F238E27FC236}">
+                <a16:creationId xmlns:a16="http://schemas.microsoft.com/office/drawing/2014/main" id="{EC6DE274-F37D-4642-8269-0881B404B2BC}"/>
+              </a:ext>
+            </a:extLst>
+          </p:cNvPr>
+          <p:cNvSpPr/>
+          <p:nvPr/>
+        </p:nvSpPr>
+        <p:spPr>
+          <a:xfrm>
+            <a:off x="266038" y="5167311"/>
+            <a:ext cx="1681741" cy="750629"/>
+          </a:xfrm>
+          <a:prstGeom prst="wedgeRectCallout">
+            <a:avLst>
+              <a:gd name="adj1" fmla="val 72277"/>
+              <a:gd name="adj2" fmla="val 56286"/>
+            </a:avLst>
+          </a:prstGeom>
+          <a:ln>
+            <a:solidFill>
+              <a:srgbClr val="FF0000"/>
+            </a:solidFill>
+          </a:ln>
+        </p:spPr>
+        <p:style>
+          <a:lnRef idx="2">
+            <a:schemeClr val="accent3"/>
+          </a:lnRef>
+          <a:fillRef idx="1">
+            <a:schemeClr val="lt1"/>
+          </a:fillRef>
+          <a:effectRef idx="0">
+            <a:schemeClr val="accent3"/>
+          </a:effectRef>
+          <a:fontRef idx="minor">
+            <a:schemeClr val="dk1"/>
+          </a:fontRef>
+        </p:style>
+        <p:txBody>
+          <a:bodyPr rtlCol="0" anchor="ctr"/>
+          <a:lstStyle/>
+          <a:p>
+            <a:r>
+              <a:rPr kumimoji="1" lang="ja-JP" altLang="en-US" sz="1100" dirty="0"/>
+              <a:t>④</a:t>
+            </a:r>
+            <a:r>
+              <a:rPr kumimoji="1" lang="en-US" altLang="ja-JP" sz="1100" dirty="0"/>
+              <a:t>Branche</a:t>
+            </a:r>
+            <a:r>
+              <a:rPr kumimoji="1" lang="ja-JP" altLang="en-US" sz="1100" dirty="0"/>
+              <a:t>キャッシュで</a:t>
+            </a:r>
+            <a:r>
+              <a:rPr lang="ja-JP" altLang="en-US" sz="1100" dirty="0"/>
+              <a:t>キャッシュを取得</a:t>
+            </a:r>
+            <a:r>
+              <a:rPr kumimoji="1" lang="ja-JP" altLang="en-US" sz="1100" dirty="0"/>
+              <a:t>し、インストールを実行する。</a:t>
+            </a:r>
           </a:p>
         </p:txBody>
       </p:sp>
       <p:sp>
         <p:nvSpPr>
-          <p:cNvPr id="3" name="コンテンツ プレースホルダー 2">
-            <a:extLst>
-              <a:ext uri="{FF2B5EF4-FFF2-40B4-BE49-F238E27FC236}">
-                <a16:creationId xmlns:a16="http://schemas.microsoft.com/office/drawing/2014/main" id="{E270D3F4-3A98-41CA-98EE-CF8F174151B2}"/>
-              </a:ext>
-            </a:extLst>
-          </p:cNvPr>
-          <p:cNvSpPr>
-            <a:spLocks noGrp="1"/>
-          </p:cNvSpPr>
-          <p:nvPr>
-            <p:ph idx="1"/>
-          </p:nvPr>
+          <p:cNvPr id="63" name="テキスト ボックス 62">
+            <a:extLst>
+              <a:ext uri="{FF2B5EF4-FFF2-40B4-BE49-F238E27FC236}">
+                <a16:creationId xmlns:a16="http://schemas.microsoft.com/office/drawing/2014/main" id="{7F23C9F9-5391-4AD2-AA3C-C575D4094E2A}"/>
+              </a:ext>
+            </a:extLst>
+          </p:cNvPr>
+          <p:cNvSpPr txBox="1"/>
+          <p:nvPr/>
         </p:nvSpPr>
-        <p:spPr/>
+        <p:spPr>
+          <a:xfrm>
+            <a:off x="7356616" y="1709950"/>
+            <a:ext cx="4672201" cy="830997"/>
+          </a:xfrm>
+          <a:prstGeom prst="rect">
+            <a:avLst/>
+          </a:prstGeom>
+          <a:noFill/>
+        </p:spPr>
         <p:txBody>
-          <a:bodyPr/>
+          <a:bodyPr wrap="square" rtlCol="0">
+            <a:spAutoFit/>
+          </a:bodyPr>
           <a:lstStyle/>
           <a:p>
-            <a:pPr marL="0" indent="0">
-              <a:buNone/>
-            </a:pPr>
-            <a:r>
-              <a:rPr kumimoji="1" lang="en-US" altLang="ja-JP" dirty="0"/>
-              <a:t>Office</a:t>
-            </a:r>
-            <a:r>
-              <a:rPr lang="ja-JP" altLang="en-US" dirty="0"/>
-              <a:t>や各種製品と連携しながらアプリ</a:t>
-            </a:r>
-            <a:r>
-              <a:rPr kumimoji="1" lang="ja-JP" altLang="en-US" dirty="0"/>
-              <a:t>開発・業務自動化やデータ分析を行うことができる</a:t>
-            </a:r>
-            <a:r>
-              <a:rPr kumimoji="1" lang="en-US" altLang="ja-JP" dirty="0"/>
-              <a:t>Microsoft</a:t>
-            </a:r>
-            <a:r>
-              <a:rPr kumimoji="1" lang="ja-JP" altLang="en-US" dirty="0"/>
-              <a:t>ソリューション。</a:t>
-            </a:r>
-            <a:endParaRPr kumimoji="1" lang="en-US" altLang="ja-JP" dirty="0"/>
-          </a:p>
-          <a:p>
-            <a:pPr marL="0" indent="0">
-              <a:buNone/>
-            </a:pPr>
-            <a:r>
-              <a:rPr lang="ja-JP" altLang="en-US" sz="2000" dirty="0"/>
-              <a:t>（</a:t>
-            </a:r>
-            <a:r>
-              <a:rPr lang="en-US" altLang="ja-JP" sz="2000" dirty="0"/>
-              <a:t>※</a:t>
-            </a:r>
-            <a:r>
-              <a:rPr lang="ja-JP" altLang="en-US" sz="2000" dirty="0"/>
-              <a:t>）</a:t>
-            </a:r>
-            <a:r>
-              <a:rPr lang="en-US" altLang="ja-JP" sz="2000" dirty="0"/>
-              <a:t>M365 Enterprise</a:t>
-            </a:r>
-            <a:r>
-              <a:rPr lang="ja-JP" altLang="en-US" sz="2000" dirty="0"/>
-              <a:t>ライセンスに応じて利用できる製品は異なる。</a:t>
-            </a:r>
-            <a:endParaRPr kumimoji="1" lang="ja-JP" altLang="en-US" dirty="0"/>
+            <a:r>
+              <a:rPr kumimoji="1" lang="en-US" altLang="ja-JP" sz="1200" dirty="0"/>
+              <a:t>MECM</a:t>
+            </a:r>
+            <a:r>
+              <a:rPr kumimoji="1" lang="ja-JP" altLang="en-US" sz="1200" dirty="0"/>
+              <a:t>サーバでの展開は配布ポイントと</a:t>
+            </a:r>
+            <a:r>
+              <a:rPr kumimoji="1" lang="en-US" altLang="ja-JP" sz="1200" dirty="0"/>
+              <a:t>BranchCache</a:t>
+            </a:r>
+            <a:r>
+              <a:rPr kumimoji="1" lang="ja-JP" altLang="en-US" sz="1200" dirty="0"/>
+              <a:t>を用いる。特に</a:t>
+            </a:r>
+            <a:r>
+              <a:rPr kumimoji="1" lang="en-US" altLang="ja-JP" sz="1200" dirty="0"/>
+              <a:t>VPN</a:t>
+            </a:r>
+            <a:r>
+              <a:rPr kumimoji="1" lang="ja-JP" altLang="en-US" sz="1200" dirty="0"/>
+              <a:t>利用の端末の場合、社内</a:t>
+            </a:r>
+            <a:r>
+              <a:rPr kumimoji="1" lang="en-US" altLang="ja-JP" sz="1200" dirty="0"/>
+              <a:t>LAN</a:t>
+            </a:r>
+            <a:r>
+              <a:rPr kumimoji="1" lang="ja-JP" altLang="en-US" sz="1200" dirty="0"/>
+              <a:t>を経由せずに直接クラウド上からファイルを取得できるため、社内</a:t>
+            </a:r>
+            <a:r>
+              <a:rPr kumimoji="1" lang="en-US" altLang="ja-JP" sz="1200" dirty="0"/>
+              <a:t>LAN</a:t>
+            </a:r>
+            <a:r>
+              <a:rPr lang="ja-JP" altLang="en-US" sz="1200" dirty="0"/>
+              <a:t>に</a:t>
+            </a:r>
+            <a:r>
+              <a:rPr kumimoji="1" lang="ja-JP" altLang="en-US" sz="1200" dirty="0"/>
+              <a:t>帯域負荷がかからない。</a:t>
+            </a:r>
+            <a:endParaRPr lang="en-US" altLang="ja-JP" sz="1200" dirty="0"/>
           </a:p>
         </p:txBody>
       </p:sp>
+      <p:sp>
+        <p:nvSpPr>
+          <p:cNvPr id="64" name="吹き出し: 四角形 63">
+            <a:extLst>
+              <a:ext uri="{FF2B5EF4-FFF2-40B4-BE49-F238E27FC236}">
+                <a16:creationId xmlns:a16="http://schemas.microsoft.com/office/drawing/2014/main" id="{27CB30AA-4C39-4495-A3C8-385ED34A23C3}"/>
+              </a:ext>
+            </a:extLst>
+          </p:cNvPr>
+          <p:cNvSpPr/>
+          <p:nvPr/>
+        </p:nvSpPr>
+        <p:spPr>
+          <a:xfrm>
+            <a:off x="90770" y="2842130"/>
+            <a:ext cx="1921621" cy="747698"/>
+          </a:xfrm>
+          <a:prstGeom prst="wedgeRectCallout">
+            <a:avLst>
+              <a:gd name="adj1" fmla="val 94726"/>
+              <a:gd name="adj2" fmla="val -3031"/>
+            </a:avLst>
+          </a:prstGeom>
+          <a:ln>
+            <a:solidFill>
+              <a:srgbClr val="FF0000"/>
+            </a:solidFill>
+          </a:ln>
+        </p:spPr>
+        <p:style>
+          <a:lnRef idx="2">
+            <a:schemeClr val="accent3"/>
+          </a:lnRef>
+          <a:fillRef idx="1">
+            <a:schemeClr val="lt1"/>
+          </a:fillRef>
+          <a:effectRef idx="0">
+            <a:schemeClr val="accent3"/>
+          </a:effectRef>
+          <a:fontRef idx="minor">
+            <a:schemeClr val="dk1"/>
+          </a:fontRef>
+        </p:style>
+        <p:txBody>
+          <a:bodyPr rtlCol="0" anchor="ctr"/>
+          <a:lstStyle/>
+          <a:p>
+            <a:r>
+              <a:rPr lang="ja-JP" altLang="en-US" sz="1100" dirty="0"/>
+              <a:t>③クラウド配布ポイントからダウンロードし、</a:t>
+            </a:r>
+            <a:r>
+              <a:rPr kumimoji="1" lang="ja-JP" altLang="en-US" sz="1100" dirty="0"/>
+              <a:t>インストールを実行する。</a:t>
+            </a:r>
+          </a:p>
+        </p:txBody>
+      </p:sp>
+      <p:cxnSp>
+        <p:nvCxnSpPr>
+          <p:cNvPr id="65" name="コネクタ: 曲線 64">
+            <a:extLst>
+              <a:ext uri="{FF2B5EF4-FFF2-40B4-BE49-F238E27FC236}">
+                <a16:creationId xmlns:a16="http://schemas.microsoft.com/office/drawing/2014/main" id="{59CA5874-9D11-4914-A3EB-77982584BDCF}"/>
+              </a:ext>
+            </a:extLst>
+          </p:cNvPr>
+          <p:cNvCxnSpPr>
+            <a:cxnSpLocks/>
+            <a:stCxn id="8" idx="0"/>
+            <a:endCxn id="2" idx="1"/>
+          </p:cNvCxnSpPr>
+          <p:nvPr/>
+        </p:nvCxnSpPr>
+        <p:spPr>
+          <a:xfrm rot="16200000" flipV="1">
+            <a:off x="5115882" y="460850"/>
+            <a:ext cx="3159509" cy="7202149"/>
+          </a:xfrm>
+          <a:prstGeom prst="curvedConnector3">
+            <a:avLst>
+              <a:gd name="adj1" fmla="val 50000"/>
+            </a:avLst>
+          </a:prstGeom>
+          <a:ln w="34925">
+            <a:solidFill>
+              <a:srgbClr val="FF0000"/>
+            </a:solidFill>
+            <a:prstDash val="dash"/>
+            <a:tailEnd type="arrow"/>
+          </a:ln>
+        </p:spPr>
+        <p:style>
+          <a:lnRef idx="1">
+            <a:schemeClr val="accent1"/>
+          </a:lnRef>
+          <a:fillRef idx="0">
+            <a:schemeClr val="accent1"/>
+          </a:fillRef>
+          <a:effectRef idx="0">
+            <a:schemeClr val="accent1"/>
+          </a:effectRef>
+          <a:fontRef idx="minor">
+            <a:schemeClr val="tx1"/>
+          </a:fontRef>
+        </p:style>
+      </p:cxnSp>
+      <p:sp>
+        <p:nvSpPr>
+          <p:cNvPr id="66" name="吹き出し: 四角形 65">
+            <a:extLst>
+              <a:ext uri="{FF2B5EF4-FFF2-40B4-BE49-F238E27FC236}">
+                <a16:creationId xmlns:a16="http://schemas.microsoft.com/office/drawing/2014/main" id="{9F52D971-D35A-4898-B54B-CA7F09D6CCA0}"/>
+              </a:ext>
+            </a:extLst>
+          </p:cNvPr>
+          <p:cNvSpPr/>
+          <p:nvPr/>
+        </p:nvSpPr>
+        <p:spPr>
+          <a:xfrm>
+            <a:off x="7709614" y="4989432"/>
+            <a:ext cx="1681741" cy="613910"/>
+          </a:xfrm>
+          <a:prstGeom prst="wedgeRectCallout">
+            <a:avLst>
+              <a:gd name="adj1" fmla="val -53035"/>
+              <a:gd name="adj2" fmla="val -87916"/>
+            </a:avLst>
+          </a:prstGeom>
+          <a:ln>
+            <a:solidFill>
+              <a:srgbClr val="FF0000"/>
+            </a:solidFill>
+          </a:ln>
+        </p:spPr>
+        <p:style>
+          <a:lnRef idx="2">
+            <a:schemeClr val="accent3"/>
+          </a:lnRef>
+          <a:fillRef idx="1">
+            <a:schemeClr val="lt1"/>
+          </a:fillRef>
+          <a:effectRef idx="0">
+            <a:schemeClr val="accent3"/>
+          </a:effectRef>
+          <a:fontRef idx="minor">
+            <a:schemeClr val="dk1"/>
+          </a:fontRef>
+        </p:style>
+        <p:txBody>
+          <a:bodyPr rtlCol="0" anchor="ctr"/>
+          <a:lstStyle/>
+          <a:p>
+            <a:r>
+              <a:rPr kumimoji="1" lang="ja-JP" altLang="en-US" sz="1100" dirty="0"/>
+              <a:t>②配布ポイントにファイルをコピーする</a:t>
+            </a:r>
+          </a:p>
+        </p:txBody>
+      </p:sp>
+      <p:sp>
+        <p:nvSpPr>
+          <p:cNvPr id="2" name="雲 1">
+            <a:extLst>
+              <a:ext uri="{FF2B5EF4-FFF2-40B4-BE49-F238E27FC236}">
+                <a16:creationId xmlns:a16="http://schemas.microsoft.com/office/drawing/2014/main" id="{4761F910-C416-49E4-82DA-FCCDED0F1FB5}"/>
+              </a:ext>
+            </a:extLst>
+          </p:cNvPr>
+          <p:cNvSpPr/>
+          <p:nvPr/>
+        </p:nvSpPr>
+        <p:spPr>
+          <a:xfrm>
+            <a:off x="1848909" y="1688642"/>
+            <a:ext cx="2491303" cy="794374"/>
+          </a:xfrm>
+          <a:prstGeom prst="cloud">
+            <a:avLst/>
+          </a:prstGeom>
+        </p:spPr>
+        <p:style>
+          <a:lnRef idx="2">
+            <a:schemeClr val="accent1">
+              <a:shade val="50000"/>
+            </a:schemeClr>
+          </a:lnRef>
+          <a:fillRef idx="1">
+            <a:schemeClr val="accent1"/>
+          </a:fillRef>
+          <a:effectRef idx="0">
+            <a:schemeClr val="accent1"/>
+          </a:effectRef>
+          <a:fontRef idx="minor">
+            <a:schemeClr val="lt1"/>
+          </a:fontRef>
+        </p:style>
+        <p:txBody>
+          <a:bodyPr rtlCol="0" anchor="ctr"/>
+          <a:lstStyle/>
+          <a:p>
+            <a:pPr algn="ctr"/>
+            <a:r>
+              <a:rPr kumimoji="1" lang="ja-JP" altLang="en-US" dirty="0"/>
+              <a:t>クラウド</a:t>
+            </a:r>
+            <a:endParaRPr kumimoji="1" lang="en-US" altLang="ja-JP" dirty="0"/>
+          </a:p>
+          <a:p>
+            <a:pPr algn="ctr"/>
+            <a:r>
+              <a:rPr kumimoji="1" lang="ja-JP" altLang="en-US" dirty="0"/>
+              <a:t>配布ポイント</a:t>
+            </a:r>
+          </a:p>
+        </p:txBody>
+      </p:sp>
+      <p:sp>
+        <p:nvSpPr>
+          <p:cNvPr id="61" name="吹き出し: 四角形 60">
+            <a:extLst>
+              <a:ext uri="{FF2B5EF4-FFF2-40B4-BE49-F238E27FC236}">
+                <a16:creationId xmlns:a16="http://schemas.microsoft.com/office/drawing/2014/main" id="{D0B11801-21FF-4776-BA43-F94F6D7FB39E}"/>
+              </a:ext>
+            </a:extLst>
+          </p:cNvPr>
+          <p:cNvSpPr/>
+          <p:nvPr/>
+        </p:nvSpPr>
+        <p:spPr>
+          <a:xfrm>
+            <a:off x="3378794" y="2454046"/>
+            <a:ext cx="1870734" cy="613910"/>
+          </a:xfrm>
+          <a:prstGeom prst="wedgeRectCallout">
+            <a:avLst>
+              <a:gd name="adj1" fmla="val -63230"/>
+              <a:gd name="adj2" fmla="val -10339"/>
+            </a:avLst>
+          </a:prstGeom>
+          <a:ln>
+            <a:solidFill>
+              <a:srgbClr val="FF0000"/>
+            </a:solidFill>
+          </a:ln>
+        </p:spPr>
+        <p:style>
+          <a:lnRef idx="2">
+            <a:schemeClr val="accent3"/>
+          </a:lnRef>
+          <a:fillRef idx="1">
+            <a:schemeClr val="lt1"/>
+          </a:fillRef>
+          <a:effectRef idx="0">
+            <a:schemeClr val="accent3"/>
+          </a:effectRef>
+          <a:fontRef idx="minor">
+            <a:schemeClr val="dk1"/>
+          </a:fontRef>
+        </p:style>
+        <p:txBody>
+          <a:bodyPr rtlCol="0" anchor="ctr"/>
+          <a:lstStyle/>
+          <a:p>
+            <a:r>
+              <a:rPr lang="ja-JP" altLang="en-US" sz="1100" dirty="0"/>
+              <a:t>②クラウド</a:t>
+            </a:r>
+            <a:r>
+              <a:rPr kumimoji="1" lang="ja-JP" altLang="en-US" sz="1100" dirty="0"/>
+              <a:t>配布ポイントにファイルをコピーする</a:t>
+            </a:r>
+          </a:p>
+        </p:txBody>
+      </p:sp>
+      <p:cxnSp>
+        <p:nvCxnSpPr>
+          <p:cNvPr id="62" name="コネクタ: 曲線 61">
+            <a:extLst>
+              <a:ext uri="{FF2B5EF4-FFF2-40B4-BE49-F238E27FC236}">
+                <a16:creationId xmlns:a16="http://schemas.microsoft.com/office/drawing/2014/main" id="{6389FFBD-8449-45D4-858B-9306388F6634}"/>
+              </a:ext>
+            </a:extLst>
+          </p:cNvPr>
+          <p:cNvCxnSpPr>
+            <a:cxnSpLocks/>
+            <a:stCxn id="55" idx="3"/>
+            <a:endCxn id="2" idx="1"/>
+          </p:cNvCxnSpPr>
+          <p:nvPr/>
+        </p:nvCxnSpPr>
+        <p:spPr>
+          <a:xfrm flipV="1">
+            <a:off x="2709543" y="2482170"/>
+            <a:ext cx="385018" cy="1054184"/>
+          </a:xfrm>
+          <a:prstGeom prst="curvedConnector2">
+            <a:avLst/>
+          </a:prstGeom>
+          <a:ln w="34925">
+            <a:solidFill>
+              <a:srgbClr val="FF0000"/>
+            </a:solidFill>
+            <a:prstDash val="dash"/>
+            <a:tailEnd type="arrow"/>
+          </a:ln>
+        </p:spPr>
+        <p:style>
+          <a:lnRef idx="1">
+            <a:schemeClr val="accent1"/>
+          </a:lnRef>
+          <a:fillRef idx="0">
+            <a:schemeClr val="accent1"/>
+          </a:fillRef>
+          <a:effectRef idx="0">
+            <a:schemeClr val="accent1"/>
+          </a:effectRef>
+          <a:fontRef idx="minor">
+            <a:schemeClr val="tx1"/>
+          </a:fontRef>
+        </p:style>
+      </p:cxnSp>
     </p:spTree>
     <p:extLst>
       <p:ext uri="{BB962C8B-B14F-4D97-AF65-F5344CB8AC3E}">
-        <p14:creationId xmlns:p14="http://schemas.microsoft.com/office/powerpoint/2010/main" val="2903763706"/>
+        <p14:creationId xmlns:p14="http://schemas.microsoft.com/office/powerpoint/2010/main" val="3118712888"/>
       </p:ext>
     </p:extLst>
   </p:cSld>
